--- a/Lectures/Lecture 3/lecture3.pptx
+++ b/Lectures/Lecture 3/lecture3.pptx
@@ -7,7 +7,16 @@
   <p:sldIdLst>
     <p:sldId id="256" r:id="rId2"/>
     <p:sldId id="258" r:id="rId3"/>
-    <p:sldId id="257" r:id="rId4"/>
+    <p:sldId id="266" r:id="rId4"/>
+    <p:sldId id="268" r:id="rId5"/>
+    <p:sldId id="273" r:id="rId6"/>
+    <p:sldId id="264" r:id="rId7"/>
+    <p:sldId id="267" r:id="rId8"/>
+    <p:sldId id="265" r:id="rId9"/>
+    <p:sldId id="270" r:id="rId10"/>
+    <p:sldId id="269" r:id="rId11"/>
+    <p:sldId id="272" r:id="rId12"/>
+    <p:sldId id="271" r:id="rId13"/>
   </p:sldIdLst>
   <p:sldSz cx="12192000" cy="6858000"/>
   <p:notesSz cx="6858000" cy="9144000"/>
@@ -3379,6 +3388,739 @@
 </p:sld>
 </file>
 
+<file path=ppt/slides/slide10.xml><?xml version="1.0" encoding="utf-8"?>
+<p:sld xmlns:a="http://schemas.openxmlformats.org/drawingml/2006/main" xmlns:r="http://schemas.openxmlformats.org/officeDocument/2006/relationships" xmlns:p="http://schemas.openxmlformats.org/presentationml/2006/main">
+  <p:cSld>
+    <p:spTree>
+      <p:nvGrpSpPr>
+        <p:cNvPr id="1" name=""/>
+        <p:cNvGrpSpPr/>
+        <p:nvPr/>
+      </p:nvGrpSpPr>
+      <p:grpSpPr>
+        <a:xfrm>
+          <a:off x="0" y="0"/>
+          <a:ext cx="0" cy="0"/>
+          <a:chOff x="0" y="0"/>
+          <a:chExt cx="0" cy="0"/>
+        </a:xfrm>
+      </p:grpSpPr>
+      <p:sp>
+        <p:nvSpPr>
+          <p:cNvPr id="2" name="Title 1">
+            <a:extLst>
+              <a:ext uri="{FF2B5EF4-FFF2-40B4-BE49-F238E27FC236}">
+                <a16:creationId xmlns:a16="http://schemas.microsoft.com/office/drawing/2014/main" id="{CD7C3B00-0061-4FCC-8A33-8108A433FA69}"/>
+              </a:ext>
+            </a:extLst>
+          </p:cNvPr>
+          <p:cNvSpPr>
+            <a:spLocks noGrp="1"/>
+          </p:cNvSpPr>
+          <p:nvPr>
+            <p:ph type="title"/>
+          </p:nvPr>
+        </p:nvSpPr>
+        <p:spPr/>
+        <p:txBody>
+          <a:bodyPr/>
+          <a:lstStyle/>
+          <a:p>
+            <a:r>
+              <a:rPr lang="en-US" dirty="0"/>
+              <a:t>Basic Job submission</a:t>
+            </a:r>
+          </a:p>
+        </p:txBody>
+      </p:sp>
+      <p:sp>
+        <p:nvSpPr>
+          <p:cNvPr id="3" name="Content Placeholder 2">
+            <a:extLst>
+              <a:ext uri="{FF2B5EF4-FFF2-40B4-BE49-F238E27FC236}">
+                <a16:creationId xmlns:a16="http://schemas.microsoft.com/office/drawing/2014/main" id="{F8CE6BE4-6872-4AC3-B70E-7768DE861185}"/>
+              </a:ext>
+            </a:extLst>
+          </p:cNvPr>
+          <p:cNvSpPr>
+            <a:spLocks noGrp="1"/>
+          </p:cNvSpPr>
+          <p:nvPr>
+            <p:ph idx="1"/>
+          </p:nvPr>
+        </p:nvSpPr>
+        <p:spPr>
+          <a:xfrm>
+            <a:off x="2231136" y="2638044"/>
+            <a:ext cx="3163824" cy="3101983"/>
+          </a:xfrm>
+        </p:spPr>
+        <p:txBody>
+          <a:bodyPr>
+            <a:normAutofit fontScale="85000" lnSpcReduction="10000"/>
+          </a:bodyPr>
+          <a:lstStyle/>
+          <a:p>
+            <a:r>
+              <a:rPr lang="en-US" dirty="0"/>
+              <a:t>In order to submit a job, you must make a </a:t>
+            </a:r>
+            <a:r>
+              <a:rPr lang="en-US" dirty="0" err="1"/>
+              <a:t>sh</a:t>
+            </a:r>
+            <a:r>
+              <a:rPr lang="en-US" dirty="0"/>
+              <a:t> file, specifying what the job will do</a:t>
+            </a:r>
+          </a:p>
+          <a:p>
+            <a:r>
+              <a:rPr lang="en-US" dirty="0"/>
+              <a:t>To make a file, use the command </a:t>
+            </a:r>
+          </a:p>
+          <a:p>
+            <a:pPr marL="0" indent="0">
+              <a:buNone/>
+            </a:pPr>
+            <a:r>
+              <a:rPr lang="en-US" dirty="0"/>
+              <a:t>  </a:t>
+            </a:r>
+            <a:r>
+              <a:rPr lang="en-US" sz="1600" dirty="0">
+                <a:latin typeface="Consolas" panose="020B0609020204030204" pitchFamily="49" charset="0"/>
+              </a:rPr>
+              <a:t>  $ vi &lt;filename&gt;</a:t>
+            </a:r>
+            <a:endParaRPr lang="en-US" dirty="0"/>
+          </a:p>
+          <a:p>
+            <a:r>
+              <a:rPr lang="en-US" dirty="0"/>
+              <a:t>Create a file helloworld.sh</a:t>
+            </a:r>
+          </a:p>
+          <a:p>
+            <a:r>
+              <a:rPr lang="en-US" dirty="0"/>
+              <a:t>To run locally, use </a:t>
+            </a:r>
+          </a:p>
+          <a:p>
+            <a:pPr marL="0" indent="0">
+              <a:buNone/>
+            </a:pPr>
+            <a:r>
+              <a:rPr lang="en-US" dirty="0"/>
+              <a:t>  </a:t>
+            </a:r>
+            <a:r>
+              <a:rPr lang="en-US" dirty="0">
+                <a:latin typeface="Consolas" panose="020B0609020204030204" pitchFamily="49" charset="0"/>
+              </a:rPr>
+              <a:t>  $ </a:t>
+            </a:r>
+            <a:r>
+              <a:rPr lang="en-US" dirty="0" err="1">
+                <a:latin typeface="Consolas" panose="020B0609020204030204" pitchFamily="49" charset="0"/>
+              </a:rPr>
+              <a:t>sh</a:t>
+            </a:r>
+            <a:r>
+              <a:rPr lang="en-US" dirty="0">
+                <a:latin typeface="Consolas" panose="020B0609020204030204" pitchFamily="49" charset="0"/>
+              </a:rPr>
+              <a:t> helloworld.sh</a:t>
+            </a:r>
+          </a:p>
+          <a:p>
+            <a:r>
+              <a:rPr lang="en-US" dirty="0"/>
+              <a:t>To submit the job, run</a:t>
+            </a:r>
+          </a:p>
+          <a:p>
+            <a:pPr marL="0" indent="0">
+              <a:buNone/>
+            </a:pPr>
+            <a:r>
+              <a:rPr lang="en-US" dirty="0">
+                <a:latin typeface="Consolas" panose="020B0609020204030204" pitchFamily="49" charset="0"/>
+              </a:rPr>
+              <a:t>   $ </a:t>
+            </a:r>
+            <a:r>
+              <a:rPr lang="en-US" dirty="0" err="1">
+                <a:latin typeface="Consolas" panose="020B0609020204030204" pitchFamily="49" charset="0"/>
+              </a:rPr>
+              <a:t>qsub</a:t>
+            </a:r>
+            <a:r>
+              <a:rPr lang="en-US" dirty="0">
+                <a:latin typeface="Consolas" panose="020B0609020204030204" pitchFamily="49" charset="0"/>
+              </a:rPr>
+              <a:t> helloworld.sh</a:t>
+            </a:r>
+            <a:endParaRPr lang="en-US" dirty="0"/>
+          </a:p>
+          <a:p>
+            <a:pPr marL="0" indent="0">
+              <a:buNone/>
+            </a:pPr>
+            <a:endParaRPr lang="en-US" dirty="0"/>
+          </a:p>
+          <a:p>
+            <a:endParaRPr lang="en-US" dirty="0">
+              <a:latin typeface="Consolas" panose="020B0609020204030204" pitchFamily="49" charset="0"/>
+            </a:endParaRPr>
+          </a:p>
+        </p:txBody>
+      </p:sp>
+      <p:pic>
+        <p:nvPicPr>
+          <p:cNvPr id="11" name="Picture 10">
+            <a:extLst>
+              <a:ext uri="{FF2B5EF4-FFF2-40B4-BE49-F238E27FC236}">
+                <a16:creationId xmlns:a16="http://schemas.microsoft.com/office/drawing/2014/main" id="{B7600DFB-34C3-42F5-98F0-1747387239E3}"/>
+              </a:ext>
+            </a:extLst>
+          </p:cNvPr>
+          <p:cNvPicPr>
+            <a:picLocks noChangeAspect="1"/>
+          </p:cNvPicPr>
+          <p:nvPr/>
+        </p:nvPicPr>
+        <p:blipFill rotWithShape="1">
+          <a:blip r:embed="rId2">
+            <a:extLst>
+              <a:ext uri="{BEBA8EAE-BF5A-486C-A8C5-ECC9F3942E4B}">
+                <a14:imgProps xmlns:a14="http://schemas.microsoft.com/office/drawing/2010/main">
+                  <a14:imgLayer r:embed="rId3">
+                    <a14:imgEffect>
+                      <a14:saturation sat="0"/>
+                    </a14:imgEffect>
+                    <a14:imgEffect>
+                      <a14:brightnessContrast bright="44000"/>
+                    </a14:imgEffect>
+                  </a14:imgLayer>
+                </a14:imgProps>
+              </a:ext>
+            </a:extLst>
+          </a:blip>
+          <a:srcRect l="50000" r="36341" b="77479"/>
+          <a:stretch/>
+        </p:blipFill>
+        <p:spPr>
+          <a:xfrm>
+            <a:off x="5394960" y="2390543"/>
+            <a:ext cx="4565904" cy="2117336"/>
+          </a:xfrm>
+          <a:prstGeom prst="rect">
+            <a:avLst/>
+          </a:prstGeom>
+        </p:spPr>
+      </p:pic>
+    </p:spTree>
+    <p:extLst>
+      <p:ext uri="{BB962C8B-B14F-4D97-AF65-F5344CB8AC3E}">
+        <p14:creationId xmlns:p14="http://schemas.microsoft.com/office/powerpoint/2010/main" val="1348753271"/>
+      </p:ext>
+    </p:extLst>
+  </p:cSld>
+  <p:clrMapOvr>
+    <a:masterClrMapping/>
+  </p:clrMapOvr>
+</p:sld>
+</file>
+
+<file path=ppt/slides/slide11.xml><?xml version="1.0" encoding="utf-8"?>
+<p:sld xmlns:a="http://schemas.openxmlformats.org/drawingml/2006/main" xmlns:r="http://schemas.openxmlformats.org/officeDocument/2006/relationships" xmlns:p="http://schemas.openxmlformats.org/presentationml/2006/main">
+  <p:cSld>
+    <p:spTree>
+      <p:nvGrpSpPr>
+        <p:cNvPr id="1" name=""/>
+        <p:cNvGrpSpPr/>
+        <p:nvPr/>
+      </p:nvGrpSpPr>
+      <p:grpSpPr>
+        <a:xfrm>
+          <a:off x="0" y="0"/>
+          <a:ext cx="0" cy="0"/>
+          <a:chOff x="0" y="0"/>
+          <a:chExt cx="0" cy="0"/>
+        </a:xfrm>
+      </p:grpSpPr>
+      <p:sp>
+        <p:nvSpPr>
+          <p:cNvPr id="2" name="Title 1">
+            <a:extLst>
+              <a:ext uri="{FF2B5EF4-FFF2-40B4-BE49-F238E27FC236}">
+                <a16:creationId xmlns:a16="http://schemas.microsoft.com/office/drawing/2014/main" id="{CD7C3B00-0061-4FCC-8A33-8108A433FA69}"/>
+              </a:ext>
+            </a:extLst>
+          </p:cNvPr>
+          <p:cNvSpPr>
+            <a:spLocks noGrp="1"/>
+          </p:cNvSpPr>
+          <p:nvPr>
+            <p:ph type="title"/>
+          </p:nvPr>
+        </p:nvSpPr>
+        <p:spPr/>
+        <p:txBody>
+          <a:bodyPr/>
+          <a:lstStyle/>
+          <a:p>
+            <a:r>
+              <a:rPr lang="en-US" dirty="0"/>
+              <a:t>Transferring with SCP</a:t>
+            </a:r>
+          </a:p>
+        </p:txBody>
+      </p:sp>
+      <p:sp>
+        <p:nvSpPr>
+          <p:cNvPr id="3" name="Content Placeholder 2">
+            <a:extLst>
+              <a:ext uri="{FF2B5EF4-FFF2-40B4-BE49-F238E27FC236}">
+                <a16:creationId xmlns:a16="http://schemas.microsoft.com/office/drawing/2014/main" id="{F8CE6BE4-6872-4AC3-B70E-7768DE861185}"/>
+              </a:ext>
+            </a:extLst>
+          </p:cNvPr>
+          <p:cNvSpPr>
+            <a:spLocks noGrp="1"/>
+          </p:cNvSpPr>
+          <p:nvPr>
+            <p:ph idx="1"/>
+          </p:nvPr>
+        </p:nvSpPr>
+        <p:spPr>
+          <a:xfrm>
+            <a:off x="2231135" y="2638044"/>
+            <a:ext cx="7729727" cy="3101983"/>
+          </a:xfrm>
+        </p:spPr>
+        <p:txBody>
+          <a:bodyPr>
+            <a:normAutofit/>
+          </a:bodyPr>
+          <a:lstStyle/>
+          <a:p>
+            <a:r>
+              <a:rPr lang="en-US" dirty="0"/>
+              <a:t>From your local computer, we can transfer to a remote directory using the </a:t>
+            </a:r>
+            <a:r>
+              <a:rPr lang="en-US" dirty="0" err="1"/>
+              <a:t>scp</a:t>
+            </a:r>
+            <a:r>
+              <a:rPr lang="en-US" dirty="0"/>
+              <a:t> command just like </a:t>
+            </a:r>
+            <a:r>
+              <a:rPr lang="en-US" dirty="0" err="1"/>
+              <a:t>ssh</a:t>
+            </a:r>
+            <a:endParaRPr lang="en-US" dirty="0"/>
+          </a:p>
+          <a:p>
+            <a:pPr marL="0" indent="0">
+              <a:buNone/>
+            </a:pPr>
+            <a:r>
+              <a:rPr lang="en-US" dirty="0"/>
+              <a:t>  </a:t>
+            </a:r>
+            <a:r>
+              <a:rPr lang="en-US" sz="1600" dirty="0">
+                <a:latin typeface="Consolas" panose="020B0609020204030204" pitchFamily="49" charset="0"/>
+              </a:rPr>
+              <a:t>$ </a:t>
+            </a:r>
+            <a:r>
+              <a:rPr lang="en-US" sz="1600" dirty="0" err="1">
+                <a:latin typeface="Consolas" panose="020B0609020204030204" pitchFamily="49" charset="0"/>
+              </a:rPr>
+              <a:t>scp</a:t>
+            </a:r>
+            <a:r>
+              <a:rPr lang="en-US" sz="1600" dirty="0">
+                <a:latin typeface="Consolas" panose="020B0609020204030204" pitchFamily="49" charset="0"/>
+              </a:rPr>
+              <a:t> –P 22 &lt;</a:t>
+            </a:r>
+            <a:r>
+              <a:rPr lang="en-US" sz="1600" dirty="0" err="1">
+                <a:latin typeface="Consolas" panose="020B0609020204030204" pitchFamily="49" charset="0"/>
+              </a:rPr>
+              <a:t>localfile</a:t>
+            </a:r>
+            <a:r>
+              <a:rPr lang="en-US" sz="1600" dirty="0">
+                <a:latin typeface="Consolas" panose="020B0609020204030204" pitchFamily="49" charset="0"/>
+              </a:rPr>
+              <a:t>&gt; &lt;</a:t>
+            </a:r>
+            <a:r>
+              <a:rPr lang="en-US" sz="1600" dirty="0" err="1">
+                <a:latin typeface="Consolas" panose="020B0609020204030204" pitchFamily="49" charset="0"/>
+              </a:rPr>
+              <a:t>hawkid</a:t>
+            </a:r>
+            <a:r>
+              <a:rPr lang="en-US" sz="1600" dirty="0">
+                <a:latin typeface="Consolas" panose="020B0609020204030204" pitchFamily="49" charset="0"/>
+              </a:rPr>
+              <a:t>&gt;@argon.hpc.uiowa.edu:&lt;remotefile&gt;</a:t>
+            </a:r>
+          </a:p>
+          <a:p>
+            <a:r>
+              <a:rPr lang="en-US" dirty="0"/>
+              <a:t>This can also be done with an sftp client, we will discuss this briefly next time</a:t>
+            </a:r>
+          </a:p>
+          <a:p>
+            <a:r>
+              <a:rPr lang="en-US" dirty="0"/>
+              <a:t>You can use WinSCP if on Windows https://winscp.net/eng/index.php</a:t>
+            </a:r>
+          </a:p>
+          <a:p>
+            <a:pPr marL="0" indent="0">
+              <a:buNone/>
+            </a:pPr>
+            <a:endParaRPr lang="en-US" dirty="0">
+              <a:latin typeface="Consolas" panose="020B0609020204030204" pitchFamily="49" charset="0"/>
+            </a:endParaRPr>
+          </a:p>
+        </p:txBody>
+      </p:sp>
+    </p:spTree>
+    <p:extLst>
+      <p:ext uri="{BB962C8B-B14F-4D97-AF65-F5344CB8AC3E}">
+        <p14:creationId xmlns:p14="http://schemas.microsoft.com/office/powerpoint/2010/main" val="3837424055"/>
+      </p:ext>
+    </p:extLst>
+  </p:cSld>
+  <p:clrMapOvr>
+    <a:masterClrMapping/>
+  </p:clrMapOvr>
+</p:sld>
+</file>
+
+<file path=ppt/slides/slide12.xml><?xml version="1.0" encoding="utf-8"?>
+<p:sld xmlns:a="http://schemas.openxmlformats.org/drawingml/2006/main" xmlns:r="http://schemas.openxmlformats.org/officeDocument/2006/relationships" xmlns:p="http://schemas.openxmlformats.org/presentationml/2006/main">
+  <p:cSld>
+    <p:spTree>
+      <p:nvGrpSpPr>
+        <p:cNvPr id="1" name=""/>
+        <p:cNvGrpSpPr/>
+        <p:nvPr/>
+      </p:nvGrpSpPr>
+      <p:grpSpPr>
+        <a:xfrm>
+          <a:off x="0" y="0"/>
+          <a:ext cx="0" cy="0"/>
+          <a:chOff x="0" y="0"/>
+          <a:chExt cx="0" cy="0"/>
+        </a:xfrm>
+      </p:grpSpPr>
+      <p:sp>
+        <p:nvSpPr>
+          <p:cNvPr id="2" name="Title 1">
+            <a:extLst>
+              <a:ext uri="{FF2B5EF4-FFF2-40B4-BE49-F238E27FC236}">
+                <a16:creationId xmlns:a16="http://schemas.microsoft.com/office/drawing/2014/main" id="{CD7C3B00-0061-4FCC-8A33-8108A433FA69}"/>
+              </a:ext>
+            </a:extLst>
+          </p:cNvPr>
+          <p:cNvSpPr>
+            <a:spLocks noGrp="1"/>
+          </p:cNvSpPr>
+          <p:nvPr>
+            <p:ph type="title"/>
+          </p:nvPr>
+        </p:nvSpPr>
+        <p:spPr/>
+        <p:txBody>
+          <a:bodyPr/>
+          <a:lstStyle/>
+          <a:p>
+            <a:r>
+              <a:rPr lang="en-US" dirty="0"/>
+              <a:t>Running your code</a:t>
+            </a:r>
+          </a:p>
+        </p:txBody>
+      </p:sp>
+      <p:sp>
+        <p:nvSpPr>
+          <p:cNvPr id="3" name="Content Placeholder 2">
+            <a:extLst>
+              <a:ext uri="{FF2B5EF4-FFF2-40B4-BE49-F238E27FC236}">
+                <a16:creationId xmlns:a16="http://schemas.microsoft.com/office/drawing/2014/main" id="{F8CE6BE4-6872-4AC3-B70E-7768DE861185}"/>
+              </a:ext>
+            </a:extLst>
+          </p:cNvPr>
+          <p:cNvSpPr>
+            <a:spLocks noGrp="1"/>
+          </p:cNvSpPr>
+          <p:nvPr>
+            <p:ph idx="1"/>
+          </p:nvPr>
+        </p:nvSpPr>
+        <p:spPr>
+          <a:xfrm>
+            <a:off x="2231135" y="2638044"/>
+            <a:ext cx="7729727" cy="3101983"/>
+          </a:xfrm>
+        </p:spPr>
+        <p:txBody>
+          <a:bodyPr>
+            <a:normAutofit fontScale="62500" lnSpcReduction="20000"/>
+          </a:bodyPr>
+          <a:lstStyle/>
+          <a:p>
+            <a:r>
+              <a:rPr lang="en-US" sz="2000" dirty="0"/>
+              <a:t>To run a </a:t>
+            </a:r>
+            <a:r>
+              <a:rPr lang="en-US" sz="2000" dirty="0" err="1"/>
+              <a:t>matlab</a:t>
+            </a:r>
+            <a:r>
+              <a:rPr lang="en-US" sz="2000" dirty="0"/>
+              <a:t> script named “</a:t>
+            </a:r>
+            <a:r>
+              <a:rPr lang="en-US" sz="2000" dirty="0" err="1"/>
+              <a:t>main.m</a:t>
+            </a:r>
+            <a:r>
+              <a:rPr lang="en-US" sz="2000" dirty="0"/>
+              <a:t>”, inside an </a:t>
+            </a:r>
+            <a:r>
+              <a:rPr lang="en-US" sz="2000" dirty="0" err="1"/>
+              <a:t>sh</a:t>
+            </a:r>
+            <a:r>
+              <a:rPr lang="en-US" sz="2000" dirty="0"/>
+              <a:t> file in the same directory write the following command</a:t>
+            </a:r>
+          </a:p>
+          <a:p>
+            <a:pPr marL="0" indent="0">
+              <a:buNone/>
+            </a:pPr>
+            <a:r>
+              <a:rPr lang="en-US" sz="2000" dirty="0"/>
+              <a:t>    </a:t>
+            </a:r>
+            <a:r>
+              <a:rPr lang="en-US" sz="2000" dirty="0">
+                <a:latin typeface="Consolas" panose="020B0609020204030204" pitchFamily="49" charset="0"/>
+              </a:rPr>
+              <a:t>module load </a:t>
+            </a:r>
+            <a:r>
+              <a:rPr lang="en-US" sz="2000" dirty="0" err="1">
+                <a:latin typeface="Consolas" panose="020B0609020204030204" pitchFamily="49" charset="0"/>
+              </a:rPr>
+              <a:t>matlab</a:t>
+            </a:r>
+            <a:endParaRPr lang="en-US" sz="2000" dirty="0"/>
+          </a:p>
+          <a:p>
+            <a:pPr marL="0" indent="0">
+              <a:buNone/>
+            </a:pPr>
+            <a:r>
+              <a:rPr lang="en-US" sz="2000" dirty="0"/>
+              <a:t>    </a:t>
+            </a:r>
+            <a:r>
+              <a:rPr lang="en-US" sz="2000" dirty="0" err="1">
+                <a:latin typeface="Consolas" panose="020B0609020204030204" pitchFamily="49" charset="0"/>
+              </a:rPr>
+              <a:t>matlab</a:t>
+            </a:r>
+            <a:r>
+              <a:rPr lang="en-US" sz="2000" dirty="0">
+                <a:latin typeface="Consolas" panose="020B0609020204030204" pitchFamily="49" charset="0"/>
+              </a:rPr>
+              <a:t> -</a:t>
+            </a:r>
+            <a:r>
+              <a:rPr lang="en-US" sz="2000" dirty="0" err="1">
+                <a:latin typeface="Consolas" panose="020B0609020204030204" pitchFamily="49" charset="0"/>
+              </a:rPr>
+              <a:t>nodisplay</a:t>
+            </a:r>
+            <a:r>
+              <a:rPr lang="en-US" sz="2000" dirty="0">
+                <a:latin typeface="Consolas" panose="020B0609020204030204" pitchFamily="49" charset="0"/>
+              </a:rPr>
+              <a:t> -</a:t>
+            </a:r>
+            <a:r>
+              <a:rPr lang="en-US" sz="2000" dirty="0" err="1">
+                <a:latin typeface="Consolas" panose="020B0609020204030204" pitchFamily="49" charset="0"/>
+              </a:rPr>
+              <a:t>nosplash</a:t>
+            </a:r>
+            <a:r>
+              <a:rPr lang="en-US" sz="2000" dirty="0">
+                <a:latin typeface="Consolas" panose="020B0609020204030204" pitchFamily="49" charset="0"/>
+              </a:rPr>
+              <a:t> -r ‘main’</a:t>
+            </a:r>
+          </a:p>
+          <a:p>
+            <a:r>
+              <a:rPr lang="en-US" sz="2000" dirty="0"/>
+              <a:t>To run a python script named “main.py”, inside an </a:t>
+            </a:r>
+            <a:r>
+              <a:rPr lang="en-US" sz="2000" dirty="0" err="1"/>
+              <a:t>sh</a:t>
+            </a:r>
+            <a:r>
+              <a:rPr lang="en-US" sz="2000" dirty="0"/>
+              <a:t> file in the same directory write the following command</a:t>
+            </a:r>
+          </a:p>
+          <a:p>
+            <a:pPr marL="0" indent="0">
+              <a:buNone/>
+            </a:pPr>
+            <a:r>
+              <a:rPr lang="en-US" sz="2000" dirty="0"/>
+              <a:t>    </a:t>
+            </a:r>
+            <a:r>
+              <a:rPr lang="en-US" sz="2000" dirty="0">
+                <a:latin typeface="Consolas" panose="020B0609020204030204" pitchFamily="49" charset="0"/>
+              </a:rPr>
+              <a:t>module load python</a:t>
+            </a:r>
+          </a:p>
+          <a:p>
+            <a:pPr marL="0" indent="0">
+              <a:buNone/>
+            </a:pPr>
+            <a:r>
+              <a:rPr lang="en-US" sz="2000" dirty="0">
+                <a:latin typeface="Consolas" panose="020B0609020204030204" pitchFamily="49" charset="0"/>
+              </a:rPr>
+              <a:t>  python main.py</a:t>
+            </a:r>
+          </a:p>
+          <a:p>
+            <a:r>
+              <a:rPr lang="en-US" sz="2000" dirty="0"/>
+              <a:t>To run a Julia script named “</a:t>
+            </a:r>
+            <a:r>
+              <a:rPr lang="en-US" sz="2000" dirty="0" err="1"/>
+              <a:t>main.jl</a:t>
+            </a:r>
+            <a:r>
+              <a:rPr lang="en-US" sz="2000" dirty="0"/>
+              <a:t>”, inside an </a:t>
+            </a:r>
+            <a:r>
+              <a:rPr lang="en-US" sz="2000" dirty="0" err="1"/>
+              <a:t>sh</a:t>
+            </a:r>
+            <a:r>
+              <a:rPr lang="en-US" sz="2000" dirty="0"/>
+              <a:t> file in the same directory write the following commands</a:t>
+            </a:r>
+          </a:p>
+          <a:p>
+            <a:pPr marL="0" indent="0">
+              <a:buNone/>
+            </a:pPr>
+            <a:r>
+              <a:rPr lang="en-US" sz="2000" dirty="0">
+                <a:latin typeface="Consolas" panose="020B0609020204030204" pitchFamily="49" charset="0"/>
+              </a:rPr>
+              <a:t>  module load </a:t>
+            </a:r>
+            <a:r>
+              <a:rPr lang="en-US" sz="2000" dirty="0" err="1">
+                <a:latin typeface="Consolas" panose="020B0609020204030204" pitchFamily="49" charset="0"/>
+              </a:rPr>
+              <a:t>julia</a:t>
+            </a:r>
+            <a:endParaRPr lang="en-US" sz="2000" dirty="0">
+              <a:latin typeface="Consolas" panose="020B0609020204030204" pitchFamily="49" charset="0"/>
+            </a:endParaRPr>
+          </a:p>
+          <a:p>
+            <a:pPr marL="0" indent="0">
+              <a:buNone/>
+            </a:pPr>
+            <a:r>
+              <a:rPr lang="en-US" sz="2000" dirty="0">
+                <a:latin typeface="Consolas" panose="020B0609020204030204" pitchFamily="49" charset="0"/>
+              </a:rPr>
+              <a:t>  </a:t>
+            </a:r>
+            <a:r>
+              <a:rPr lang="en-US" sz="2000" dirty="0" err="1">
+                <a:latin typeface="Consolas" panose="020B0609020204030204" pitchFamily="49" charset="0"/>
+              </a:rPr>
+              <a:t>julia</a:t>
+            </a:r>
+            <a:r>
+              <a:rPr lang="en-US" sz="2000" dirty="0">
+                <a:latin typeface="Consolas" panose="020B0609020204030204" pitchFamily="49" charset="0"/>
+              </a:rPr>
+              <a:t> </a:t>
+            </a:r>
+            <a:r>
+              <a:rPr lang="en-US" sz="2000" dirty="0" err="1">
+                <a:latin typeface="Consolas" panose="020B0609020204030204" pitchFamily="49" charset="0"/>
+              </a:rPr>
+              <a:t>main.jl</a:t>
+            </a:r>
+            <a:endParaRPr lang="en-US" sz="2000" dirty="0">
+              <a:latin typeface="Consolas" panose="020B0609020204030204" pitchFamily="49" charset="0"/>
+            </a:endParaRPr>
+          </a:p>
+          <a:p>
+            <a:endParaRPr lang="en-US" dirty="0"/>
+          </a:p>
+          <a:p>
+            <a:pPr marL="0" indent="0">
+              <a:buNone/>
+            </a:pPr>
+            <a:endParaRPr lang="en-US" dirty="0">
+              <a:latin typeface="Consolas" panose="020B0609020204030204" pitchFamily="49" charset="0"/>
+            </a:endParaRPr>
+          </a:p>
+        </p:txBody>
+      </p:sp>
+    </p:spTree>
+    <p:extLst>
+      <p:ext uri="{BB962C8B-B14F-4D97-AF65-F5344CB8AC3E}">
+        <p14:creationId xmlns:p14="http://schemas.microsoft.com/office/powerpoint/2010/main" val="1135767158"/>
+      </p:ext>
+    </p:extLst>
+  </p:cSld>
+  <p:clrMapOvr>
+    <a:masterClrMapping/>
+  </p:clrMapOvr>
+</p:sld>
+</file>
+
 <file path=ppt/slides/slide2.xml><?xml version="1.0" encoding="utf-8"?>
 <p:sld xmlns:a="http://schemas.openxmlformats.org/drawingml/2006/main" xmlns:r="http://schemas.openxmlformats.org/officeDocument/2006/relationships" xmlns:p="http://schemas.openxmlformats.org/presentationml/2006/main">
   <p:cSld>
@@ -3459,7 +4201,7 @@
           <a:p>
             <a:r>
               <a:rPr lang="en-US" dirty="0"/>
-              <a:t>Tutorial to MPI with C</a:t>
+              <a:t>Tu</a:t>
             </a:r>
           </a:p>
         </p:txBody>
@@ -3499,7 +4241,7 @@
           <p:cNvPr id="2" name="Title 1">
             <a:extLst>
               <a:ext uri="{FF2B5EF4-FFF2-40B4-BE49-F238E27FC236}">
-                <a16:creationId xmlns:a16="http://schemas.microsoft.com/office/drawing/2014/main" id="{AC0593A8-2FAF-4F9A-B950-FE1EEA7AABF5}"/>
+                <a16:creationId xmlns:a16="http://schemas.microsoft.com/office/drawing/2014/main" id="{2F6F83A5-C6E3-4380-98C9-13206AE53231}"/>
               </a:ext>
             </a:extLst>
           </p:cNvPr>
@@ -3517,15 +4259,1177 @@
           <a:p>
             <a:r>
               <a:rPr lang="en-US" dirty="0"/>
-              <a:t>Intro to C</a:t>
-            </a:r>
+              <a:t>Brief Intro TO C</a:t>
+            </a:r>
+          </a:p>
+        </p:txBody>
+      </p:sp>
+      <p:sp>
+        <p:nvSpPr>
+          <p:cNvPr id="3" name="Content Placeholder 2">
+            <a:extLst>
+              <a:ext uri="{FF2B5EF4-FFF2-40B4-BE49-F238E27FC236}">
+                <a16:creationId xmlns:a16="http://schemas.microsoft.com/office/drawing/2014/main" id="{121983A5-D617-4513-95F0-A9325D0AA4BF}"/>
+              </a:ext>
+            </a:extLst>
+          </p:cNvPr>
+          <p:cNvSpPr>
+            <a:spLocks noGrp="1"/>
+          </p:cNvSpPr>
+          <p:nvPr>
+            <p:ph idx="1"/>
+          </p:nvPr>
+        </p:nvSpPr>
+        <p:spPr/>
+        <p:txBody>
+          <a:bodyPr>
+            <a:normAutofit fontScale="92500" lnSpcReduction="10000"/>
+          </a:bodyPr>
+          <a:lstStyle/>
+          <a:p>
+            <a:r>
+              <a:rPr lang="en-US" dirty="0"/>
+              <a:t>C is a general-purpose, procedural computer programming language.</a:t>
+            </a:r>
+          </a:p>
+          <a:p>
+            <a:pPr lvl="1"/>
+            <a:r>
+              <a:rPr lang="en-US" dirty="0"/>
+              <a:t>It is designed to be compiled to machine instructions</a:t>
+            </a:r>
+          </a:p>
+          <a:p>
+            <a:pPr lvl="1"/>
+            <a:r>
+              <a:rPr lang="en-US" dirty="0"/>
+              <a:t>Thus, unlike Python or MATLAB, we must compile the program before executing it ever time we alter the code</a:t>
+            </a:r>
+          </a:p>
+          <a:p>
+            <a:r>
+              <a:rPr lang="en-US" dirty="0"/>
+              <a:t>On the cluster, we must first load the compiling (and </a:t>
+            </a:r>
+            <a:r>
+              <a:rPr lang="en-US" dirty="0" err="1"/>
+              <a:t>openmpi</a:t>
+            </a:r>
+            <a:r>
+              <a:rPr lang="en-US" dirty="0"/>
+              <a:t>) before starting</a:t>
+            </a:r>
+          </a:p>
+          <a:p>
+            <a:pPr lvl="1"/>
+            <a:r>
+              <a:rPr lang="en-US" dirty="0"/>
+              <a:t>Run the commands (or put into .</a:t>
+            </a:r>
+            <a:r>
+              <a:rPr lang="en-US" dirty="0" err="1"/>
+              <a:t>bash_startup</a:t>
+            </a:r>
+            <a:r>
+              <a:rPr lang="en-US" dirty="0"/>
+              <a:t>) </a:t>
+            </a:r>
+          </a:p>
+          <a:p>
+            <a:pPr marL="228600" lvl="1" indent="0">
+              <a:buNone/>
+            </a:pPr>
+            <a:r>
+              <a:rPr lang="en-US" dirty="0"/>
+              <a:t>	  </a:t>
+            </a:r>
+            <a:r>
+              <a:rPr lang="en-US" dirty="0">
+                <a:latin typeface="Consolas" panose="020B0609020204030204" pitchFamily="49" charset="0"/>
+              </a:rPr>
+              <a:t>$</a:t>
+            </a:r>
+            <a:r>
+              <a:rPr lang="en-US" dirty="0"/>
+              <a:t> </a:t>
+            </a:r>
+            <a:r>
+              <a:rPr lang="en-US" dirty="0">
+                <a:latin typeface="Consolas" panose="020B0609020204030204" pitchFamily="49" charset="0"/>
+              </a:rPr>
+              <a:t>module load </a:t>
+            </a:r>
+            <a:r>
+              <a:rPr lang="en-US" dirty="0" err="1">
+                <a:latin typeface="Consolas" panose="020B0609020204030204" pitchFamily="49" charset="0"/>
+              </a:rPr>
+              <a:t>gcc</a:t>
+            </a:r>
+            <a:endParaRPr lang="en-US" dirty="0">
+              <a:latin typeface="Consolas" panose="020B0609020204030204" pitchFamily="49" charset="0"/>
+            </a:endParaRPr>
+          </a:p>
+          <a:p>
+            <a:pPr marL="228600" lvl="1" indent="0">
+              <a:buNone/>
+            </a:pPr>
+            <a:r>
+              <a:rPr lang="en-US" dirty="0">
+                <a:latin typeface="Consolas" panose="020B0609020204030204" pitchFamily="49" charset="0"/>
+              </a:rPr>
+              <a:t>	 $</a:t>
+            </a:r>
+            <a:r>
+              <a:rPr lang="en-US" dirty="0"/>
+              <a:t> </a:t>
+            </a:r>
+            <a:r>
+              <a:rPr lang="en-US" dirty="0">
+                <a:latin typeface="Consolas" panose="020B0609020204030204" pitchFamily="49" charset="0"/>
+              </a:rPr>
+              <a:t>module load </a:t>
+            </a:r>
+            <a:r>
+              <a:rPr lang="en-US" dirty="0" err="1">
+                <a:latin typeface="Consolas" panose="020B0609020204030204" pitchFamily="49" charset="0"/>
+              </a:rPr>
+              <a:t>openmpi</a:t>
+            </a:r>
+            <a:endParaRPr lang="en-US" dirty="0">
+              <a:latin typeface="Consolas" panose="020B0609020204030204" pitchFamily="49" charset="0"/>
+            </a:endParaRPr>
+          </a:p>
+          <a:p>
+            <a:pPr marL="0" indent="0">
+              <a:buNone/>
+            </a:pPr>
+            <a:br>
+              <a:rPr lang="en-US" sz="1600" dirty="0">
+                <a:latin typeface="Consolas" panose="020B0609020204030204" pitchFamily="49" charset="0"/>
+              </a:rPr>
+            </a:br>
+            <a:endParaRPr lang="en-US" sz="1600" dirty="0">
+              <a:latin typeface="Consolas" panose="020B0609020204030204" pitchFamily="49" charset="0"/>
+            </a:endParaRPr>
           </a:p>
         </p:txBody>
       </p:sp>
     </p:spTree>
     <p:extLst>
       <p:ext uri="{BB962C8B-B14F-4D97-AF65-F5344CB8AC3E}">
-        <p14:creationId xmlns:p14="http://schemas.microsoft.com/office/powerpoint/2010/main" val="3814213929"/>
+        <p14:creationId xmlns:p14="http://schemas.microsoft.com/office/powerpoint/2010/main" val="768588037"/>
+      </p:ext>
+    </p:extLst>
+  </p:cSld>
+  <p:clrMapOvr>
+    <a:masterClrMapping/>
+  </p:clrMapOvr>
+</p:sld>
+</file>
+
+<file path=ppt/slides/slide4.xml><?xml version="1.0" encoding="utf-8"?>
+<p:sld xmlns:a="http://schemas.openxmlformats.org/drawingml/2006/main" xmlns:r="http://schemas.openxmlformats.org/officeDocument/2006/relationships" xmlns:p="http://schemas.openxmlformats.org/presentationml/2006/main">
+  <p:cSld>
+    <p:spTree>
+      <p:nvGrpSpPr>
+        <p:cNvPr id="1" name=""/>
+        <p:cNvGrpSpPr/>
+        <p:nvPr/>
+      </p:nvGrpSpPr>
+      <p:grpSpPr>
+        <a:xfrm>
+          <a:off x="0" y="0"/>
+          <a:ext cx="0" cy="0"/>
+          <a:chOff x="0" y="0"/>
+          <a:chExt cx="0" cy="0"/>
+        </a:xfrm>
+      </p:grpSpPr>
+      <p:sp>
+        <p:nvSpPr>
+          <p:cNvPr id="2" name="Title 1">
+            <a:extLst>
+              <a:ext uri="{FF2B5EF4-FFF2-40B4-BE49-F238E27FC236}">
+                <a16:creationId xmlns:a16="http://schemas.microsoft.com/office/drawing/2014/main" id="{2F6F83A5-C6E3-4380-98C9-13206AE53231}"/>
+              </a:ext>
+            </a:extLst>
+          </p:cNvPr>
+          <p:cNvSpPr>
+            <a:spLocks noGrp="1"/>
+          </p:cNvSpPr>
+          <p:nvPr>
+            <p:ph type="title"/>
+          </p:nvPr>
+        </p:nvSpPr>
+        <p:spPr/>
+        <p:txBody>
+          <a:bodyPr/>
+          <a:lstStyle/>
+          <a:p>
+            <a:r>
+              <a:rPr lang="en-US" dirty="0"/>
+              <a:t>Simple Program in C</a:t>
+            </a:r>
+          </a:p>
+        </p:txBody>
+      </p:sp>
+      <p:sp>
+        <p:nvSpPr>
+          <p:cNvPr id="3" name="Content Placeholder 2">
+            <a:extLst>
+              <a:ext uri="{FF2B5EF4-FFF2-40B4-BE49-F238E27FC236}">
+                <a16:creationId xmlns:a16="http://schemas.microsoft.com/office/drawing/2014/main" id="{121983A5-D617-4513-95F0-A9325D0AA4BF}"/>
+              </a:ext>
+            </a:extLst>
+          </p:cNvPr>
+          <p:cNvSpPr>
+            <a:spLocks noGrp="1"/>
+          </p:cNvSpPr>
+          <p:nvPr>
+            <p:ph idx="1"/>
+          </p:nvPr>
+        </p:nvSpPr>
+        <p:spPr/>
+        <p:txBody>
+          <a:bodyPr>
+            <a:normAutofit/>
+          </a:bodyPr>
+          <a:lstStyle/>
+          <a:p>
+            <a:r>
+              <a:rPr lang="en-US" dirty="0"/>
+              <a:t>C gets most of its functionality via libraries, with one of the most commonly included one being the standard library</a:t>
+            </a:r>
+          </a:p>
+          <a:p>
+            <a:r>
+              <a:rPr lang="en-US" dirty="0"/>
+              <a:t>Libraries are included via a </a:t>
+            </a:r>
+            <a:r>
+              <a:rPr lang="en-US" dirty="0">
+                <a:latin typeface="Consolas" panose="020B0609020204030204" pitchFamily="49" charset="0"/>
+              </a:rPr>
+              <a:t>#include &lt;</a:t>
+            </a:r>
+            <a:r>
+              <a:rPr lang="en-US" dirty="0" err="1">
+                <a:latin typeface="Consolas" panose="020B0609020204030204" pitchFamily="49" charset="0"/>
+              </a:rPr>
+              <a:t>header.h</a:t>
+            </a:r>
+            <a:r>
+              <a:rPr lang="en-US" dirty="0">
+                <a:latin typeface="Consolas" panose="020B0609020204030204" pitchFamily="49" charset="0"/>
+              </a:rPr>
+              <a:t>&gt; </a:t>
+            </a:r>
+            <a:r>
+              <a:rPr lang="en-US" dirty="0"/>
+              <a:t>statement at the top of the script.</a:t>
+            </a:r>
+            <a:endParaRPr lang="en-US" dirty="0">
+              <a:latin typeface="Consolas" panose="020B0609020204030204" pitchFamily="49" charset="0"/>
+            </a:endParaRPr>
+          </a:p>
+          <a:p>
+            <a:r>
+              <a:rPr lang="en-US" sz="1600" dirty="0">
+                <a:latin typeface="+mj-lt"/>
+              </a:rPr>
+              <a:t>We shall create our first C program by creating a main function and including the two header files </a:t>
+            </a:r>
+            <a:r>
+              <a:rPr lang="en-US" sz="1600" dirty="0" err="1">
+                <a:latin typeface="+mj-lt"/>
+              </a:rPr>
+              <a:t>stdio.h</a:t>
+            </a:r>
+            <a:r>
+              <a:rPr lang="en-US" sz="1600" dirty="0">
+                <a:latin typeface="+mj-lt"/>
+              </a:rPr>
+              <a:t> and </a:t>
+            </a:r>
+            <a:r>
+              <a:rPr lang="en-US" sz="1600" dirty="0" err="1">
+                <a:latin typeface="+mj-lt"/>
+              </a:rPr>
+              <a:t>mpi.h</a:t>
+            </a:r>
+            <a:br>
+              <a:rPr lang="en-US" sz="1600" dirty="0">
+                <a:latin typeface="Consolas" panose="020B0609020204030204" pitchFamily="49" charset="0"/>
+              </a:rPr>
+            </a:br>
+            <a:endParaRPr lang="en-US" sz="1600" dirty="0">
+              <a:latin typeface="Consolas" panose="020B0609020204030204" pitchFamily="49" charset="0"/>
+            </a:endParaRPr>
+          </a:p>
+        </p:txBody>
+      </p:sp>
+      <p:pic>
+        <p:nvPicPr>
+          <p:cNvPr id="5" name="Picture 4">
+            <a:extLst>
+              <a:ext uri="{FF2B5EF4-FFF2-40B4-BE49-F238E27FC236}">
+                <a16:creationId xmlns:a16="http://schemas.microsoft.com/office/drawing/2014/main" id="{6DA2D0F1-3F81-43EE-A1C8-DFDF7EFE5CA8}"/>
+              </a:ext>
+            </a:extLst>
+          </p:cNvPr>
+          <p:cNvPicPr>
+            <a:picLocks noChangeAspect="1"/>
+          </p:cNvPicPr>
+          <p:nvPr/>
+        </p:nvPicPr>
+        <p:blipFill rotWithShape="1">
+          <a:blip r:embed="rId2"/>
+          <a:srcRect l="8876" t="53486" r="84534" b="33303"/>
+          <a:stretch/>
+        </p:blipFill>
+        <p:spPr>
+          <a:xfrm>
+            <a:off x="4821587" y="4787603"/>
+            <a:ext cx="2548826" cy="1437056"/>
+          </a:xfrm>
+          <a:prstGeom prst="rect">
+            <a:avLst/>
+          </a:prstGeom>
+        </p:spPr>
+      </p:pic>
+    </p:spTree>
+    <p:extLst>
+      <p:ext uri="{BB962C8B-B14F-4D97-AF65-F5344CB8AC3E}">
+        <p14:creationId xmlns:p14="http://schemas.microsoft.com/office/powerpoint/2010/main" val="2434131194"/>
+      </p:ext>
+    </p:extLst>
+  </p:cSld>
+  <p:clrMapOvr>
+    <a:masterClrMapping/>
+  </p:clrMapOvr>
+</p:sld>
+</file>
+
+<file path=ppt/slides/slide5.xml><?xml version="1.0" encoding="utf-8"?>
+<p:sld xmlns:a="http://schemas.openxmlformats.org/drawingml/2006/main" xmlns:r="http://schemas.openxmlformats.org/officeDocument/2006/relationships" xmlns:p="http://schemas.openxmlformats.org/presentationml/2006/main">
+  <p:cSld>
+    <p:spTree>
+      <p:nvGrpSpPr>
+        <p:cNvPr id="1" name=""/>
+        <p:cNvGrpSpPr/>
+        <p:nvPr/>
+      </p:nvGrpSpPr>
+      <p:grpSpPr>
+        <a:xfrm>
+          <a:off x="0" y="0"/>
+          <a:ext cx="0" cy="0"/>
+          <a:chOff x="0" y="0"/>
+          <a:chExt cx="0" cy="0"/>
+        </a:xfrm>
+      </p:grpSpPr>
+      <p:sp>
+        <p:nvSpPr>
+          <p:cNvPr id="2" name="Title 1">
+            <a:extLst>
+              <a:ext uri="{FF2B5EF4-FFF2-40B4-BE49-F238E27FC236}">
+                <a16:creationId xmlns:a16="http://schemas.microsoft.com/office/drawing/2014/main" id="{2F6F83A5-C6E3-4380-98C9-13206AE53231}"/>
+              </a:ext>
+            </a:extLst>
+          </p:cNvPr>
+          <p:cNvSpPr>
+            <a:spLocks noGrp="1"/>
+          </p:cNvSpPr>
+          <p:nvPr>
+            <p:ph type="title"/>
+          </p:nvPr>
+        </p:nvSpPr>
+        <p:spPr/>
+        <p:txBody>
+          <a:bodyPr/>
+          <a:lstStyle/>
+          <a:p>
+            <a:r>
+              <a:rPr lang="en-US" dirty="0"/>
+              <a:t>Hello </a:t>
+            </a:r>
+            <a:r>
+              <a:rPr lang="en-US" dirty="0" err="1"/>
+              <a:t>WOrld</a:t>
+            </a:r>
+            <a:r>
+              <a:rPr lang="en-US" dirty="0"/>
+              <a:t> Program in C</a:t>
+            </a:r>
+          </a:p>
+        </p:txBody>
+      </p:sp>
+      <p:sp>
+        <p:nvSpPr>
+          <p:cNvPr id="3" name="Content Placeholder 2">
+            <a:extLst>
+              <a:ext uri="{FF2B5EF4-FFF2-40B4-BE49-F238E27FC236}">
+                <a16:creationId xmlns:a16="http://schemas.microsoft.com/office/drawing/2014/main" id="{121983A5-D617-4513-95F0-A9325D0AA4BF}"/>
+              </a:ext>
+            </a:extLst>
+          </p:cNvPr>
+          <p:cNvSpPr>
+            <a:spLocks noGrp="1"/>
+          </p:cNvSpPr>
+          <p:nvPr>
+            <p:ph idx="1"/>
+          </p:nvPr>
+        </p:nvSpPr>
+        <p:spPr/>
+        <p:txBody>
+          <a:bodyPr>
+            <a:normAutofit/>
+          </a:bodyPr>
+          <a:lstStyle/>
+          <a:p>
+            <a:r>
+              <a:rPr lang="en-US" dirty="0"/>
+              <a:t>C gets most of its functionality via libraries, with one of the most commonly included one being the standard library</a:t>
+            </a:r>
+          </a:p>
+          <a:p>
+            <a:r>
+              <a:rPr lang="en-US" dirty="0"/>
+              <a:t>Libraries are included via a </a:t>
+            </a:r>
+            <a:r>
+              <a:rPr lang="en-US" dirty="0">
+                <a:latin typeface="Consolas" panose="020B0609020204030204" pitchFamily="49" charset="0"/>
+              </a:rPr>
+              <a:t>#include &lt;</a:t>
+            </a:r>
+            <a:r>
+              <a:rPr lang="en-US" dirty="0" err="1">
+                <a:latin typeface="Consolas" panose="020B0609020204030204" pitchFamily="49" charset="0"/>
+              </a:rPr>
+              <a:t>header.h</a:t>
+            </a:r>
+            <a:r>
+              <a:rPr lang="en-US" dirty="0">
+                <a:latin typeface="Consolas" panose="020B0609020204030204" pitchFamily="49" charset="0"/>
+              </a:rPr>
+              <a:t>&gt; </a:t>
+            </a:r>
+            <a:r>
+              <a:rPr lang="en-US" dirty="0"/>
+              <a:t>statement at the top of the script.</a:t>
+            </a:r>
+            <a:endParaRPr lang="en-US" dirty="0">
+              <a:latin typeface="Consolas" panose="020B0609020204030204" pitchFamily="49" charset="0"/>
+            </a:endParaRPr>
+          </a:p>
+          <a:p>
+            <a:r>
+              <a:rPr lang="en-US" sz="1600" dirty="0">
+                <a:latin typeface="+mj-lt"/>
+              </a:rPr>
+              <a:t>We shall create our first C program by creating a main function and including the two header files </a:t>
+            </a:r>
+            <a:r>
+              <a:rPr lang="en-US" sz="1600" dirty="0" err="1">
+                <a:latin typeface="+mj-lt"/>
+              </a:rPr>
+              <a:t>stdio.h</a:t>
+            </a:r>
+            <a:r>
+              <a:rPr lang="en-US" sz="1600" dirty="0">
+                <a:latin typeface="+mj-lt"/>
+              </a:rPr>
+              <a:t> and </a:t>
+            </a:r>
+            <a:r>
+              <a:rPr lang="en-US" sz="1600" dirty="0" err="1">
+                <a:latin typeface="+mj-lt"/>
+              </a:rPr>
+              <a:t>mpi.h</a:t>
+            </a:r>
+            <a:br>
+              <a:rPr lang="en-US" sz="1600" dirty="0">
+                <a:latin typeface="Consolas" panose="020B0609020204030204" pitchFamily="49" charset="0"/>
+              </a:rPr>
+            </a:br>
+            <a:endParaRPr lang="en-US" sz="1600" dirty="0">
+              <a:latin typeface="Consolas" panose="020B0609020204030204" pitchFamily="49" charset="0"/>
+            </a:endParaRPr>
+          </a:p>
+        </p:txBody>
+      </p:sp>
+    </p:spTree>
+    <p:extLst>
+      <p:ext uri="{BB962C8B-B14F-4D97-AF65-F5344CB8AC3E}">
+        <p14:creationId xmlns:p14="http://schemas.microsoft.com/office/powerpoint/2010/main" val="3847085883"/>
+      </p:ext>
+    </p:extLst>
+  </p:cSld>
+  <p:clrMapOvr>
+    <a:masterClrMapping/>
+  </p:clrMapOvr>
+</p:sld>
+</file>
+
+<file path=ppt/slides/slide6.xml><?xml version="1.0" encoding="utf-8"?>
+<p:sld xmlns:a="http://schemas.openxmlformats.org/drawingml/2006/main" xmlns:r="http://schemas.openxmlformats.org/officeDocument/2006/relationships" xmlns:p="http://schemas.openxmlformats.org/presentationml/2006/main">
+  <p:cSld>
+    <p:spTree>
+      <p:nvGrpSpPr>
+        <p:cNvPr id="1" name=""/>
+        <p:cNvGrpSpPr/>
+        <p:nvPr/>
+      </p:nvGrpSpPr>
+      <p:grpSpPr>
+        <a:xfrm>
+          <a:off x="0" y="0"/>
+          <a:ext cx="0" cy="0"/>
+          <a:chOff x="0" y="0"/>
+          <a:chExt cx="0" cy="0"/>
+        </a:xfrm>
+      </p:grpSpPr>
+      <p:sp>
+        <p:nvSpPr>
+          <p:cNvPr id="2" name="Title 1">
+            <a:extLst>
+              <a:ext uri="{FF2B5EF4-FFF2-40B4-BE49-F238E27FC236}">
+                <a16:creationId xmlns:a16="http://schemas.microsoft.com/office/drawing/2014/main" id="{2F6F83A5-C6E3-4380-98C9-13206AE53231}"/>
+              </a:ext>
+            </a:extLst>
+          </p:cNvPr>
+          <p:cNvSpPr>
+            <a:spLocks noGrp="1"/>
+          </p:cNvSpPr>
+          <p:nvPr>
+            <p:ph type="title"/>
+          </p:nvPr>
+        </p:nvSpPr>
+        <p:spPr/>
+        <p:txBody>
+          <a:bodyPr/>
+          <a:lstStyle/>
+          <a:p>
+            <a:r>
+              <a:rPr lang="en-US" dirty="0"/>
+              <a:t>Navigation in the command line</a:t>
+            </a:r>
+          </a:p>
+        </p:txBody>
+      </p:sp>
+      <p:sp>
+        <p:nvSpPr>
+          <p:cNvPr id="3" name="Content Placeholder 2">
+            <a:extLst>
+              <a:ext uri="{FF2B5EF4-FFF2-40B4-BE49-F238E27FC236}">
+                <a16:creationId xmlns:a16="http://schemas.microsoft.com/office/drawing/2014/main" id="{121983A5-D617-4513-95F0-A9325D0AA4BF}"/>
+              </a:ext>
+            </a:extLst>
+          </p:cNvPr>
+          <p:cNvSpPr>
+            <a:spLocks noGrp="1"/>
+          </p:cNvSpPr>
+          <p:nvPr>
+            <p:ph idx="1"/>
+          </p:nvPr>
+        </p:nvSpPr>
+        <p:spPr/>
+        <p:txBody>
+          <a:bodyPr/>
+          <a:lstStyle/>
+          <a:p>
+            <a:r>
+              <a:rPr lang="en-US" dirty="0"/>
+              <a:t>On login to the cluster, you will be started in the /User/&lt;</a:t>
+            </a:r>
+            <a:r>
+              <a:rPr lang="en-US" dirty="0" err="1"/>
+              <a:t>hawkid</a:t>
+            </a:r>
+            <a:r>
+              <a:rPr lang="en-US" dirty="0"/>
+              <a:t>&gt;/ directory</a:t>
+            </a:r>
+          </a:p>
+          <a:p>
+            <a:r>
+              <a:rPr lang="en-US" dirty="0"/>
+              <a:t>To view all files in the current directory, run the command (without the $)</a:t>
+            </a:r>
+            <a:endParaRPr lang="en-US" dirty="0">
+              <a:latin typeface="Consolas" panose="020B0609020204030204" pitchFamily="49" charset="0"/>
+            </a:endParaRPr>
+          </a:p>
+          <a:p>
+            <a:pPr marL="228600" lvl="1" indent="0">
+              <a:buNone/>
+            </a:pPr>
+            <a:r>
+              <a:rPr lang="en-US" dirty="0">
+                <a:latin typeface="Consolas" panose="020B0609020204030204" pitchFamily="49" charset="0"/>
+              </a:rPr>
+              <a:t>$ ls</a:t>
+            </a:r>
+          </a:p>
+          <a:p>
+            <a:r>
+              <a:rPr lang="en-US" dirty="0"/>
+              <a:t>To change between directories, you can use the command </a:t>
+            </a:r>
+          </a:p>
+          <a:p>
+            <a:pPr marL="0" indent="0">
+              <a:buNone/>
+            </a:pPr>
+            <a:r>
+              <a:rPr lang="en-US" dirty="0">
+                <a:latin typeface="Consolas" panose="020B0609020204030204" pitchFamily="49" charset="0"/>
+                <a:cs typeface="Courier New" panose="02070309020205020404" pitchFamily="49" charset="0"/>
+              </a:rPr>
+              <a:t>  </a:t>
+            </a:r>
+            <a:r>
+              <a:rPr lang="en-US" sz="1600" dirty="0">
+                <a:latin typeface="Consolas" panose="020B0609020204030204" pitchFamily="49" charset="0"/>
+                <a:cs typeface="Courier New" panose="02070309020205020404" pitchFamily="49" charset="0"/>
+              </a:rPr>
+              <a:t>$ cd [</a:t>
+            </a:r>
+            <a:r>
+              <a:rPr lang="en-US" sz="1600" dirty="0" err="1">
+                <a:latin typeface="Consolas" panose="020B0609020204030204" pitchFamily="49" charset="0"/>
+                <a:cs typeface="Courier New" panose="02070309020205020404" pitchFamily="49" charset="0"/>
+              </a:rPr>
+              <a:t>dir</a:t>
+            </a:r>
+            <a:r>
+              <a:rPr lang="en-US" sz="1600" dirty="0">
+                <a:latin typeface="Consolas" panose="020B0609020204030204" pitchFamily="49" charset="0"/>
+                <a:cs typeface="Courier New" panose="02070309020205020404" pitchFamily="49" charset="0"/>
+              </a:rPr>
+              <a:t>]</a:t>
+            </a:r>
+          </a:p>
+          <a:p>
+            <a:r>
+              <a:rPr lang="en-US" dirty="0"/>
+              <a:t>There are additional flags for all these commands, to learn the type</a:t>
+            </a:r>
+          </a:p>
+          <a:p>
+            <a:pPr marL="0" indent="0">
+              <a:buNone/>
+            </a:pPr>
+            <a:r>
+              <a:rPr lang="en-US" sz="1600" dirty="0">
+                <a:latin typeface="Consolas" panose="020B0609020204030204" pitchFamily="49" charset="0"/>
+              </a:rPr>
+              <a:t>  $ man &lt;command&gt;</a:t>
+            </a:r>
+            <a:br>
+              <a:rPr lang="en-US" sz="1600" dirty="0">
+                <a:latin typeface="Consolas" panose="020B0609020204030204" pitchFamily="49" charset="0"/>
+              </a:rPr>
+            </a:br>
+            <a:endParaRPr lang="en-US" sz="1600" dirty="0">
+              <a:latin typeface="Consolas" panose="020B0609020204030204" pitchFamily="49" charset="0"/>
+            </a:endParaRPr>
+          </a:p>
+        </p:txBody>
+      </p:sp>
+    </p:spTree>
+    <p:extLst>
+      <p:ext uri="{BB962C8B-B14F-4D97-AF65-F5344CB8AC3E}">
+        <p14:creationId xmlns:p14="http://schemas.microsoft.com/office/powerpoint/2010/main" val="2714982320"/>
+      </p:ext>
+    </p:extLst>
+  </p:cSld>
+  <p:clrMapOvr>
+    <a:masterClrMapping/>
+  </p:clrMapOvr>
+</p:sld>
+</file>
+
+<file path=ppt/slides/slide7.xml><?xml version="1.0" encoding="utf-8"?>
+<p:sld xmlns:a="http://schemas.openxmlformats.org/drawingml/2006/main" xmlns:r="http://schemas.openxmlformats.org/officeDocument/2006/relationships" xmlns:p="http://schemas.openxmlformats.org/presentationml/2006/main">
+  <p:cSld>
+    <p:spTree>
+      <p:nvGrpSpPr>
+        <p:cNvPr id="1" name=""/>
+        <p:cNvGrpSpPr/>
+        <p:nvPr/>
+      </p:nvGrpSpPr>
+      <p:grpSpPr>
+        <a:xfrm>
+          <a:off x="0" y="0"/>
+          <a:ext cx="0" cy="0"/>
+          <a:chOff x="0" y="0"/>
+          <a:chExt cx="0" cy="0"/>
+        </a:xfrm>
+      </p:grpSpPr>
+      <p:sp>
+        <p:nvSpPr>
+          <p:cNvPr id="2" name="Title 1">
+            <a:extLst>
+              <a:ext uri="{FF2B5EF4-FFF2-40B4-BE49-F238E27FC236}">
+                <a16:creationId xmlns:a16="http://schemas.microsoft.com/office/drawing/2014/main" id="{2F6F83A5-C6E3-4380-98C9-13206AE53231}"/>
+              </a:ext>
+            </a:extLst>
+          </p:cNvPr>
+          <p:cNvSpPr>
+            <a:spLocks noGrp="1"/>
+          </p:cNvSpPr>
+          <p:nvPr>
+            <p:ph type="title"/>
+          </p:nvPr>
+        </p:nvSpPr>
+        <p:spPr/>
+        <p:txBody>
+          <a:bodyPr/>
+          <a:lstStyle/>
+          <a:p>
+            <a:r>
+              <a:rPr lang="en-US" dirty="0"/>
+              <a:t>Navigation in the command line</a:t>
+            </a:r>
+          </a:p>
+        </p:txBody>
+      </p:sp>
+      <p:sp>
+        <p:nvSpPr>
+          <p:cNvPr id="3" name="Content Placeholder 2">
+            <a:extLst>
+              <a:ext uri="{FF2B5EF4-FFF2-40B4-BE49-F238E27FC236}">
+                <a16:creationId xmlns:a16="http://schemas.microsoft.com/office/drawing/2014/main" id="{121983A5-D617-4513-95F0-A9325D0AA4BF}"/>
+              </a:ext>
+            </a:extLst>
+          </p:cNvPr>
+          <p:cNvSpPr>
+            <a:spLocks noGrp="1"/>
+          </p:cNvSpPr>
+          <p:nvPr>
+            <p:ph idx="1"/>
+          </p:nvPr>
+        </p:nvSpPr>
+        <p:spPr/>
+        <p:txBody>
+          <a:bodyPr>
+            <a:normAutofit/>
+          </a:bodyPr>
+          <a:lstStyle/>
+          <a:p>
+            <a:r>
+              <a:rPr lang="en-US" dirty="0"/>
+              <a:t>To make a directory use the command </a:t>
+            </a:r>
+          </a:p>
+          <a:p>
+            <a:pPr marL="0" indent="0">
+              <a:buNone/>
+            </a:pPr>
+            <a:r>
+              <a:rPr lang="en-US" sz="1600" dirty="0">
+                <a:latin typeface="Consolas" panose="020B0609020204030204" pitchFamily="49" charset="0"/>
+              </a:rPr>
+              <a:t>  $ </a:t>
+            </a:r>
+            <a:r>
+              <a:rPr lang="en-US" sz="1600" dirty="0" err="1">
+                <a:latin typeface="Consolas" panose="020B0609020204030204" pitchFamily="49" charset="0"/>
+              </a:rPr>
+              <a:t>mkdir</a:t>
+            </a:r>
+            <a:r>
+              <a:rPr lang="en-US" sz="1600" dirty="0">
+                <a:latin typeface="Consolas" panose="020B0609020204030204" pitchFamily="49" charset="0"/>
+              </a:rPr>
+              <a:t> &lt;</a:t>
+            </a:r>
+            <a:r>
+              <a:rPr lang="en-US" sz="1600" dirty="0" err="1">
+                <a:latin typeface="Consolas" panose="020B0609020204030204" pitchFamily="49" charset="0"/>
+              </a:rPr>
+              <a:t>dirname</a:t>
+            </a:r>
+            <a:r>
+              <a:rPr lang="en-US" sz="1600" dirty="0">
+                <a:latin typeface="Consolas" panose="020B0609020204030204" pitchFamily="49" charset="0"/>
+              </a:rPr>
+              <a:t>&gt;</a:t>
+            </a:r>
+          </a:p>
+          <a:p>
+            <a:r>
+              <a:rPr lang="en-US" dirty="0"/>
+              <a:t>To remove a file (not a directory), use the command</a:t>
+            </a:r>
+          </a:p>
+          <a:p>
+            <a:pPr marL="0" indent="0">
+              <a:buNone/>
+            </a:pPr>
+            <a:r>
+              <a:rPr lang="en-US" sz="1600" dirty="0">
+                <a:latin typeface="Consolas" panose="020B0609020204030204" pitchFamily="49" charset="0"/>
+              </a:rPr>
+              <a:t>  $ rm &lt;filename&gt;</a:t>
+            </a:r>
+          </a:p>
+          <a:p>
+            <a:r>
+              <a:rPr lang="en-US" dirty="0"/>
+              <a:t>To remove a directory and its contents, include the flag –r (be careful)</a:t>
+            </a:r>
+          </a:p>
+          <a:p>
+            <a:pPr marL="0" indent="0">
+              <a:buNone/>
+            </a:pPr>
+            <a:r>
+              <a:rPr lang="en-US" sz="1600" dirty="0">
+                <a:latin typeface="Consolas" panose="020B0609020204030204" pitchFamily="49" charset="0"/>
+              </a:rPr>
+              <a:t>  $ rm -r &lt;</a:t>
+            </a:r>
+            <a:r>
+              <a:rPr lang="en-US" sz="1600" dirty="0" err="1">
+                <a:latin typeface="Consolas" panose="020B0609020204030204" pitchFamily="49" charset="0"/>
+              </a:rPr>
+              <a:t>dirname</a:t>
+            </a:r>
+            <a:r>
+              <a:rPr lang="en-US" sz="1600" dirty="0">
+                <a:latin typeface="Consolas" panose="020B0609020204030204" pitchFamily="49" charset="0"/>
+              </a:rPr>
+              <a:t>&gt;</a:t>
+            </a:r>
+          </a:p>
+          <a:p>
+            <a:r>
+              <a:rPr lang="en-US" dirty="0"/>
+              <a:t>To move (or rename) a file/directory and its contents, </a:t>
+            </a:r>
+          </a:p>
+          <a:p>
+            <a:pPr marL="0" indent="0">
+              <a:buNone/>
+            </a:pPr>
+            <a:r>
+              <a:rPr lang="en-US" sz="1600" dirty="0">
+                <a:latin typeface="Consolas" panose="020B0609020204030204" pitchFamily="49" charset="0"/>
+              </a:rPr>
+              <a:t>  $ mv &lt;filename&gt; &lt;</a:t>
+            </a:r>
+            <a:r>
+              <a:rPr lang="en-US" sz="1600" dirty="0" err="1">
+                <a:latin typeface="Consolas" panose="020B0609020204030204" pitchFamily="49" charset="0"/>
+              </a:rPr>
+              <a:t>newlocation</a:t>
+            </a:r>
+            <a:r>
+              <a:rPr lang="en-US" sz="1600" dirty="0">
+                <a:latin typeface="Consolas" panose="020B0609020204030204" pitchFamily="49" charset="0"/>
+              </a:rPr>
+              <a:t>&gt;</a:t>
+            </a:r>
+          </a:p>
+          <a:p>
+            <a:pPr marL="0" indent="0">
+              <a:buNone/>
+            </a:pPr>
+            <a:endParaRPr lang="en-US" sz="1600" dirty="0">
+              <a:latin typeface="Consolas" panose="020B0609020204030204" pitchFamily="49" charset="0"/>
+            </a:endParaRPr>
+          </a:p>
+        </p:txBody>
+      </p:sp>
+    </p:spTree>
+    <p:extLst>
+      <p:ext uri="{BB962C8B-B14F-4D97-AF65-F5344CB8AC3E}">
+        <p14:creationId xmlns:p14="http://schemas.microsoft.com/office/powerpoint/2010/main" val="3337412307"/>
+      </p:ext>
+    </p:extLst>
+  </p:cSld>
+  <p:clrMapOvr>
+    <a:masterClrMapping/>
+  </p:clrMapOvr>
+</p:sld>
+</file>
+
+<file path=ppt/slides/slide8.xml><?xml version="1.0" encoding="utf-8"?>
+<p:sld xmlns:a="http://schemas.openxmlformats.org/drawingml/2006/main" xmlns:r="http://schemas.openxmlformats.org/officeDocument/2006/relationships" xmlns:p="http://schemas.openxmlformats.org/presentationml/2006/main">
+  <p:cSld>
+    <p:spTree>
+      <p:nvGrpSpPr>
+        <p:cNvPr id="1" name=""/>
+        <p:cNvGrpSpPr/>
+        <p:nvPr/>
+      </p:nvGrpSpPr>
+      <p:grpSpPr>
+        <a:xfrm>
+          <a:off x="0" y="0"/>
+          <a:ext cx="0" cy="0"/>
+          <a:chOff x="0" y="0"/>
+          <a:chExt cx="0" cy="0"/>
+        </a:xfrm>
+      </p:grpSpPr>
+      <p:sp>
+        <p:nvSpPr>
+          <p:cNvPr id="2" name="Title 1">
+            <a:extLst>
+              <a:ext uri="{FF2B5EF4-FFF2-40B4-BE49-F238E27FC236}">
+                <a16:creationId xmlns:a16="http://schemas.microsoft.com/office/drawing/2014/main" id="{2F6F83A5-C6E3-4380-98C9-13206AE53231}"/>
+              </a:ext>
+            </a:extLst>
+          </p:cNvPr>
+          <p:cNvSpPr>
+            <a:spLocks noGrp="1"/>
+          </p:cNvSpPr>
+          <p:nvPr>
+            <p:ph type="title"/>
+          </p:nvPr>
+        </p:nvSpPr>
+        <p:spPr/>
+        <p:txBody>
+          <a:bodyPr/>
+          <a:lstStyle/>
+          <a:p>
+            <a:r>
+              <a:rPr lang="en-US" dirty="0"/>
+              <a:t>Navigation in the command line</a:t>
+            </a:r>
+          </a:p>
+        </p:txBody>
+      </p:sp>
+      <p:sp>
+        <p:nvSpPr>
+          <p:cNvPr id="3" name="Content Placeholder 2">
+            <a:extLst>
+              <a:ext uri="{FF2B5EF4-FFF2-40B4-BE49-F238E27FC236}">
+                <a16:creationId xmlns:a16="http://schemas.microsoft.com/office/drawing/2014/main" id="{121983A5-D617-4513-95F0-A9325D0AA4BF}"/>
+              </a:ext>
+            </a:extLst>
+          </p:cNvPr>
+          <p:cNvSpPr>
+            <a:spLocks noGrp="1"/>
+          </p:cNvSpPr>
+          <p:nvPr>
+            <p:ph idx="1"/>
+          </p:nvPr>
+        </p:nvSpPr>
+        <p:spPr/>
+        <p:txBody>
+          <a:bodyPr>
+            <a:normAutofit/>
+          </a:bodyPr>
+          <a:lstStyle/>
+          <a:p>
+            <a:r>
+              <a:rPr lang="en-US" dirty="0"/>
+              <a:t>To copy files, use the following command</a:t>
+            </a:r>
+          </a:p>
+          <a:p>
+            <a:pPr marL="0" indent="0">
+              <a:buNone/>
+            </a:pPr>
+            <a:r>
+              <a:rPr lang="en-US" sz="1600" dirty="0">
+                <a:latin typeface="Consolas" panose="020B0609020204030204" pitchFamily="49" charset="0"/>
+                <a:cs typeface="Courier New" panose="02070309020205020404" pitchFamily="49" charset="0"/>
+              </a:rPr>
+              <a:t>  $ cp &lt;filename&gt; &lt;</a:t>
+            </a:r>
+            <a:r>
+              <a:rPr lang="en-US" sz="1600" dirty="0" err="1">
+                <a:latin typeface="Consolas" panose="020B0609020204030204" pitchFamily="49" charset="0"/>
+                <a:cs typeface="Courier New" panose="02070309020205020404" pitchFamily="49" charset="0"/>
+              </a:rPr>
+              <a:t>newfilename</a:t>
+            </a:r>
+            <a:r>
+              <a:rPr lang="en-US" sz="1600" dirty="0">
+                <a:latin typeface="Consolas" panose="020B0609020204030204" pitchFamily="49" charset="0"/>
+                <a:cs typeface="Courier New" panose="02070309020205020404" pitchFamily="49" charset="0"/>
+              </a:rPr>
+              <a:t>&gt;</a:t>
+            </a:r>
+            <a:endParaRPr lang="en-US" sz="1600" dirty="0">
+              <a:latin typeface="Consolas" panose="020B0609020204030204" pitchFamily="49" charset="0"/>
+            </a:endParaRPr>
+          </a:p>
+          <a:p>
+            <a:pPr marL="0" indent="0">
+              <a:buNone/>
+            </a:pPr>
+            <a:endParaRPr lang="en-US" sz="1600" dirty="0">
+              <a:latin typeface="Consolas" panose="020B0609020204030204" pitchFamily="49" charset="0"/>
+            </a:endParaRPr>
+          </a:p>
+        </p:txBody>
+      </p:sp>
+    </p:spTree>
+    <p:extLst>
+      <p:ext uri="{BB962C8B-B14F-4D97-AF65-F5344CB8AC3E}">
+        <p14:creationId xmlns:p14="http://schemas.microsoft.com/office/powerpoint/2010/main" val="841835761"/>
+      </p:ext>
+    </p:extLst>
+  </p:cSld>
+  <p:clrMapOvr>
+    <a:masterClrMapping/>
+  </p:clrMapOvr>
+</p:sld>
+</file>
+
+<file path=ppt/slides/slide9.xml><?xml version="1.0" encoding="utf-8"?>
+<p:sld xmlns:a="http://schemas.openxmlformats.org/drawingml/2006/main" xmlns:r="http://schemas.openxmlformats.org/officeDocument/2006/relationships" xmlns:p="http://schemas.openxmlformats.org/presentationml/2006/main">
+  <p:cSld>
+    <p:spTree>
+      <p:nvGrpSpPr>
+        <p:cNvPr id="1" name=""/>
+        <p:cNvGrpSpPr/>
+        <p:nvPr/>
+      </p:nvGrpSpPr>
+      <p:grpSpPr>
+        <a:xfrm>
+          <a:off x="0" y="0"/>
+          <a:ext cx="0" cy="0"/>
+          <a:chOff x="0" y="0"/>
+          <a:chExt cx="0" cy="0"/>
+        </a:xfrm>
+      </p:grpSpPr>
+      <p:sp>
+        <p:nvSpPr>
+          <p:cNvPr id="2" name="Title 1">
+            <a:extLst>
+              <a:ext uri="{FF2B5EF4-FFF2-40B4-BE49-F238E27FC236}">
+                <a16:creationId xmlns:a16="http://schemas.microsoft.com/office/drawing/2014/main" id="{CD7C3B00-0061-4FCC-8A33-8108A433FA69}"/>
+              </a:ext>
+            </a:extLst>
+          </p:cNvPr>
+          <p:cNvSpPr>
+            <a:spLocks noGrp="1"/>
+          </p:cNvSpPr>
+          <p:nvPr>
+            <p:ph type="title"/>
+          </p:nvPr>
+        </p:nvSpPr>
+        <p:spPr/>
+        <p:txBody>
+          <a:bodyPr/>
+          <a:lstStyle/>
+          <a:p>
+            <a:r>
+              <a:rPr lang="en-US" dirty="0"/>
+              <a:t>Text editor</a:t>
+            </a:r>
+          </a:p>
+        </p:txBody>
+      </p:sp>
+      <p:sp>
+        <p:nvSpPr>
+          <p:cNvPr id="3" name="Content Placeholder 2">
+            <a:extLst>
+              <a:ext uri="{FF2B5EF4-FFF2-40B4-BE49-F238E27FC236}">
+                <a16:creationId xmlns:a16="http://schemas.microsoft.com/office/drawing/2014/main" id="{F8CE6BE4-6872-4AC3-B70E-7768DE861185}"/>
+              </a:ext>
+            </a:extLst>
+          </p:cNvPr>
+          <p:cNvSpPr>
+            <a:spLocks noGrp="1"/>
+          </p:cNvSpPr>
+          <p:nvPr>
+            <p:ph idx="1"/>
+          </p:nvPr>
+        </p:nvSpPr>
+        <p:spPr>
+          <a:xfrm>
+            <a:off x="2231135" y="2638044"/>
+            <a:ext cx="7729727" cy="3101983"/>
+          </a:xfrm>
+        </p:spPr>
+        <p:txBody>
+          <a:bodyPr>
+            <a:normAutofit lnSpcReduction="10000"/>
+          </a:bodyPr>
+          <a:lstStyle/>
+          <a:p>
+            <a:r>
+              <a:rPr lang="en-US" dirty="0"/>
+              <a:t>There are many text editors in Linux</a:t>
+            </a:r>
+          </a:p>
+          <a:p>
+            <a:r>
+              <a:rPr lang="en-US" dirty="0"/>
+              <a:t>I will teach the basics of vim</a:t>
+            </a:r>
+          </a:p>
+          <a:p>
+            <a:r>
+              <a:rPr lang="en-US" dirty="0"/>
+              <a:t>To make a file, use the command </a:t>
+            </a:r>
+          </a:p>
+          <a:p>
+            <a:pPr marL="0" indent="0">
+              <a:buNone/>
+            </a:pPr>
+            <a:r>
+              <a:rPr lang="en-US" dirty="0"/>
+              <a:t>  </a:t>
+            </a:r>
+            <a:r>
+              <a:rPr lang="en-US" sz="1600" dirty="0">
+                <a:latin typeface="Consolas" panose="020B0609020204030204" pitchFamily="49" charset="0"/>
+              </a:rPr>
+              <a:t>  $ vi &lt;filename&gt;</a:t>
+            </a:r>
+          </a:p>
+          <a:p>
+            <a:r>
+              <a:rPr lang="en-US" dirty="0"/>
+              <a:t>To start typing mode, press “</a:t>
+            </a:r>
+            <a:r>
+              <a:rPr lang="en-US" dirty="0" err="1"/>
+              <a:t>i</a:t>
+            </a:r>
+            <a:r>
+              <a:rPr lang="en-US" dirty="0"/>
+              <a:t>”</a:t>
+            </a:r>
+          </a:p>
+          <a:p>
+            <a:r>
+              <a:rPr lang="en-US" dirty="0"/>
+              <a:t>To exit typing mode, press “esc”</a:t>
+            </a:r>
+          </a:p>
+          <a:p>
+            <a:r>
+              <a:rPr lang="en-US" dirty="0"/>
+              <a:t>To save, exit typing mode, and press “:w”</a:t>
+            </a:r>
+          </a:p>
+          <a:p>
+            <a:r>
+              <a:rPr lang="en-US" dirty="0"/>
+              <a:t>To save and quit, exit typing mode, and press “:</a:t>
+            </a:r>
+            <a:r>
+              <a:rPr lang="en-US" dirty="0" err="1"/>
+              <a:t>wq</a:t>
+            </a:r>
+            <a:r>
+              <a:rPr lang="en-US" dirty="0"/>
+              <a:t>”</a:t>
+            </a:r>
+          </a:p>
+        </p:txBody>
+      </p:sp>
+    </p:spTree>
+    <p:extLst>
+      <p:ext uri="{BB962C8B-B14F-4D97-AF65-F5344CB8AC3E}">
+        <p14:creationId xmlns:p14="http://schemas.microsoft.com/office/powerpoint/2010/main" val="2196629471"/>
       </p:ext>
     </p:extLst>
   </p:cSld>

--- a/Lectures/Lecture 3/lecture3.pptx
+++ b/Lectures/Lecture 3/lecture3.pptx
@@ -10,13 +10,14 @@
     <p:sldId id="266" r:id="rId4"/>
     <p:sldId id="268" r:id="rId5"/>
     <p:sldId id="273" r:id="rId6"/>
-    <p:sldId id="264" r:id="rId7"/>
-    <p:sldId id="267" r:id="rId8"/>
-    <p:sldId id="265" r:id="rId9"/>
-    <p:sldId id="270" r:id="rId10"/>
-    <p:sldId id="269" r:id="rId11"/>
-    <p:sldId id="272" r:id="rId12"/>
-    <p:sldId id="271" r:id="rId13"/>
+    <p:sldId id="274" r:id="rId7"/>
+    <p:sldId id="264" r:id="rId8"/>
+    <p:sldId id="267" r:id="rId9"/>
+    <p:sldId id="265" r:id="rId10"/>
+    <p:sldId id="270" r:id="rId11"/>
+    <p:sldId id="269" r:id="rId12"/>
+    <p:sldId id="272" r:id="rId13"/>
+    <p:sldId id="271" r:id="rId14"/>
   </p:sldIdLst>
   <p:sldSz cx="12192000" cy="6858000"/>
   <p:notesSz cx="6858000" cy="9144000"/>
@@ -3428,6 +3429,166 @@
           <a:p>
             <a:r>
               <a:rPr lang="en-US" dirty="0"/>
+              <a:t>Text editor</a:t>
+            </a:r>
+          </a:p>
+        </p:txBody>
+      </p:sp>
+      <p:sp>
+        <p:nvSpPr>
+          <p:cNvPr id="3" name="Content Placeholder 2">
+            <a:extLst>
+              <a:ext uri="{FF2B5EF4-FFF2-40B4-BE49-F238E27FC236}">
+                <a16:creationId xmlns:a16="http://schemas.microsoft.com/office/drawing/2014/main" id="{F8CE6BE4-6872-4AC3-B70E-7768DE861185}"/>
+              </a:ext>
+            </a:extLst>
+          </p:cNvPr>
+          <p:cNvSpPr>
+            <a:spLocks noGrp="1"/>
+          </p:cNvSpPr>
+          <p:nvPr>
+            <p:ph idx="1"/>
+          </p:nvPr>
+        </p:nvSpPr>
+        <p:spPr>
+          <a:xfrm>
+            <a:off x="2231135" y="2638044"/>
+            <a:ext cx="7729727" cy="3101983"/>
+          </a:xfrm>
+        </p:spPr>
+        <p:txBody>
+          <a:bodyPr>
+            <a:normAutofit lnSpcReduction="10000"/>
+          </a:bodyPr>
+          <a:lstStyle/>
+          <a:p>
+            <a:r>
+              <a:rPr lang="en-US" dirty="0"/>
+              <a:t>There are many text editors in Linux</a:t>
+            </a:r>
+          </a:p>
+          <a:p>
+            <a:r>
+              <a:rPr lang="en-US" dirty="0"/>
+              <a:t>I will teach the basics of vim</a:t>
+            </a:r>
+          </a:p>
+          <a:p>
+            <a:r>
+              <a:rPr lang="en-US" dirty="0"/>
+              <a:t>To make a file, use the command </a:t>
+            </a:r>
+          </a:p>
+          <a:p>
+            <a:pPr marL="0" indent="0">
+              <a:buNone/>
+            </a:pPr>
+            <a:r>
+              <a:rPr lang="en-US" dirty="0"/>
+              <a:t>  </a:t>
+            </a:r>
+            <a:r>
+              <a:rPr lang="en-US" sz="1600" dirty="0">
+                <a:latin typeface="Consolas" panose="020B0609020204030204" pitchFamily="49" charset="0"/>
+              </a:rPr>
+              <a:t>  $ vi &lt;filename&gt;</a:t>
+            </a:r>
+          </a:p>
+          <a:p>
+            <a:r>
+              <a:rPr lang="en-US" dirty="0"/>
+              <a:t>To start typing mode, press “</a:t>
+            </a:r>
+            <a:r>
+              <a:rPr lang="en-US" dirty="0" err="1"/>
+              <a:t>i</a:t>
+            </a:r>
+            <a:r>
+              <a:rPr lang="en-US" dirty="0"/>
+              <a:t>”</a:t>
+            </a:r>
+          </a:p>
+          <a:p>
+            <a:r>
+              <a:rPr lang="en-US" dirty="0"/>
+              <a:t>To exit typing mode, press “esc”</a:t>
+            </a:r>
+          </a:p>
+          <a:p>
+            <a:r>
+              <a:rPr lang="en-US" dirty="0"/>
+              <a:t>To save, exit typing mode, and press “:w”</a:t>
+            </a:r>
+          </a:p>
+          <a:p>
+            <a:r>
+              <a:rPr lang="en-US" dirty="0"/>
+              <a:t>To save and quit, exit typing mode, and press “:</a:t>
+            </a:r>
+            <a:r>
+              <a:rPr lang="en-US" dirty="0" err="1"/>
+              <a:t>wq</a:t>
+            </a:r>
+            <a:r>
+              <a:rPr lang="en-US" dirty="0"/>
+              <a:t>”</a:t>
+            </a:r>
+          </a:p>
+        </p:txBody>
+      </p:sp>
+    </p:spTree>
+    <p:extLst>
+      <p:ext uri="{BB962C8B-B14F-4D97-AF65-F5344CB8AC3E}">
+        <p14:creationId xmlns:p14="http://schemas.microsoft.com/office/powerpoint/2010/main" val="2196629471"/>
+      </p:ext>
+    </p:extLst>
+  </p:cSld>
+  <p:clrMapOvr>
+    <a:masterClrMapping/>
+  </p:clrMapOvr>
+</p:sld>
+</file>
+
+<file path=ppt/slides/slide11.xml><?xml version="1.0" encoding="utf-8"?>
+<p:sld xmlns:a="http://schemas.openxmlformats.org/drawingml/2006/main" xmlns:r="http://schemas.openxmlformats.org/officeDocument/2006/relationships" xmlns:p="http://schemas.openxmlformats.org/presentationml/2006/main">
+  <p:cSld>
+    <p:spTree>
+      <p:nvGrpSpPr>
+        <p:cNvPr id="1" name=""/>
+        <p:cNvGrpSpPr/>
+        <p:nvPr/>
+      </p:nvGrpSpPr>
+      <p:grpSpPr>
+        <a:xfrm>
+          <a:off x="0" y="0"/>
+          <a:ext cx="0" cy="0"/>
+          <a:chOff x="0" y="0"/>
+          <a:chExt cx="0" cy="0"/>
+        </a:xfrm>
+      </p:grpSpPr>
+      <p:sp>
+        <p:nvSpPr>
+          <p:cNvPr id="2" name="Title 1">
+            <a:extLst>
+              <a:ext uri="{FF2B5EF4-FFF2-40B4-BE49-F238E27FC236}">
+                <a16:creationId xmlns:a16="http://schemas.microsoft.com/office/drawing/2014/main" id="{CD7C3B00-0061-4FCC-8A33-8108A433FA69}"/>
+              </a:ext>
+            </a:extLst>
+          </p:cNvPr>
+          <p:cNvSpPr>
+            <a:spLocks noGrp="1"/>
+          </p:cNvSpPr>
+          <p:nvPr>
+            <p:ph type="title"/>
+          </p:nvPr>
+        </p:nvSpPr>
+        <p:spPr/>
+        <p:txBody>
+          <a:bodyPr/>
+          <a:lstStyle/>
+          <a:p>
+            <a:r>
+              <a:rPr lang="en-US" dirty="0"/>
               <a:t>Basic Job submission</a:t>
             </a:r>
           </a:p>
@@ -3635,7 +3796,7 @@
 </p:sld>
 </file>
 
-<file path=ppt/slides/slide11.xml><?xml version="1.0" encoding="utf-8"?>
+<file path=ppt/slides/slide12.xml><?xml version="1.0" encoding="utf-8"?>
 <p:sld xmlns:a="http://schemas.openxmlformats.org/drawingml/2006/main" xmlns:r="http://schemas.openxmlformats.org/officeDocument/2006/relationships" xmlns:p="http://schemas.openxmlformats.org/presentationml/2006/main">
   <p:cSld>
     <p:spTree>
@@ -3812,7 +3973,7 @@
 </p:sld>
 </file>
 
-<file path=ppt/slides/slide12.xml><?xml version="1.0" encoding="utf-8"?>
+<file path=ppt/slides/slide13.xml><?xml version="1.0" encoding="utf-8"?>
 <p:sld xmlns:a="http://schemas.openxmlformats.org/drawingml/2006/main" xmlns:r="http://schemas.openxmlformats.org/officeDocument/2006/relationships" xmlns:p="http://schemas.openxmlformats.org/presentationml/2006/main">
   <p:cSld>
     <p:spTree>
@@ -4686,77 +4847,65 @@
           <a:lstStyle/>
           <a:p>
             <a:r>
-              <a:rPr lang="en-US" dirty="0"/>
-              <a:t>C gets most of its functionality via libraries, with one of the most commonly included one being the standard library</a:t>
-            </a:r>
-          </a:p>
-          <a:p>
-            <a:r>
-              <a:rPr lang="en-US" dirty="0"/>
-              <a:t>Libraries are included via a </a:t>
-            </a:r>
-            <a:r>
-              <a:rPr lang="en-US" dirty="0">
-                <a:latin typeface="Consolas" panose="020B0609020204030204" pitchFamily="49" charset="0"/>
-              </a:rPr>
-              <a:t>#include &lt;</a:t>
-            </a:r>
-            <a:r>
-              <a:rPr lang="en-US" dirty="0" err="1">
-                <a:latin typeface="Consolas" panose="020B0609020204030204" pitchFamily="49" charset="0"/>
-              </a:rPr>
-              <a:t>header.h</a:t>
-            </a:r>
-            <a:r>
-              <a:rPr lang="en-US" dirty="0">
-                <a:latin typeface="Consolas" panose="020B0609020204030204" pitchFamily="49" charset="0"/>
-              </a:rPr>
-              <a:t>&gt; </a:t>
-            </a:r>
-            <a:r>
-              <a:rPr lang="en-US" dirty="0"/>
-              <a:t>statement at the top of the script.</a:t>
-            </a:r>
-            <a:endParaRPr lang="en-US" dirty="0">
-              <a:latin typeface="Consolas" panose="020B0609020204030204" pitchFamily="49" charset="0"/>
-            </a:endParaRPr>
-          </a:p>
-          <a:p>
-            <a:r>
               <a:rPr lang="en-US" sz="1600" dirty="0">
                 <a:latin typeface="+mj-lt"/>
               </a:rPr>
-              <a:t>We shall create our first C program by creating a main function and including the two header files </a:t>
-            </a:r>
+              <a:t>We will now create our basic hello world function</a:t>
+            </a:r>
+          </a:p>
+          <a:p>
             <a:r>
               <a:rPr lang="en-US" sz="1600" dirty="0" err="1">
-                <a:latin typeface="+mj-lt"/>
-              </a:rPr>
-              <a:t>stdio.h</a:t>
+                <a:latin typeface="Consolas" panose="020B0609020204030204" pitchFamily="49" charset="0"/>
+              </a:rPr>
+              <a:t>printf</a:t>
             </a:r>
             <a:r>
               <a:rPr lang="en-US" sz="1600" dirty="0">
                 <a:latin typeface="+mj-lt"/>
               </a:rPr>
-              <a:t> and </a:t>
-            </a:r>
-            <a:r>
-              <a:rPr lang="en-US" sz="1600" dirty="0" err="1">
-                <a:latin typeface="+mj-lt"/>
-              </a:rPr>
-              <a:t>mpi.h</a:t>
+              <a:t> is included in the standard io library, and outputs the text to the console</a:t>
             </a:r>
             <a:br>
               <a:rPr lang="en-US" sz="1600" dirty="0">
-                <a:latin typeface="Consolas" panose="020B0609020204030204" pitchFamily="49" charset="0"/>
+                <a:latin typeface="+mj-lt"/>
               </a:rPr>
             </a:br>
             <a:endParaRPr lang="en-US" sz="1600" dirty="0">
-              <a:latin typeface="Consolas" panose="020B0609020204030204" pitchFamily="49" charset="0"/>
+              <a:latin typeface="+mj-lt"/>
             </a:endParaRPr>
           </a:p>
         </p:txBody>
       </p:sp>
+      <p:pic>
+        <p:nvPicPr>
+          <p:cNvPr id="5" name="Picture 4">
+            <a:extLst>
+              <a:ext uri="{FF2B5EF4-FFF2-40B4-BE49-F238E27FC236}">
+                <a16:creationId xmlns:a16="http://schemas.microsoft.com/office/drawing/2014/main" id="{90CEA966-A41A-4DAF-A3BE-2A1C938FF794}"/>
+              </a:ext>
+            </a:extLst>
+          </p:cNvPr>
+          <p:cNvPicPr>
+            <a:picLocks noChangeAspect="1"/>
+          </p:cNvPicPr>
+          <p:nvPr/>
+        </p:nvPicPr>
+        <p:blipFill rotWithShape="1">
+          <a:blip r:embed="rId2"/>
+          <a:srcRect l="58317" t="7907" r="33054" b="76730"/>
+          <a:stretch/>
+        </p:blipFill>
+        <p:spPr>
+          <a:xfrm>
+            <a:off x="4350121" y="3800213"/>
+            <a:ext cx="3132859" cy="1568797"/>
+          </a:xfrm>
+          <a:prstGeom prst="rect">
+            <a:avLst/>
+          </a:prstGeom>
+        </p:spPr>
+      </p:pic>
     </p:spTree>
     <p:extLst>
       <p:ext uri="{BB962C8B-B14F-4D97-AF65-F5344CB8AC3E}">
@@ -4810,7 +4959,15 @@
           <a:p>
             <a:r>
               <a:rPr lang="en-US" dirty="0"/>
-              <a:t>Navigation in the command line</a:t>
+              <a:t>MPI Hello </a:t>
+            </a:r>
+            <a:r>
+              <a:rPr lang="en-US" dirty="0" err="1"/>
+              <a:t>WOrld</a:t>
+            </a:r>
+            <a:r>
+              <a:rPr lang="en-US" dirty="0"/>
+              <a:t> Program in C</a:t>
             </a:r>
           </a:p>
         </p:txBody>
@@ -4833,112 +4990,131 @@
         </p:nvSpPr>
         <p:spPr/>
         <p:txBody>
-          <a:bodyPr/>
-          <a:lstStyle/>
-          <a:p>
-            <a:r>
-              <a:rPr lang="en-US" dirty="0"/>
-              <a:t>On login to the cluster, you will be started in the /User/&lt;</a:t>
-            </a:r>
-            <a:r>
-              <a:rPr lang="en-US" dirty="0" err="1"/>
-              <a:t>hawkid</a:t>
-            </a:r>
-            <a:r>
-              <a:rPr lang="en-US" dirty="0"/>
-              <a:t>&gt;/ directory</a:t>
-            </a:r>
-          </a:p>
-          <a:p>
-            <a:r>
-              <a:rPr lang="en-US" dirty="0"/>
-              <a:t>To view all files in the current directory, run the command (without the $)</a:t>
-            </a:r>
-            <a:endParaRPr lang="en-US" dirty="0">
-              <a:latin typeface="Consolas" panose="020B0609020204030204" pitchFamily="49" charset="0"/>
-            </a:endParaRPr>
-          </a:p>
-          <a:p>
-            <a:pPr marL="228600" lvl="1" indent="0">
-              <a:buNone/>
-            </a:pPr>
-            <a:r>
-              <a:rPr lang="en-US" dirty="0">
-                <a:latin typeface="Consolas" panose="020B0609020204030204" pitchFamily="49" charset="0"/>
-              </a:rPr>
-              <a:t>$ ls</a:t>
-            </a:r>
-          </a:p>
-          <a:p>
-            <a:r>
-              <a:rPr lang="en-US" dirty="0"/>
-              <a:t>To change between directories, you can use the command </a:t>
-            </a:r>
-          </a:p>
-          <a:p>
-            <a:pPr marL="0" indent="0">
-              <a:buNone/>
-            </a:pPr>
-            <a:r>
-              <a:rPr lang="en-US" dirty="0">
-                <a:latin typeface="Consolas" panose="020B0609020204030204" pitchFamily="49" charset="0"/>
-                <a:cs typeface="Courier New" panose="02070309020205020404" pitchFamily="49" charset="0"/>
-              </a:rPr>
-              <a:t>  </a:t>
-            </a:r>
+          <a:bodyPr>
+            <a:normAutofit fontScale="85000" lnSpcReduction="10000"/>
+          </a:bodyPr>
+          <a:lstStyle/>
+          <a:p>
             <a:r>
               <a:rPr lang="en-US" sz="1600" dirty="0">
-                <a:latin typeface="Consolas" panose="020B0609020204030204" pitchFamily="49" charset="0"/>
-                <a:cs typeface="Courier New" panose="02070309020205020404" pitchFamily="49" charset="0"/>
-              </a:rPr>
-              <a:t>$ cd [</a:t>
-            </a:r>
+                <a:latin typeface="+mj-lt"/>
+              </a:rPr>
+              <a:t>To make use of the parallel resources, we must </a:t>
+            </a:r>
+          </a:p>
+          <a:p>
+            <a:pPr lvl="1"/>
+            <a:r>
+              <a:rPr lang="en-US" sz="1400" dirty="0">
+                <a:latin typeface="+mj-lt"/>
+              </a:rPr>
+              <a:t>a) initialize our processes</a:t>
+            </a:r>
+          </a:p>
+          <a:p>
+            <a:pPr lvl="1"/>
+            <a:r>
+              <a:rPr lang="en-US" sz="1400" dirty="0">
+                <a:latin typeface="+mj-lt"/>
+              </a:rPr>
+              <a:t>b) perform the tasks</a:t>
+            </a:r>
+          </a:p>
+          <a:p>
+            <a:pPr lvl="1"/>
+            <a:r>
+              <a:rPr lang="en-US" sz="1400" dirty="0">
+                <a:latin typeface="+mj-lt"/>
+              </a:rPr>
+              <a:t>c) clean up and end our processes</a:t>
+            </a:r>
+          </a:p>
+          <a:p>
             <a:r>
               <a:rPr lang="en-US" sz="1600" dirty="0" err="1">
-                <a:latin typeface="Consolas" panose="020B0609020204030204" pitchFamily="49" charset="0"/>
-                <a:cs typeface="Courier New" panose="02070309020205020404" pitchFamily="49" charset="0"/>
-              </a:rPr>
-              <a:t>dir</a:t>
+                <a:latin typeface="+mj-lt"/>
+              </a:rPr>
+              <a:t>MPI_Init</a:t>
             </a:r>
             <a:r>
               <a:rPr lang="en-US" sz="1600" dirty="0">
-                <a:latin typeface="Consolas" panose="020B0609020204030204" pitchFamily="49" charset="0"/>
-                <a:cs typeface="Courier New" panose="02070309020205020404" pitchFamily="49" charset="0"/>
-              </a:rPr>
-              <a:t>]</a:t>
-            </a:r>
-          </a:p>
-          <a:p>
-            <a:r>
-              <a:rPr lang="en-US" dirty="0"/>
-              <a:t>There are additional flags for all these commands, to learn the type</a:t>
-            </a:r>
-          </a:p>
-          <a:p>
-            <a:pPr marL="0" indent="0">
-              <a:buNone/>
-            </a:pPr>
+                <a:latin typeface="+mj-lt"/>
+              </a:rPr>
+              <a:t>():  This function initializes the MPI environment. It takes in the addresses of the C command line arguments </a:t>
+            </a:r>
+            <a:r>
+              <a:rPr lang="en-US" sz="1600" dirty="0" err="1">
+                <a:latin typeface="+mj-lt"/>
+              </a:rPr>
+              <a:t>argc</a:t>
+            </a:r>
             <a:r>
               <a:rPr lang="en-US" sz="1600" dirty="0">
-                <a:latin typeface="Consolas" panose="020B0609020204030204" pitchFamily="49" charset="0"/>
-              </a:rPr>
-              <a:t>  $ man &lt;command&gt;</a:t>
-            </a:r>
-            <a:br>
+                <a:latin typeface="+mj-lt"/>
+              </a:rPr>
+              <a:t> and </a:t>
+            </a:r>
+            <a:r>
+              <a:rPr lang="en-US" sz="1600" dirty="0" err="1">
+                <a:latin typeface="+mj-lt"/>
+              </a:rPr>
+              <a:t>argv</a:t>
+            </a:r>
+            <a:r>
               <a:rPr lang="en-US" sz="1600" dirty="0">
-                <a:latin typeface="Consolas" panose="020B0609020204030204" pitchFamily="49" charset="0"/>
-              </a:rPr>
-            </a:br>
-            <a:endParaRPr lang="en-US" sz="1600" dirty="0">
-              <a:latin typeface="Consolas" panose="020B0609020204030204" pitchFamily="49" charset="0"/>
-            </a:endParaRPr>
+                <a:latin typeface="+mj-lt"/>
+              </a:rPr>
+              <a:t>. </a:t>
+            </a:r>
+          </a:p>
+          <a:p>
+            <a:r>
+              <a:rPr lang="en-US" sz="1600" dirty="0" err="1">
+                <a:latin typeface="+mj-lt"/>
+              </a:rPr>
+              <a:t>MPI_Comm_size</a:t>
+            </a:r>
+            <a:r>
+              <a:rPr lang="en-US" sz="1600" dirty="0">
+                <a:latin typeface="+mj-lt"/>
+              </a:rPr>
+              <a:t>(): This function returns the total size of the environment via quantity of processes. The function takes in the MPI environment, and the memory address of an integer variable. </a:t>
+            </a:r>
+          </a:p>
+          <a:p>
+            <a:r>
+              <a:rPr lang="en-US" sz="1600" dirty="0" err="1">
+                <a:latin typeface="+mj-lt"/>
+              </a:rPr>
+              <a:t>MPI_Comm_rank</a:t>
+            </a:r>
+            <a:r>
+              <a:rPr lang="en-US" sz="1600" dirty="0">
+                <a:latin typeface="+mj-lt"/>
+              </a:rPr>
+              <a:t>(): This function returns the process id of the processor that called the function. The function takes in the MPI environment, and the memory address of an integer variable. </a:t>
+            </a:r>
+          </a:p>
+          <a:p>
+            <a:r>
+              <a:rPr lang="en-US" sz="1600" dirty="0" err="1">
+                <a:latin typeface="+mj-lt"/>
+              </a:rPr>
+              <a:t>MPI_Finalize</a:t>
+            </a:r>
+            <a:r>
+              <a:rPr lang="en-US" sz="1600" dirty="0">
+                <a:latin typeface="+mj-lt"/>
+              </a:rPr>
+              <a:t>(): This function cleans up the MPI environment and ends MPI communications.</a:t>
+            </a:r>
           </a:p>
         </p:txBody>
       </p:sp>
     </p:spTree>
     <p:extLst>
       <p:ext uri="{BB962C8B-B14F-4D97-AF65-F5344CB8AC3E}">
-        <p14:creationId xmlns:p14="http://schemas.microsoft.com/office/powerpoint/2010/main" val="2714982320"/>
+        <p14:creationId xmlns:p14="http://schemas.microsoft.com/office/powerpoint/2010/main" val="1148718311"/>
       </p:ext>
     </p:extLst>
   </p:cSld>
@@ -4988,7 +5164,15 @@
           <a:p>
             <a:r>
               <a:rPr lang="en-US" dirty="0"/>
-              <a:t>Navigation in the command line</a:t>
+              <a:t>MPI Hello </a:t>
+            </a:r>
+            <a:r>
+              <a:rPr lang="en-US" dirty="0" err="1"/>
+              <a:t>WOrld</a:t>
+            </a:r>
+            <a:r>
+              <a:rPr lang="en-US" dirty="0"/>
+              <a:t> Program in C</a:t>
             </a:r>
           </a:p>
         </p:txBody>
@@ -5016,135 +5200,53 @@
           </a:bodyPr>
           <a:lstStyle/>
           <a:p>
-            <a:r>
-              <a:rPr lang="en-US" dirty="0"/>
-              <a:t>To make a directory use the command </a:t>
-            </a:r>
-          </a:p>
-          <a:p>
             <a:pPr marL="0" indent="0">
               <a:buNone/>
             </a:pPr>
-            <a:r>
+            <a:br>
               <a:rPr lang="en-US" sz="1600" dirty="0">
                 <a:latin typeface="Consolas" panose="020B0609020204030204" pitchFamily="49" charset="0"/>
               </a:rPr>
-              <a:t>  $ </a:t>
-            </a:r>
-            <a:r>
-              <a:rPr lang="en-US" sz="1600" dirty="0" err="1">
-                <a:latin typeface="Consolas" panose="020B0609020204030204" pitchFamily="49" charset="0"/>
-              </a:rPr>
-              <a:t>mkdir</a:t>
-            </a:r>
-            <a:r>
-              <a:rPr lang="en-US" sz="1600" dirty="0">
-                <a:latin typeface="Consolas" panose="020B0609020204030204" pitchFamily="49" charset="0"/>
-              </a:rPr>
-              <a:t> &lt;</a:t>
-            </a:r>
-            <a:r>
-              <a:rPr lang="en-US" sz="1600" dirty="0" err="1">
-                <a:latin typeface="Consolas" panose="020B0609020204030204" pitchFamily="49" charset="0"/>
-              </a:rPr>
-              <a:t>dirname</a:t>
-            </a:r>
-            <a:r>
-              <a:rPr lang="en-US" sz="1600" dirty="0">
-                <a:latin typeface="Consolas" panose="020B0609020204030204" pitchFamily="49" charset="0"/>
-              </a:rPr>
-              <a:t>&gt;</a:t>
-            </a:r>
-          </a:p>
-          <a:p>
-            <a:r>
-              <a:rPr lang="en-US" dirty="0"/>
-              <a:t>To remove a file (not a directory), use the command</a:t>
-            </a:r>
-          </a:p>
-          <a:p>
-            <a:pPr marL="0" indent="0">
-              <a:buNone/>
-            </a:pPr>
-            <a:r>
-              <a:rPr lang="en-US" sz="1600" dirty="0">
-                <a:latin typeface="Consolas" panose="020B0609020204030204" pitchFamily="49" charset="0"/>
-              </a:rPr>
-              <a:t>  $ rm &lt;filename&gt;</a:t>
-            </a:r>
-          </a:p>
-          <a:p>
-            <a:r>
-              <a:rPr lang="en-US" dirty="0"/>
-              <a:t>To remove a directory and its contents, include the flag –r (be careful)</a:t>
-            </a:r>
-          </a:p>
-          <a:p>
-            <a:pPr marL="0" indent="0">
-              <a:buNone/>
-            </a:pPr>
-            <a:r>
-              <a:rPr lang="en-US" sz="1600" dirty="0">
-                <a:latin typeface="Consolas" panose="020B0609020204030204" pitchFamily="49" charset="0"/>
-              </a:rPr>
-              <a:t>  $ rm -r &lt;</a:t>
-            </a:r>
-            <a:r>
-              <a:rPr lang="en-US" sz="1600" dirty="0" err="1">
-                <a:latin typeface="Consolas" panose="020B0609020204030204" pitchFamily="49" charset="0"/>
-              </a:rPr>
-              <a:t>dirname</a:t>
-            </a:r>
-            <a:r>
-              <a:rPr lang="en-US" sz="1600" dirty="0">
-                <a:latin typeface="Consolas" panose="020B0609020204030204" pitchFamily="49" charset="0"/>
-              </a:rPr>
-              <a:t>&gt;</a:t>
-            </a:r>
-          </a:p>
-          <a:p>
-            <a:r>
-              <a:rPr lang="en-US" dirty="0"/>
-              <a:t>To move (or rename) a file/directory and its contents, </a:t>
-            </a:r>
-          </a:p>
-          <a:p>
-            <a:pPr marL="0" indent="0">
-              <a:buNone/>
-            </a:pPr>
-            <a:r>
-              <a:rPr lang="en-US" sz="1600" dirty="0">
-                <a:latin typeface="Consolas" panose="020B0609020204030204" pitchFamily="49" charset="0"/>
-              </a:rPr>
-              <a:t>  $ mv &lt;filename&gt; &lt;</a:t>
-            </a:r>
-            <a:r>
-              <a:rPr lang="en-US" sz="1600" dirty="0" err="1">
-                <a:latin typeface="Consolas" panose="020B0609020204030204" pitchFamily="49" charset="0"/>
-              </a:rPr>
-              <a:t>newlocation</a:t>
-            </a:r>
-            <a:r>
-              <a:rPr lang="en-US" sz="1600" dirty="0">
-                <a:latin typeface="Consolas" panose="020B0609020204030204" pitchFamily="49" charset="0"/>
-              </a:rPr>
-              <a:t>&gt;</a:t>
-            </a:r>
-          </a:p>
-          <a:p>
-            <a:pPr marL="0" indent="0">
-              <a:buNone/>
-            </a:pPr>
+            </a:br>
             <a:endParaRPr lang="en-US" sz="1600" dirty="0">
               <a:latin typeface="Consolas" panose="020B0609020204030204" pitchFamily="49" charset="0"/>
             </a:endParaRPr>
           </a:p>
         </p:txBody>
       </p:sp>
+      <p:pic>
+        <p:nvPicPr>
+          <p:cNvPr id="5" name="Picture 4">
+            <a:extLst>
+              <a:ext uri="{FF2B5EF4-FFF2-40B4-BE49-F238E27FC236}">
+                <a16:creationId xmlns:a16="http://schemas.microsoft.com/office/drawing/2014/main" id="{7DD377FF-C0AD-4DDD-9EB5-627B15B56F12}"/>
+              </a:ext>
+            </a:extLst>
+          </p:cNvPr>
+          <p:cNvPicPr>
+            <a:picLocks noChangeAspect="1"/>
+          </p:cNvPicPr>
+          <p:nvPr/>
+        </p:nvPicPr>
+        <p:blipFill rotWithShape="1">
+          <a:blip r:embed="rId2"/>
+          <a:srcRect l="58211" t="7982" r="23761" b="67406"/>
+          <a:stretch/>
+        </p:blipFill>
+        <p:spPr>
+          <a:xfrm>
+            <a:off x="2645664" y="2417475"/>
+            <a:ext cx="7315200" cy="2808866"/>
+          </a:xfrm>
+          <a:prstGeom prst="rect">
+            <a:avLst/>
+          </a:prstGeom>
+        </p:spPr>
+      </p:pic>
     </p:spTree>
     <p:extLst>
       <p:ext uri="{BB962C8B-B14F-4D97-AF65-F5344CB8AC3E}">
-        <p14:creationId xmlns:p14="http://schemas.microsoft.com/office/powerpoint/2010/main" val="3337412307"/>
+        <p14:creationId xmlns:p14="http://schemas.microsoft.com/office/powerpoint/2010/main" val="2714982320"/>
       </p:ext>
     </p:extLst>
   </p:cSld>
@@ -5224,7 +5326,7 @@
           <a:p>
             <a:r>
               <a:rPr lang="en-US" dirty="0"/>
-              <a:t>To copy files, use the following command</a:t>
+              <a:t>To make a directory use the command </a:t>
             </a:r>
           </a:p>
           <a:p>
@@ -5234,27 +5336,108 @@
             <a:r>
               <a:rPr lang="en-US" sz="1600" dirty="0">
                 <a:latin typeface="Consolas" panose="020B0609020204030204" pitchFamily="49" charset="0"/>
-                <a:cs typeface="Courier New" panose="02070309020205020404" pitchFamily="49" charset="0"/>
-              </a:rPr>
-              <a:t>  $ cp &lt;filename&gt; &lt;</a:t>
+              </a:rPr>
+              <a:t>  $ </a:t>
             </a:r>
             <a:r>
               <a:rPr lang="en-US" sz="1600" dirty="0" err="1">
                 <a:latin typeface="Consolas" panose="020B0609020204030204" pitchFamily="49" charset="0"/>
-                <a:cs typeface="Courier New" panose="02070309020205020404" pitchFamily="49" charset="0"/>
-              </a:rPr>
-              <a:t>newfilename</a:t>
+              </a:rPr>
+              <a:t>mkdir</a:t>
             </a:r>
             <a:r>
               <a:rPr lang="en-US" sz="1600" dirty="0">
                 <a:latin typeface="Consolas" panose="020B0609020204030204" pitchFamily="49" charset="0"/>
-                <a:cs typeface="Courier New" panose="02070309020205020404" pitchFamily="49" charset="0"/>
+              </a:rPr>
+              <a:t> &lt;</a:t>
+            </a:r>
+            <a:r>
+              <a:rPr lang="en-US" sz="1600" dirty="0" err="1">
+                <a:latin typeface="Consolas" panose="020B0609020204030204" pitchFamily="49" charset="0"/>
+              </a:rPr>
+              <a:t>dirname</a:t>
+            </a:r>
+            <a:r>
+              <a:rPr lang="en-US" sz="1600" dirty="0">
+                <a:latin typeface="Consolas" panose="020B0609020204030204" pitchFamily="49" charset="0"/>
               </a:rPr>
               <a:t>&gt;</a:t>
             </a:r>
-            <a:endParaRPr lang="en-US" sz="1600" dirty="0">
-              <a:latin typeface="Consolas" panose="020B0609020204030204" pitchFamily="49" charset="0"/>
-            </a:endParaRPr>
+          </a:p>
+          <a:p>
+            <a:r>
+              <a:rPr lang="en-US" dirty="0"/>
+              <a:t>To remove a file (not a directory), use the command</a:t>
+            </a:r>
+          </a:p>
+          <a:p>
+            <a:pPr marL="0" indent="0">
+              <a:buNone/>
+            </a:pPr>
+            <a:r>
+              <a:rPr lang="en-US" sz="1600" dirty="0">
+                <a:latin typeface="Consolas" panose="020B0609020204030204" pitchFamily="49" charset="0"/>
+              </a:rPr>
+              <a:t>  $ rm &lt;filename&gt;</a:t>
+            </a:r>
+          </a:p>
+          <a:p>
+            <a:r>
+              <a:rPr lang="en-US" dirty="0"/>
+              <a:t>To remove a directory and its contents, include the flag –r (be careful)</a:t>
+            </a:r>
+          </a:p>
+          <a:p>
+            <a:pPr marL="0" indent="0">
+              <a:buNone/>
+            </a:pPr>
+            <a:r>
+              <a:rPr lang="en-US" sz="1600" dirty="0">
+                <a:latin typeface="Consolas" panose="020B0609020204030204" pitchFamily="49" charset="0"/>
+              </a:rPr>
+              <a:t>  $ rm -r &lt;</a:t>
+            </a:r>
+            <a:r>
+              <a:rPr lang="en-US" sz="1600" dirty="0" err="1">
+                <a:latin typeface="Consolas" panose="020B0609020204030204" pitchFamily="49" charset="0"/>
+              </a:rPr>
+              <a:t>dirname</a:t>
+            </a:r>
+            <a:r>
+              <a:rPr lang="en-US" sz="1600" dirty="0">
+                <a:latin typeface="Consolas" panose="020B0609020204030204" pitchFamily="49" charset="0"/>
+              </a:rPr>
+              <a:t>&gt;</a:t>
+            </a:r>
+          </a:p>
+          <a:p>
+            <a:r>
+              <a:rPr lang="en-US" dirty="0"/>
+              <a:t>To move (or rename) a file/directory and its contents, </a:t>
+            </a:r>
+          </a:p>
+          <a:p>
+            <a:pPr marL="0" indent="0">
+              <a:buNone/>
+            </a:pPr>
+            <a:r>
+              <a:rPr lang="en-US" sz="1600" dirty="0">
+                <a:latin typeface="Consolas" panose="020B0609020204030204" pitchFamily="49" charset="0"/>
+              </a:rPr>
+              <a:t>  $ mv &lt;filename&gt; &lt;</a:t>
+            </a:r>
+            <a:r>
+              <a:rPr lang="en-US" sz="1600" dirty="0" err="1">
+                <a:latin typeface="Consolas" panose="020B0609020204030204" pitchFamily="49" charset="0"/>
+              </a:rPr>
+              <a:t>newlocation</a:t>
+            </a:r>
+            <a:r>
+              <a:rPr lang="en-US" sz="1600" dirty="0">
+                <a:latin typeface="Consolas" panose="020B0609020204030204" pitchFamily="49" charset="0"/>
+              </a:rPr>
+              <a:t>&gt;</a:t>
+            </a:r>
           </a:p>
           <a:p>
             <a:pPr marL="0" indent="0">
@@ -5269,7 +5452,7 @@
     </p:spTree>
     <p:extLst>
       <p:ext uri="{BB962C8B-B14F-4D97-AF65-F5344CB8AC3E}">
-        <p14:creationId xmlns:p14="http://schemas.microsoft.com/office/powerpoint/2010/main" val="841835761"/>
+        <p14:creationId xmlns:p14="http://schemas.microsoft.com/office/powerpoint/2010/main" val="3337412307"/>
       </p:ext>
     </p:extLst>
   </p:cSld>
@@ -5301,7 +5484,7 @@
           <p:cNvPr id="2" name="Title 1">
             <a:extLst>
               <a:ext uri="{FF2B5EF4-FFF2-40B4-BE49-F238E27FC236}">
-                <a16:creationId xmlns:a16="http://schemas.microsoft.com/office/drawing/2014/main" id="{CD7C3B00-0061-4FCC-8A33-8108A433FA69}"/>
+                <a16:creationId xmlns:a16="http://schemas.microsoft.com/office/drawing/2014/main" id="{2F6F83A5-C6E3-4380-98C9-13206AE53231}"/>
               </a:ext>
             </a:extLst>
           </p:cNvPr>
@@ -5319,7 +5502,7 @@
           <a:p>
             <a:r>
               <a:rPr lang="en-US" dirty="0"/>
-              <a:t>Text editor</a:t>
+              <a:t>Navigation in the command line</a:t>
             </a:r>
           </a:p>
         </p:txBody>
@@ -5329,7 +5512,7 @@
           <p:cNvPr id="3" name="Content Placeholder 2">
             <a:extLst>
               <a:ext uri="{FF2B5EF4-FFF2-40B4-BE49-F238E27FC236}">
-                <a16:creationId xmlns:a16="http://schemas.microsoft.com/office/drawing/2014/main" id="{F8CE6BE4-6872-4AC3-B70E-7768DE861185}"/>
+                <a16:creationId xmlns:a16="http://schemas.microsoft.com/office/drawing/2014/main" id="{121983A5-D617-4513-95F0-A9325D0AA4BF}"/>
               </a:ext>
             </a:extLst>
           </p:cNvPr>
@@ -5340,96 +5523,61 @@
             <p:ph idx="1"/>
           </p:nvPr>
         </p:nvSpPr>
-        <p:spPr>
-          <a:xfrm>
-            <a:off x="2231135" y="2638044"/>
-            <a:ext cx="7729727" cy="3101983"/>
-          </a:xfrm>
-        </p:spPr>
+        <p:spPr/>
         <p:txBody>
           <a:bodyPr>
-            <a:normAutofit lnSpcReduction="10000"/>
+            <a:normAutofit/>
           </a:bodyPr>
           <a:lstStyle/>
           <a:p>
             <a:r>
               <a:rPr lang="en-US" dirty="0"/>
-              <a:t>There are many text editors in Linux</a:t>
-            </a:r>
-          </a:p>
-          <a:p>
-            <a:r>
-              <a:rPr lang="en-US" dirty="0"/>
-              <a:t>I will teach the basics of vim</a:t>
-            </a:r>
-          </a:p>
-          <a:p>
-            <a:r>
-              <a:rPr lang="en-US" dirty="0"/>
-              <a:t>To make a file, use the command </a:t>
+              <a:t>To copy files, use the following command</a:t>
             </a:r>
           </a:p>
           <a:p>
             <a:pPr marL="0" indent="0">
               <a:buNone/>
             </a:pPr>
-            <a:r>
-              <a:rPr lang="en-US" dirty="0"/>
-              <a:t>  </a:t>
-            </a:r>
             <a:r>
               <a:rPr lang="en-US" sz="1600" dirty="0">
                 <a:latin typeface="Consolas" panose="020B0609020204030204" pitchFamily="49" charset="0"/>
-              </a:rPr>
-              <a:t>  $ vi &lt;filename&gt;</a:t>
-            </a:r>
-          </a:p>
-          <a:p>
-            <a:r>
-              <a:rPr lang="en-US" dirty="0"/>
-              <a:t>To start typing mode, press “</a:t>
-            </a:r>
-            <a:r>
-              <a:rPr lang="en-US" dirty="0" err="1"/>
-              <a:t>i</a:t>
-            </a:r>
-            <a:r>
-              <a:rPr lang="en-US" dirty="0"/>
-              <a:t>”</a:t>
-            </a:r>
-          </a:p>
-          <a:p>
-            <a:r>
-              <a:rPr lang="en-US" dirty="0"/>
-              <a:t>To exit typing mode, press “esc”</a:t>
-            </a:r>
-          </a:p>
-          <a:p>
-            <a:r>
-              <a:rPr lang="en-US" dirty="0"/>
-              <a:t>To save, exit typing mode, and press “:w”</a:t>
-            </a:r>
-          </a:p>
-          <a:p>
-            <a:r>
-              <a:rPr lang="en-US" dirty="0"/>
-              <a:t>To save and quit, exit typing mode, and press “:</a:t>
-            </a:r>
-            <a:r>
-              <a:rPr lang="en-US" dirty="0" err="1"/>
-              <a:t>wq</a:t>
-            </a:r>
-            <a:r>
-              <a:rPr lang="en-US" dirty="0"/>
-              <a:t>”</a:t>
-            </a:r>
+                <a:cs typeface="Courier New" panose="02070309020205020404" pitchFamily="49" charset="0"/>
+              </a:rPr>
+              <a:t>  $ cp &lt;filename&gt; &lt;</a:t>
+            </a:r>
+            <a:r>
+              <a:rPr lang="en-US" sz="1600" dirty="0" err="1">
+                <a:latin typeface="Consolas" panose="020B0609020204030204" pitchFamily="49" charset="0"/>
+                <a:cs typeface="Courier New" panose="02070309020205020404" pitchFamily="49" charset="0"/>
+              </a:rPr>
+              <a:t>newfilename</a:t>
+            </a:r>
+            <a:r>
+              <a:rPr lang="en-US" sz="1600" dirty="0">
+                <a:latin typeface="Consolas" panose="020B0609020204030204" pitchFamily="49" charset="0"/>
+                <a:cs typeface="Courier New" panose="02070309020205020404" pitchFamily="49" charset="0"/>
+              </a:rPr>
+              <a:t>&gt;</a:t>
+            </a:r>
+            <a:endParaRPr lang="en-US" sz="1600" dirty="0">
+              <a:latin typeface="Consolas" panose="020B0609020204030204" pitchFamily="49" charset="0"/>
+            </a:endParaRPr>
+          </a:p>
+          <a:p>
+            <a:pPr marL="0" indent="0">
+              <a:buNone/>
+            </a:pPr>
+            <a:endParaRPr lang="en-US" sz="1600" dirty="0">
+              <a:latin typeface="Consolas" panose="020B0609020204030204" pitchFamily="49" charset="0"/>
+            </a:endParaRPr>
           </a:p>
         </p:txBody>
       </p:sp>
     </p:spTree>
     <p:extLst>
       <p:ext uri="{BB962C8B-B14F-4D97-AF65-F5344CB8AC3E}">
-        <p14:creationId xmlns:p14="http://schemas.microsoft.com/office/powerpoint/2010/main" val="2196629471"/>
+        <p14:creationId xmlns:p14="http://schemas.microsoft.com/office/powerpoint/2010/main" val="841835761"/>
       </p:ext>
     </p:extLst>
   </p:cSld>

--- a/Lectures/Lecture 3/lecture3.pptx
+++ b/Lectures/Lecture 3/lecture3.pptx
@@ -12,12 +12,7 @@
     <p:sldId id="273" r:id="rId6"/>
     <p:sldId id="274" r:id="rId7"/>
     <p:sldId id="264" r:id="rId8"/>
-    <p:sldId id="267" r:id="rId9"/>
-    <p:sldId id="265" r:id="rId10"/>
-    <p:sldId id="270" r:id="rId11"/>
-    <p:sldId id="269" r:id="rId12"/>
-    <p:sldId id="272" r:id="rId13"/>
-    <p:sldId id="271" r:id="rId14"/>
+    <p:sldId id="275" r:id="rId9"/>
   </p:sldIdLst>
   <p:sldSz cx="12192000" cy="6858000"/>
   <p:notesSz cx="6858000" cy="9144000"/>
@@ -3389,899 +3384,6 @@
 </p:sld>
 </file>
 
-<file path=ppt/slides/slide10.xml><?xml version="1.0" encoding="utf-8"?>
-<p:sld xmlns:a="http://schemas.openxmlformats.org/drawingml/2006/main" xmlns:r="http://schemas.openxmlformats.org/officeDocument/2006/relationships" xmlns:p="http://schemas.openxmlformats.org/presentationml/2006/main">
-  <p:cSld>
-    <p:spTree>
-      <p:nvGrpSpPr>
-        <p:cNvPr id="1" name=""/>
-        <p:cNvGrpSpPr/>
-        <p:nvPr/>
-      </p:nvGrpSpPr>
-      <p:grpSpPr>
-        <a:xfrm>
-          <a:off x="0" y="0"/>
-          <a:ext cx="0" cy="0"/>
-          <a:chOff x="0" y="0"/>
-          <a:chExt cx="0" cy="0"/>
-        </a:xfrm>
-      </p:grpSpPr>
-      <p:sp>
-        <p:nvSpPr>
-          <p:cNvPr id="2" name="Title 1">
-            <a:extLst>
-              <a:ext uri="{FF2B5EF4-FFF2-40B4-BE49-F238E27FC236}">
-                <a16:creationId xmlns:a16="http://schemas.microsoft.com/office/drawing/2014/main" id="{CD7C3B00-0061-4FCC-8A33-8108A433FA69}"/>
-              </a:ext>
-            </a:extLst>
-          </p:cNvPr>
-          <p:cNvSpPr>
-            <a:spLocks noGrp="1"/>
-          </p:cNvSpPr>
-          <p:nvPr>
-            <p:ph type="title"/>
-          </p:nvPr>
-        </p:nvSpPr>
-        <p:spPr/>
-        <p:txBody>
-          <a:bodyPr/>
-          <a:lstStyle/>
-          <a:p>
-            <a:r>
-              <a:rPr lang="en-US" dirty="0"/>
-              <a:t>Text editor</a:t>
-            </a:r>
-          </a:p>
-        </p:txBody>
-      </p:sp>
-      <p:sp>
-        <p:nvSpPr>
-          <p:cNvPr id="3" name="Content Placeholder 2">
-            <a:extLst>
-              <a:ext uri="{FF2B5EF4-FFF2-40B4-BE49-F238E27FC236}">
-                <a16:creationId xmlns:a16="http://schemas.microsoft.com/office/drawing/2014/main" id="{F8CE6BE4-6872-4AC3-B70E-7768DE861185}"/>
-              </a:ext>
-            </a:extLst>
-          </p:cNvPr>
-          <p:cNvSpPr>
-            <a:spLocks noGrp="1"/>
-          </p:cNvSpPr>
-          <p:nvPr>
-            <p:ph idx="1"/>
-          </p:nvPr>
-        </p:nvSpPr>
-        <p:spPr>
-          <a:xfrm>
-            <a:off x="2231135" y="2638044"/>
-            <a:ext cx="7729727" cy="3101983"/>
-          </a:xfrm>
-        </p:spPr>
-        <p:txBody>
-          <a:bodyPr>
-            <a:normAutofit lnSpcReduction="10000"/>
-          </a:bodyPr>
-          <a:lstStyle/>
-          <a:p>
-            <a:r>
-              <a:rPr lang="en-US" dirty="0"/>
-              <a:t>There are many text editors in Linux</a:t>
-            </a:r>
-          </a:p>
-          <a:p>
-            <a:r>
-              <a:rPr lang="en-US" dirty="0"/>
-              <a:t>I will teach the basics of vim</a:t>
-            </a:r>
-          </a:p>
-          <a:p>
-            <a:r>
-              <a:rPr lang="en-US" dirty="0"/>
-              <a:t>To make a file, use the command </a:t>
-            </a:r>
-          </a:p>
-          <a:p>
-            <a:pPr marL="0" indent="0">
-              <a:buNone/>
-            </a:pPr>
-            <a:r>
-              <a:rPr lang="en-US" dirty="0"/>
-              <a:t>  </a:t>
-            </a:r>
-            <a:r>
-              <a:rPr lang="en-US" sz="1600" dirty="0">
-                <a:latin typeface="Consolas" panose="020B0609020204030204" pitchFamily="49" charset="0"/>
-              </a:rPr>
-              <a:t>  $ vi &lt;filename&gt;</a:t>
-            </a:r>
-          </a:p>
-          <a:p>
-            <a:r>
-              <a:rPr lang="en-US" dirty="0"/>
-              <a:t>To start typing mode, press “</a:t>
-            </a:r>
-            <a:r>
-              <a:rPr lang="en-US" dirty="0" err="1"/>
-              <a:t>i</a:t>
-            </a:r>
-            <a:r>
-              <a:rPr lang="en-US" dirty="0"/>
-              <a:t>”</a:t>
-            </a:r>
-          </a:p>
-          <a:p>
-            <a:r>
-              <a:rPr lang="en-US" dirty="0"/>
-              <a:t>To exit typing mode, press “esc”</a:t>
-            </a:r>
-          </a:p>
-          <a:p>
-            <a:r>
-              <a:rPr lang="en-US" dirty="0"/>
-              <a:t>To save, exit typing mode, and press “:w”</a:t>
-            </a:r>
-          </a:p>
-          <a:p>
-            <a:r>
-              <a:rPr lang="en-US" dirty="0"/>
-              <a:t>To save and quit, exit typing mode, and press “:</a:t>
-            </a:r>
-            <a:r>
-              <a:rPr lang="en-US" dirty="0" err="1"/>
-              <a:t>wq</a:t>
-            </a:r>
-            <a:r>
-              <a:rPr lang="en-US" dirty="0"/>
-              <a:t>”</a:t>
-            </a:r>
-          </a:p>
-        </p:txBody>
-      </p:sp>
-    </p:spTree>
-    <p:extLst>
-      <p:ext uri="{BB962C8B-B14F-4D97-AF65-F5344CB8AC3E}">
-        <p14:creationId xmlns:p14="http://schemas.microsoft.com/office/powerpoint/2010/main" val="2196629471"/>
-      </p:ext>
-    </p:extLst>
-  </p:cSld>
-  <p:clrMapOvr>
-    <a:masterClrMapping/>
-  </p:clrMapOvr>
-</p:sld>
-</file>
-
-<file path=ppt/slides/slide11.xml><?xml version="1.0" encoding="utf-8"?>
-<p:sld xmlns:a="http://schemas.openxmlformats.org/drawingml/2006/main" xmlns:r="http://schemas.openxmlformats.org/officeDocument/2006/relationships" xmlns:p="http://schemas.openxmlformats.org/presentationml/2006/main">
-  <p:cSld>
-    <p:spTree>
-      <p:nvGrpSpPr>
-        <p:cNvPr id="1" name=""/>
-        <p:cNvGrpSpPr/>
-        <p:nvPr/>
-      </p:nvGrpSpPr>
-      <p:grpSpPr>
-        <a:xfrm>
-          <a:off x="0" y="0"/>
-          <a:ext cx="0" cy="0"/>
-          <a:chOff x="0" y="0"/>
-          <a:chExt cx="0" cy="0"/>
-        </a:xfrm>
-      </p:grpSpPr>
-      <p:sp>
-        <p:nvSpPr>
-          <p:cNvPr id="2" name="Title 1">
-            <a:extLst>
-              <a:ext uri="{FF2B5EF4-FFF2-40B4-BE49-F238E27FC236}">
-                <a16:creationId xmlns:a16="http://schemas.microsoft.com/office/drawing/2014/main" id="{CD7C3B00-0061-4FCC-8A33-8108A433FA69}"/>
-              </a:ext>
-            </a:extLst>
-          </p:cNvPr>
-          <p:cNvSpPr>
-            <a:spLocks noGrp="1"/>
-          </p:cNvSpPr>
-          <p:nvPr>
-            <p:ph type="title"/>
-          </p:nvPr>
-        </p:nvSpPr>
-        <p:spPr/>
-        <p:txBody>
-          <a:bodyPr/>
-          <a:lstStyle/>
-          <a:p>
-            <a:r>
-              <a:rPr lang="en-US" dirty="0"/>
-              <a:t>Basic Job submission</a:t>
-            </a:r>
-          </a:p>
-        </p:txBody>
-      </p:sp>
-      <p:sp>
-        <p:nvSpPr>
-          <p:cNvPr id="3" name="Content Placeholder 2">
-            <a:extLst>
-              <a:ext uri="{FF2B5EF4-FFF2-40B4-BE49-F238E27FC236}">
-                <a16:creationId xmlns:a16="http://schemas.microsoft.com/office/drawing/2014/main" id="{F8CE6BE4-6872-4AC3-B70E-7768DE861185}"/>
-              </a:ext>
-            </a:extLst>
-          </p:cNvPr>
-          <p:cNvSpPr>
-            <a:spLocks noGrp="1"/>
-          </p:cNvSpPr>
-          <p:nvPr>
-            <p:ph idx="1"/>
-          </p:nvPr>
-        </p:nvSpPr>
-        <p:spPr>
-          <a:xfrm>
-            <a:off x="2231136" y="2638044"/>
-            <a:ext cx="3163824" cy="3101983"/>
-          </a:xfrm>
-        </p:spPr>
-        <p:txBody>
-          <a:bodyPr>
-            <a:normAutofit fontScale="85000" lnSpcReduction="10000"/>
-          </a:bodyPr>
-          <a:lstStyle/>
-          <a:p>
-            <a:r>
-              <a:rPr lang="en-US" dirty="0"/>
-              <a:t>In order to submit a job, you must make a </a:t>
-            </a:r>
-            <a:r>
-              <a:rPr lang="en-US" dirty="0" err="1"/>
-              <a:t>sh</a:t>
-            </a:r>
-            <a:r>
-              <a:rPr lang="en-US" dirty="0"/>
-              <a:t> file, specifying what the job will do</a:t>
-            </a:r>
-          </a:p>
-          <a:p>
-            <a:r>
-              <a:rPr lang="en-US" dirty="0"/>
-              <a:t>To make a file, use the command </a:t>
-            </a:r>
-          </a:p>
-          <a:p>
-            <a:pPr marL="0" indent="0">
-              <a:buNone/>
-            </a:pPr>
-            <a:r>
-              <a:rPr lang="en-US" dirty="0"/>
-              <a:t>  </a:t>
-            </a:r>
-            <a:r>
-              <a:rPr lang="en-US" sz="1600" dirty="0">
-                <a:latin typeface="Consolas" panose="020B0609020204030204" pitchFamily="49" charset="0"/>
-              </a:rPr>
-              <a:t>  $ vi &lt;filename&gt;</a:t>
-            </a:r>
-            <a:endParaRPr lang="en-US" dirty="0"/>
-          </a:p>
-          <a:p>
-            <a:r>
-              <a:rPr lang="en-US" dirty="0"/>
-              <a:t>Create a file helloworld.sh</a:t>
-            </a:r>
-          </a:p>
-          <a:p>
-            <a:r>
-              <a:rPr lang="en-US" dirty="0"/>
-              <a:t>To run locally, use </a:t>
-            </a:r>
-          </a:p>
-          <a:p>
-            <a:pPr marL="0" indent="0">
-              <a:buNone/>
-            </a:pPr>
-            <a:r>
-              <a:rPr lang="en-US" dirty="0"/>
-              <a:t>  </a:t>
-            </a:r>
-            <a:r>
-              <a:rPr lang="en-US" dirty="0">
-                <a:latin typeface="Consolas" panose="020B0609020204030204" pitchFamily="49" charset="0"/>
-              </a:rPr>
-              <a:t>  $ </a:t>
-            </a:r>
-            <a:r>
-              <a:rPr lang="en-US" dirty="0" err="1">
-                <a:latin typeface="Consolas" panose="020B0609020204030204" pitchFamily="49" charset="0"/>
-              </a:rPr>
-              <a:t>sh</a:t>
-            </a:r>
-            <a:r>
-              <a:rPr lang="en-US" dirty="0">
-                <a:latin typeface="Consolas" panose="020B0609020204030204" pitchFamily="49" charset="0"/>
-              </a:rPr>
-              <a:t> helloworld.sh</a:t>
-            </a:r>
-          </a:p>
-          <a:p>
-            <a:r>
-              <a:rPr lang="en-US" dirty="0"/>
-              <a:t>To submit the job, run</a:t>
-            </a:r>
-          </a:p>
-          <a:p>
-            <a:pPr marL="0" indent="0">
-              <a:buNone/>
-            </a:pPr>
-            <a:r>
-              <a:rPr lang="en-US" dirty="0">
-                <a:latin typeface="Consolas" panose="020B0609020204030204" pitchFamily="49" charset="0"/>
-              </a:rPr>
-              <a:t>   $ </a:t>
-            </a:r>
-            <a:r>
-              <a:rPr lang="en-US" dirty="0" err="1">
-                <a:latin typeface="Consolas" panose="020B0609020204030204" pitchFamily="49" charset="0"/>
-              </a:rPr>
-              <a:t>qsub</a:t>
-            </a:r>
-            <a:r>
-              <a:rPr lang="en-US" dirty="0">
-                <a:latin typeface="Consolas" panose="020B0609020204030204" pitchFamily="49" charset="0"/>
-              </a:rPr>
-              <a:t> helloworld.sh</a:t>
-            </a:r>
-            <a:endParaRPr lang="en-US" dirty="0"/>
-          </a:p>
-          <a:p>
-            <a:pPr marL="0" indent="0">
-              <a:buNone/>
-            </a:pPr>
-            <a:endParaRPr lang="en-US" dirty="0"/>
-          </a:p>
-          <a:p>
-            <a:endParaRPr lang="en-US" dirty="0">
-              <a:latin typeface="Consolas" panose="020B0609020204030204" pitchFamily="49" charset="0"/>
-            </a:endParaRPr>
-          </a:p>
-        </p:txBody>
-      </p:sp>
-      <p:pic>
-        <p:nvPicPr>
-          <p:cNvPr id="11" name="Picture 10">
-            <a:extLst>
-              <a:ext uri="{FF2B5EF4-FFF2-40B4-BE49-F238E27FC236}">
-                <a16:creationId xmlns:a16="http://schemas.microsoft.com/office/drawing/2014/main" id="{B7600DFB-34C3-42F5-98F0-1747387239E3}"/>
-              </a:ext>
-            </a:extLst>
-          </p:cNvPr>
-          <p:cNvPicPr>
-            <a:picLocks noChangeAspect="1"/>
-          </p:cNvPicPr>
-          <p:nvPr/>
-        </p:nvPicPr>
-        <p:blipFill rotWithShape="1">
-          <a:blip r:embed="rId2">
-            <a:extLst>
-              <a:ext uri="{BEBA8EAE-BF5A-486C-A8C5-ECC9F3942E4B}">
-                <a14:imgProps xmlns:a14="http://schemas.microsoft.com/office/drawing/2010/main">
-                  <a14:imgLayer r:embed="rId3">
-                    <a14:imgEffect>
-                      <a14:saturation sat="0"/>
-                    </a14:imgEffect>
-                    <a14:imgEffect>
-                      <a14:brightnessContrast bright="44000"/>
-                    </a14:imgEffect>
-                  </a14:imgLayer>
-                </a14:imgProps>
-              </a:ext>
-            </a:extLst>
-          </a:blip>
-          <a:srcRect l="50000" r="36341" b="77479"/>
-          <a:stretch/>
-        </p:blipFill>
-        <p:spPr>
-          <a:xfrm>
-            <a:off x="5394960" y="2390543"/>
-            <a:ext cx="4565904" cy="2117336"/>
-          </a:xfrm>
-          <a:prstGeom prst="rect">
-            <a:avLst/>
-          </a:prstGeom>
-        </p:spPr>
-      </p:pic>
-    </p:spTree>
-    <p:extLst>
-      <p:ext uri="{BB962C8B-B14F-4D97-AF65-F5344CB8AC3E}">
-        <p14:creationId xmlns:p14="http://schemas.microsoft.com/office/powerpoint/2010/main" val="1348753271"/>
-      </p:ext>
-    </p:extLst>
-  </p:cSld>
-  <p:clrMapOvr>
-    <a:masterClrMapping/>
-  </p:clrMapOvr>
-</p:sld>
-</file>
-
-<file path=ppt/slides/slide12.xml><?xml version="1.0" encoding="utf-8"?>
-<p:sld xmlns:a="http://schemas.openxmlformats.org/drawingml/2006/main" xmlns:r="http://schemas.openxmlformats.org/officeDocument/2006/relationships" xmlns:p="http://schemas.openxmlformats.org/presentationml/2006/main">
-  <p:cSld>
-    <p:spTree>
-      <p:nvGrpSpPr>
-        <p:cNvPr id="1" name=""/>
-        <p:cNvGrpSpPr/>
-        <p:nvPr/>
-      </p:nvGrpSpPr>
-      <p:grpSpPr>
-        <a:xfrm>
-          <a:off x="0" y="0"/>
-          <a:ext cx="0" cy="0"/>
-          <a:chOff x="0" y="0"/>
-          <a:chExt cx="0" cy="0"/>
-        </a:xfrm>
-      </p:grpSpPr>
-      <p:sp>
-        <p:nvSpPr>
-          <p:cNvPr id="2" name="Title 1">
-            <a:extLst>
-              <a:ext uri="{FF2B5EF4-FFF2-40B4-BE49-F238E27FC236}">
-                <a16:creationId xmlns:a16="http://schemas.microsoft.com/office/drawing/2014/main" id="{CD7C3B00-0061-4FCC-8A33-8108A433FA69}"/>
-              </a:ext>
-            </a:extLst>
-          </p:cNvPr>
-          <p:cNvSpPr>
-            <a:spLocks noGrp="1"/>
-          </p:cNvSpPr>
-          <p:nvPr>
-            <p:ph type="title"/>
-          </p:nvPr>
-        </p:nvSpPr>
-        <p:spPr/>
-        <p:txBody>
-          <a:bodyPr/>
-          <a:lstStyle/>
-          <a:p>
-            <a:r>
-              <a:rPr lang="en-US" dirty="0"/>
-              <a:t>Transferring with SCP</a:t>
-            </a:r>
-          </a:p>
-        </p:txBody>
-      </p:sp>
-      <p:sp>
-        <p:nvSpPr>
-          <p:cNvPr id="3" name="Content Placeholder 2">
-            <a:extLst>
-              <a:ext uri="{FF2B5EF4-FFF2-40B4-BE49-F238E27FC236}">
-                <a16:creationId xmlns:a16="http://schemas.microsoft.com/office/drawing/2014/main" id="{F8CE6BE4-6872-4AC3-B70E-7768DE861185}"/>
-              </a:ext>
-            </a:extLst>
-          </p:cNvPr>
-          <p:cNvSpPr>
-            <a:spLocks noGrp="1"/>
-          </p:cNvSpPr>
-          <p:nvPr>
-            <p:ph idx="1"/>
-          </p:nvPr>
-        </p:nvSpPr>
-        <p:spPr>
-          <a:xfrm>
-            <a:off x="2231135" y="2638044"/>
-            <a:ext cx="7729727" cy="3101983"/>
-          </a:xfrm>
-        </p:spPr>
-        <p:txBody>
-          <a:bodyPr>
-            <a:normAutofit/>
-          </a:bodyPr>
-          <a:lstStyle/>
-          <a:p>
-            <a:r>
-              <a:rPr lang="en-US" dirty="0"/>
-              <a:t>From your local computer, we can transfer to a remote directory using the </a:t>
-            </a:r>
-            <a:r>
-              <a:rPr lang="en-US" dirty="0" err="1"/>
-              <a:t>scp</a:t>
-            </a:r>
-            <a:r>
-              <a:rPr lang="en-US" dirty="0"/>
-              <a:t> command just like </a:t>
-            </a:r>
-            <a:r>
-              <a:rPr lang="en-US" dirty="0" err="1"/>
-              <a:t>ssh</a:t>
-            </a:r>
-            <a:endParaRPr lang="en-US" dirty="0"/>
-          </a:p>
-          <a:p>
-            <a:pPr marL="0" indent="0">
-              <a:buNone/>
-            </a:pPr>
-            <a:r>
-              <a:rPr lang="en-US" dirty="0"/>
-              <a:t>  </a:t>
-            </a:r>
-            <a:r>
-              <a:rPr lang="en-US" sz="1600" dirty="0">
-                <a:latin typeface="Consolas" panose="020B0609020204030204" pitchFamily="49" charset="0"/>
-              </a:rPr>
-              <a:t>$ </a:t>
-            </a:r>
-            <a:r>
-              <a:rPr lang="en-US" sz="1600" dirty="0" err="1">
-                <a:latin typeface="Consolas" panose="020B0609020204030204" pitchFamily="49" charset="0"/>
-              </a:rPr>
-              <a:t>scp</a:t>
-            </a:r>
-            <a:r>
-              <a:rPr lang="en-US" sz="1600" dirty="0">
-                <a:latin typeface="Consolas" panose="020B0609020204030204" pitchFamily="49" charset="0"/>
-              </a:rPr>
-              <a:t> –P 22 &lt;</a:t>
-            </a:r>
-            <a:r>
-              <a:rPr lang="en-US" sz="1600" dirty="0" err="1">
-                <a:latin typeface="Consolas" panose="020B0609020204030204" pitchFamily="49" charset="0"/>
-              </a:rPr>
-              <a:t>localfile</a:t>
-            </a:r>
-            <a:r>
-              <a:rPr lang="en-US" sz="1600" dirty="0">
-                <a:latin typeface="Consolas" panose="020B0609020204030204" pitchFamily="49" charset="0"/>
-              </a:rPr>
-              <a:t>&gt; &lt;</a:t>
-            </a:r>
-            <a:r>
-              <a:rPr lang="en-US" sz="1600" dirty="0" err="1">
-                <a:latin typeface="Consolas" panose="020B0609020204030204" pitchFamily="49" charset="0"/>
-              </a:rPr>
-              <a:t>hawkid</a:t>
-            </a:r>
-            <a:r>
-              <a:rPr lang="en-US" sz="1600" dirty="0">
-                <a:latin typeface="Consolas" panose="020B0609020204030204" pitchFamily="49" charset="0"/>
-              </a:rPr>
-              <a:t>&gt;@argon.hpc.uiowa.edu:&lt;remotefile&gt;</a:t>
-            </a:r>
-          </a:p>
-          <a:p>
-            <a:r>
-              <a:rPr lang="en-US" dirty="0"/>
-              <a:t>This can also be done with an sftp client, we will discuss this briefly next time</a:t>
-            </a:r>
-          </a:p>
-          <a:p>
-            <a:r>
-              <a:rPr lang="en-US" dirty="0"/>
-              <a:t>You can use WinSCP if on Windows https://winscp.net/eng/index.php</a:t>
-            </a:r>
-          </a:p>
-          <a:p>
-            <a:pPr marL="0" indent="0">
-              <a:buNone/>
-            </a:pPr>
-            <a:endParaRPr lang="en-US" dirty="0">
-              <a:latin typeface="Consolas" panose="020B0609020204030204" pitchFamily="49" charset="0"/>
-            </a:endParaRPr>
-          </a:p>
-        </p:txBody>
-      </p:sp>
-    </p:spTree>
-    <p:extLst>
-      <p:ext uri="{BB962C8B-B14F-4D97-AF65-F5344CB8AC3E}">
-        <p14:creationId xmlns:p14="http://schemas.microsoft.com/office/powerpoint/2010/main" val="3837424055"/>
-      </p:ext>
-    </p:extLst>
-  </p:cSld>
-  <p:clrMapOvr>
-    <a:masterClrMapping/>
-  </p:clrMapOvr>
-</p:sld>
-</file>
-
-<file path=ppt/slides/slide13.xml><?xml version="1.0" encoding="utf-8"?>
-<p:sld xmlns:a="http://schemas.openxmlformats.org/drawingml/2006/main" xmlns:r="http://schemas.openxmlformats.org/officeDocument/2006/relationships" xmlns:p="http://schemas.openxmlformats.org/presentationml/2006/main">
-  <p:cSld>
-    <p:spTree>
-      <p:nvGrpSpPr>
-        <p:cNvPr id="1" name=""/>
-        <p:cNvGrpSpPr/>
-        <p:nvPr/>
-      </p:nvGrpSpPr>
-      <p:grpSpPr>
-        <a:xfrm>
-          <a:off x="0" y="0"/>
-          <a:ext cx="0" cy="0"/>
-          <a:chOff x="0" y="0"/>
-          <a:chExt cx="0" cy="0"/>
-        </a:xfrm>
-      </p:grpSpPr>
-      <p:sp>
-        <p:nvSpPr>
-          <p:cNvPr id="2" name="Title 1">
-            <a:extLst>
-              <a:ext uri="{FF2B5EF4-FFF2-40B4-BE49-F238E27FC236}">
-                <a16:creationId xmlns:a16="http://schemas.microsoft.com/office/drawing/2014/main" id="{CD7C3B00-0061-4FCC-8A33-8108A433FA69}"/>
-              </a:ext>
-            </a:extLst>
-          </p:cNvPr>
-          <p:cNvSpPr>
-            <a:spLocks noGrp="1"/>
-          </p:cNvSpPr>
-          <p:nvPr>
-            <p:ph type="title"/>
-          </p:nvPr>
-        </p:nvSpPr>
-        <p:spPr/>
-        <p:txBody>
-          <a:bodyPr/>
-          <a:lstStyle/>
-          <a:p>
-            <a:r>
-              <a:rPr lang="en-US" dirty="0"/>
-              <a:t>Running your code</a:t>
-            </a:r>
-          </a:p>
-        </p:txBody>
-      </p:sp>
-      <p:sp>
-        <p:nvSpPr>
-          <p:cNvPr id="3" name="Content Placeholder 2">
-            <a:extLst>
-              <a:ext uri="{FF2B5EF4-FFF2-40B4-BE49-F238E27FC236}">
-                <a16:creationId xmlns:a16="http://schemas.microsoft.com/office/drawing/2014/main" id="{F8CE6BE4-6872-4AC3-B70E-7768DE861185}"/>
-              </a:ext>
-            </a:extLst>
-          </p:cNvPr>
-          <p:cNvSpPr>
-            <a:spLocks noGrp="1"/>
-          </p:cNvSpPr>
-          <p:nvPr>
-            <p:ph idx="1"/>
-          </p:nvPr>
-        </p:nvSpPr>
-        <p:spPr>
-          <a:xfrm>
-            <a:off x="2231135" y="2638044"/>
-            <a:ext cx="7729727" cy="3101983"/>
-          </a:xfrm>
-        </p:spPr>
-        <p:txBody>
-          <a:bodyPr>
-            <a:normAutofit fontScale="62500" lnSpcReduction="20000"/>
-          </a:bodyPr>
-          <a:lstStyle/>
-          <a:p>
-            <a:r>
-              <a:rPr lang="en-US" sz="2000" dirty="0"/>
-              <a:t>To run a </a:t>
-            </a:r>
-            <a:r>
-              <a:rPr lang="en-US" sz="2000" dirty="0" err="1"/>
-              <a:t>matlab</a:t>
-            </a:r>
-            <a:r>
-              <a:rPr lang="en-US" sz="2000" dirty="0"/>
-              <a:t> script named “</a:t>
-            </a:r>
-            <a:r>
-              <a:rPr lang="en-US" sz="2000" dirty="0" err="1"/>
-              <a:t>main.m</a:t>
-            </a:r>
-            <a:r>
-              <a:rPr lang="en-US" sz="2000" dirty="0"/>
-              <a:t>”, inside an </a:t>
-            </a:r>
-            <a:r>
-              <a:rPr lang="en-US" sz="2000" dirty="0" err="1"/>
-              <a:t>sh</a:t>
-            </a:r>
-            <a:r>
-              <a:rPr lang="en-US" sz="2000" dirty="0"/>
-              <a:t> file in the same directory write the following command</a:t>
-            </a:r>
-          </a:p>
-          <a:p>
-            <a:pPr marL="0" indent="0">
-              <a:buNone/>
-            </a:pPr>
-            <a:r>
-              <a:rPr lang="en-US" sz="2000" dirty="0"/>
-              <a:t>    </a:t>
-            </a:r>
-            <a:r>
-              <a:rPr lang="en-US" sz="2000" dirty="0">
-                <a:latin typeface="Consolas" panose="020B0609020204030204" pitchFamily="49" charset="0"/>
-              </a:rPr>
-              <a:t>module load </a:t>
-            </a:r>
-            <a:r>
-              <a:rPr lang="en-US" sz="2000" dirty="0" err="1">
-                <a:latin typeface="Consolas" panose="020B0609020204030204" pitchFamily="49" charset="0"/>
-              </a:rPr>
-              <a:t>matlab</a:t>
-            </a:r>
-            <a:endParaRPr lang="en-US" sz="2000" dirty="0"/>
-          </a:p>
-          <a:p>
-            <a:pPr marL="0" indent="0">
-              <a:buNone/>
-            </a:pPr>
-            <a:r>
-              <a:rPr lang="en-US" sz="2000" dirty="0"/>
-              <a:t>    </a:t>
-            </a:r>
-            <a:r>
-              <a:rPr lang="en-US" sz="2000" dirty="0" err="1">
-                <a:latin typeface="Consolas" panose="020B0609020204030204" pitchFamily="49" charset="0"/>
-              </a:rPr>
-              <a:t>matlab</a:t>
-            </a:r>
-            <a:r>
-              <a:rPr lang="en-US" sz="2000" dirty="0">
-                <a:latin typeface="Consolas" panose="020B0609020204030204" pitchFamily="49" charset="0"/>
-              </a:rPr>
-              <a:t> -</a:t>
-            </a:r>
-            <a:r>
-              <a:rPr lang="en-US" sz="2000" dirty="0" err="1">
-                <a:latin typeface="Consolas" panose="020B0609020204030204" pitchFamily="49" charset="0"/>
-              </a:rPr>
-              <a:t>nodisplay</a:t>
-            </a:r>
-            <a:r>
-              <a:rPr lang="en-US" sz="2000" dirty="0">
-                <a:latin typeface="Consolas" panose="020B0609020204030204" pitchFamily="49" charset="0"/>
-              </a:rPr>
-              <a:t> -</a:t>
-            </a:r>
-            <a:r>
-              <a:rPr lang="en-US" sz="2000" dirty="0" err="1">
-                <a:latin typeface="Consolas" panose="020B0609020204030204" pitchFamily="49" charset="0"/>
-              </a:rPr>
-              <a:t>nosplash</a:t>
-            </a:r>
-            <a:r>
-              <a:rPr lang="en-US" sz="2000" dirty="0">
-                <a:latin typeface="Consolas" panose="020B0609020204030204" pitchFamily="49" charset="0"/>
-              </a:rPr>
-              <a:t> -r ‘main’</a:t>
-            </a:r>
-          </a:p>
-          <a:p>
-            <a:r>
-              <a:rPr lang="en-US" sz="2000" dirty="0"/>
-              <a:t>To run a python script named “main.py”, inside an </a:t>
-            </a:r>
-            <a:r>
-              <a:rPr lang="en-US" sz="2000" dirty="0" err="1"/>
-              <a:t>sh</a:t>
-            </a:r>
-            <a:r>
-              <a:rPr lang="en-US" sz="2000" dirty="0"/>
-              <a:t> file in the same directory write the following command</a:t>
-            </a:r>
-          </a:p>
-          <a:p>
-            <a:pPr marL="0" indent="0">
-              <a:buNone/>
-            </a:pPr>
-            <a:r>
-              <a:rPr lang="en-US" sz="2000" dirty="0"/>
-              <a:t>    </a:t>
-            </a:r>
-            <a:r>
-              <a:rPr lang="en-US" sz="2000" dirty="0">
-                <a:latin typeface="Consolas" panose="020B0609020204030204" pitchFamily="49" charset="0"/>
-              </a:rPr>
-              <a:t>module load python</a:t>
-            </a:r>
-          </a:p>
-          <a:p>
-            <a:pPr marL="0" indent="0">
-              <a:buNone/>
-            </a:pPr>
-            <a:r>
-              <a:rPr lang="en-US" sz="2000" dirty="0">
-                <a:latin typeface="Consolas" panose="020B0609020204030204" pitchFamily="49" charset="0"/>
-              </a:rPr>
-              <a:t>  python main.py</a:t>
-            </a:r>
-          </a:p>
-          <a:p>
-            <a:r>
-              <a:rPr lang="en-US" sz="2000" dirty="0"/>
-              <a:t>To run a Julia script named “</a:t>
-            </a:r>
-            <a:r>
-              <a:rPr lang="en-US" sz="2000" dirty="0" err="1"/>
-              <a:t>main.jl</a:t>
-            </a:r>
-            <a:r>
-              <a:rPr lang="en-US" sz="2000" dirty="0"/>
-              <a:t>”, inside an </a:t>
-            </a:r>
-            <a:r>
-              <a:rPr lang="en-US" sz="2000" dirty="0" err="1"/>
-              <a:t>sh</a:t>
-            </a:r>
-            <a:r>
-              <a:rPr lang="en-US" sz="2000" dirty="0"/>
-              <a:t> file in the same directory write the following commands</a:t>
-            </a:r>
-          </a:p>
-          <a:p>
-            <a:pPr marL="0" indent="0">
-              <a:buNone/>
-            </a:pPr>
-            <a:r>
-              <a:rPr lang="en-US" sz="2000" dirty="0">
-                <a:latin typeface="Consolas" panose="020B0609020204030204" pitchFamily="49" charset="0"/>
-              </a:rPr>
-              <a:t>  module load </a:t>
-            </a:r>
-            <a:r>
-              <a:rPr lang="en-US" sz="2000" dirty="0" err="1">
-                <a:latin typeface="Consolas" panose="020B0609020204030204" pitchFamily="49" charset="0"/>
-              </a:rPr>
-              <a:t>julia</a:t>
-            </a:r>
-            <a:endParaRPr lang="en-US" sz="2000" dirty="0">
-              <a:latin typeface="Consolas" panose="020B0609020204030204" pitchFamily="49" charset="0"/>
-            </a:endParaRPr>
-          </a:p>
-          <a:p>
-            <a:pPr marL="0" indent="0">
-              <a:buNone/>
-            </a:pPr>
-            <a:r>
-              <a:rPr lang="en-US" sz="2000" dirty="0">
-                <a:latin typeface="Consolas" panose="020B0609020204030204" pitchFamily="49" charset="0"/>
-              </a:rPr>
-              <a:t>  </a:t>
-            </a:r>
-            <a:r>
-              <a:rPr lang="en-US" sz="2000" dirty="0" err="1">
-                <a:latin typeface="Consolas" panose="020B0609020204030204" pitchFamily="49" charset="0"/>
-              </a:rPr>
-              <a:t>julia</a:t>
-            </a:r>
-            <a:r>
-              <a:rPr lang="en-US" sz="2000" dirty="0">
-                <a:latin typeface="Consolas" panose="020B0609020204030204" pitchFamily="49" charset="0"/>
-              </a:rPr>
-              <a:t> </a:t>
-            </a:r>
-            <a:r>
-              <a:rPr lang="en-US" sz="2000" dirty="0" err="1">
-                <a:latin typeface="Consolas" panose="020B0609020204030204" pitchFamily="49" charset="0"/>
-              </a:rPr>
-              <a:t>main.jl</a:t>
-            </a:r>
-            <a:endParaRPr lang="en-US" sz="2000" dirty="0">
-              <a:latin typeface="Consolas" panose="020B0609020204030204" pitchFamily="49" charset="0"/>
-            </a:endParaRPr>
-          </a:p>
-          <a:p>
-            <a:endParaRPr lang="en-US" dirty="0"/>
-          </a:p>
-          <a:p>
-            <a:pPr marL="0" indent="0">
-              <a:buNone/>
-            </a:pPr>
-            <a:endParaRPr lang="en-US" dirty="0">
-              <a:latin typeface="Consolas" panose="020B0609020204030204" pitchFamily="49" charset="0"/>
-            </a:endParaRPr>
-          </a:p>
-        </p:txBody>
-      </p:sp>
-    </p:spTree>
-    <p:extLst>
-      <p:ext uri="{BB962C8B-B14F-4D97-AF65-F5344CB8AC3E}">
-        <p14:creationId xmlns:p14="http://schemas.microsoft.com/office/powerpoint/2010/main" val="1135767158"/>
-      </p:ext>
-    </p:extLst>
-  </p:cSld>
-  <p:clrMapOvr>
-    <a:masterClrMapping/>
-  </p:clrMapOvr>
-</p:sld>
-</file>
-
 <file path=ppt/slides/slide2.xml><?xml version="1.0" encoding="utf-8"?>
 <p:sld xmlns:a="http://schemas.openxmlformats.org/drawingml/2006/main" xmlns:r="http://schemas.openxmlformats.org/officeDocument/2006/relationships" xmlns:p="http://schemas.openxmlformats.org/presentationml/2006/main">
   <p:cSld>
@@ -4866,6 +3968,92 @@
               </a:rPr>
               <a:t> is included in the standard io library, and outputs the text to the console</a:t>
             </a:r>
+          </a:p>
+          <a:p>
+            <a:r>
+              <a:rPr lang="en-US" sz="1600" dirty="0">
+                <a:latin typeface="+mj-lt"/>
+              </a:rPr>
+              <a:t>To compile the program run the command </a:t>
+            </a:r>
+          </a:p>
+          <a:p>
+            <a:pPr marL="0" indent="0">
+              <a:buNone/>
+            </a:pPr>
+            <a:r>
+              <a:rPr lang="en-US" sz="1600" dirty="0">
+                <a:latin typeface="+mj-lt"/>
+              </a:rPr>
+              <a:t>		$ </a:t>
+            </a:r>
+            <a:r>
+              <a:rPr lang="en-US" sz="1600" dirty="0" err="1">
+                <a:latin typeface="Consolas" panose="020B0609020204030204" pitchFamily="49" charset="0"/>
+              </a:rPr>
+              <a:t>gcc</a:t>
+            </a:r>
+            <a:r>
+              <a:rPr lang="en-US" sz="1600" dirty="0">
+                <a:latin typeface="Consolas" panose="020B0609020204030204" pitchFamily="49" charset="0"/>
+              </a:rPr>
+              <a:t> </a:t>
+            </a:r>
+            <a:r>
+              <a:rPr lang="en-US" sz="1600" dirty="0" err="1">
+                <a:latin typeface="Consolas" panose="020B0609020204030204" pitchFamily="49" charset="0"/>
+              </a:rPr>
+              <a:t>helloworld.c</a:t>
+            </a:r>
+            <a:r>
+              <a:rPr lang="en-US" sz="1600" dirty="0">
+                <a:latin typeface="Consolas" panose="020B0609020204030204" pitchFamily="49" charset="0"/>
+              </a:rPr>
+              <a:t> –o </a:t>
+            </a:r>
+            <a:r>
+              <a:rPr lang="en-US" sz="1600" dirty="0" err="1">
+                <a:latin typeface="Consolas" panose="020B0609020204030204" pitchFamily="49" charset="0"/>
+              </a:rPr>
+              <a:t>helloworld</a:t>
+            </a:r>
+            <a:r>
+              <a:rPr lang="en-US" sz="1600" dirty="0">
+                <a:latin typeface="Consolas" panose="020B0609020204030204" pitchFamily="49" charset="0"/>
+              </a:rPr>
+              <a:t> </a:t>
+            </a:r>
+          </a:p>
+          <a:p>
+            <a:r>
+              <a:rPr lang="en-US" sz="1600" dirty="0">
+                <a:latin typeface="+mj-lt"/>
+              </a:rPr>
+              <a:t>To run the program run the command </a:t>
+            </a:r>
+          </a:p>
+          <a:p>
+            <a:pPr marL="0" indent="0">
+              <a:buNone/>
+            </a:pPr>
+            <a:r>
+              <a:rPr lang="en-US" sz="1600" dirty="0">
+                <a:latin typeface="+mj-lt"/>
+              </a:rPr>
+              <a:t>		$ </a:t>
+            </a:r>
+            <a:r>
+              <a:rPr lang="en-US" sz="1600" dirty="0">
+                <a:latin typeface="Consolas" panose="020B0609020204030204" pitchFamily="49" charset="0"/>
+              </a:rPr>
+              <a:t>./</a:t>
+            </a:r>
+            <a:r>
+              <a:rPr lang="en-US" sz="1600" dirty="0" err="1">
+                <a:latin typeface="Consolas" panose="020B0609020204030204" pitchFamily="49" charset="0"/>
+              </a:rPr>
+              <a:t>helloworld</a:t>
+            </a:r>
             <a:br>
               <a:rPr lang="en-US" sz="1600" dirty="0">
                 <a:latin typeface="+mj-lt"/>
@@ -4898,7 +4086,7 @@
         </p:blipFill>
         <p:spPr>
           <a:xfrm>
-            <a:off x="4350121" y="3800213"/>
+            <a:off x="4350121" y="4955628"/>
             <a:ext cx="3132859" cy="1568797"/>
           </a:xfrm>
           <a:prstGeom prst="rect">
@@ -5235,7 +4423,7 @@
         </p:blipFill>
         <p:spPr>
           <a:xfrm>
-            <a:off x="2645664" y="2417475"/>
+            <a:off x="2645664" y="3726158"/>
             <a:ext cx="7315200" cy="2808866"/>
           </a:xfrm>
           <a:prstGeom prst="rect">
@@ -5243,6 +4431,149 @@
           </a:prstGeom>
         </p:spPr>
       </p:pic>
+      <p:sp>
+        <p:nvSpPr>
+          <p:cNvPr id="6" name="TextBox 5">
+            <a:extLst>
+              <a:ext uri="{FF2B5EF4-FFF2-40B4-BE49-F238E27FC236}">
+                <a16:creationId xmlns:a16="http://schemas.microsoft.com/office/drawing/2014/main" id="{3EF34578-1F1C-4E7E-8792-161F07C6782D}"/>
+              </a:ext>
+            </a:extLst>
+          </p:cNvPr>
+          <p:cNvSpPr txBox="1"/>
+          <p:nvPr/>
+        </p:nvSpPr>
+        <p:spPr>
+          <a:xfrm>
+            <a:off x="2231136" y="2248830"/>
+            <a:ext cx="7529818" cy="1477328"/>
+          </a:xfrm>
+          <a:prstGeom prst="rect">
+            <a:avLst/>
+          </a:prstGeom>
+          <a:noFill/>
+        </p:spPr>
+        <p:txBody>
+          <a:bodyPr wrap="square">
+            <a:spAutoFit/>
+          </a:bodyPr>
+          <a:lstStyle/>
+          <a:p>
+            <a:pPr marL="285750" indent="-285750">
+              <a:buFont typeface="Arial" panose="020B0604020202020204" pitchFamily="34" charset="0"/>
+              <a:buChar char="•"/>
+            </a:pPr>
+            <a:r>
+              <a:rPr lang="en-US" sz="1800" dirty="0">
+                <a:latin typeface="+mj-lt"/>
+              </a:rPr>
+              <a:t>To compile the program run the command </a:t>
+            </a:r>
+          </a:p>
+          <a:p>
+            <a:pPr marL="0" indent="0">
+              <a:buNone/>
+            </a:pPr>
+            <a:r>
+              <a:rPr lang="en-US" sz="1800" dirty="0">
+                <a:latin typeface="+mj-lt"/>
+              </a:rPr>
+              <a:t>		$ </a:t>
+            </a:r>
+            <a:r>
+              <a:rPr lang="en-US" sz="1800" dirty="0" err="1">
+                <a:latin typeface="Consolas" panose="020B0609020204030204" pitchFamily="49" charset="0"/>
+              </a:rPr>
+              <a:t>mpicc</a:t>
+            </a:r>
+            <a:r>
+              <a:rPr lang="en-US" sz="1800" dirty="0">
+                <a:latin typeface="Consolas" panose="020B0609020204030204" pitchFamily="49" charset="0"/>
+              </a:rPr>
+              <a:t> </a:t>
+            </a:r>
+            <a:r>
+              <a:rPr lang="en-US" sz="1800" dirty="0" err="1">
+                <a:latin typeface="Consolas" panose="020B0609020204030204" pitchFamily="49" charset="0"/>
+              </a:rPr>
+              <a:t>mpi_helloworld.c</a:t>
+            </a:r>
+            <a:r>
+              <a:rPr lang="en-US" sz="1800" dirty="0">
+                <a:latin typeface="Consolas" panose="020B0609020204030204" pitchFamily="49" charset="0"/>
+              </a:rPr>
+              <a:t> –o </a:t>
+            </a:r>
+            <a:r>
+              <a:rPr lang="en-US" sz="1800" dirty="0" err="1">
+                <a:latin typeface="Consolas" panose="020B0609020204030204" pitchFamily="49" charset="0"/>
+              </a:rPr>
+              <a:t>mpihelloworld</a:t>
+            </a:r>
+            <a:r>
+              <a:rPr lang="en-US" sz="1800" dirty="0">
+                <a:latin typeface="Consolas" panose="020B0609020204030204" pitchFamily="49" charset="0"/>
+              </a:rPr>
+              <a:t> </a:t>
+            </a:r>
+          </a:p>
+          <a:p>
+            <a:pPr marL="285750" indent="-285750">
+              <a:buFont typeface="Arial" panose="020B0604020202020204" pitchFamily="34" charset="0"/>
+              <a:buChar char="•"/>
+            </a:pPr>
+            <a:r>
+              <a:rPr lang="en-US" sz="1800" dirty="0">
+                <a:latin typeface="+mj-lt"/>
+              </a:rPr>
+              <a:t>To run the program run the command </a:t>
+            </a:r>
+          </a:p>
+          <a:p>
+            <a:pPr marL="0" indent="0">
+              <a:buNone/>
+            </a:pPr>
+            <a:r>
+              <a:rPr lang="en-US" sz="1800" dirty="0">
+                <a:latin typeface="+mj-lt"/>
+              </a:rPr>
+              <a:t>		$ </a:t>
+            </a:r>
+            <a:r>
+              <a:rPr lang="en-US" sz="1800" dirty="0" err="1">
+                <a:latin typeface="+mj-lt"/>
+              </a:rPr>
+              <a:t>mpirun</a:t>
+            </a:r>
+            <a:r>
+              <a:rPr lang="en-US" sz="1800" dirty="0">
+                <a:latin typeface="+mj-lt"/>
+              </a:rPr>
+              <a:t> –np 4 </a:t>
+            </a:r>
+            <a:r>
+              <a:rPr lang="en-US" sz="1800" dirty="0">
+                <a:latin typeface="Consolas" panose="020B0609020204030204" pitchFamily="49" charset="0"/>
+              </a:rPr>
+              <a:t>./</a:t>
+            </a:r>
+            <a:r>
+              <a:rPr lang="en-US" sz="1800" dirty="0" err="1">
+                <a:latin typeface="Consolas" panose="020B0609020204030204" pitchFamily="49" charset="0"/>
+              </a:rPr>
+              <a:t>helloworld</a:t>
+            </a:r>
+            <a:br>
+              <a:rPr lang="en-US" sz="1800" dirty="0">
+                <a:latin typeface="+mj-lt"/>
+              </a:rPr>
+            </a:br>
+            <a:endParaRPr lang="en-US" sz="1800" dirty="0">
+              <a:latin typeface="+mj-lt"/>
+            </a:endParaRPr>
+          </a:p>
+        </p:txBody>
+      </p:sp>
     </p:spTree>
     <p:extLst>
       <p:ext uri="{BB962C8B-B14F-4D97-AF65-F5344CB8AC3E}">
@@ -5296,7 +4627,7 @@
           <a:p>
             <a:r>
               <a:rPr lang="en-US" dirty="0"/>
-              <a:t>Navigation in the command line</a:t>
+              <a:t>Basic Communication with MPI</a:t>
             </a:r>
           </a:p>
         </p:txBody>
@@ -5325,118 +4656,32 @@
           <a:lstStyle/>
           <a:p>
             <a:r>
-              <a:rPr lang="en-US" dirty="0"/>
-              <a:t>To make a directory use the command </a:t>
-            </a:r>
-          </a:p>
-          <a:p>
-            <a:pPr marL="0" indent="0">
-              <a:buNone/>
-            </a:pPr>
-            <a:r>
               <a:rPr lang="en-US" sz="1600" dirty="0">
-                <a:latin typeface="Consolas" panose="020B0609020204030204" pitchFamily="49" charset="0"/>
-              </a:rPr>
-              <a:t>  $ </a:t>
-            </a:r>
+                <a:latin typeface="+mj-lt"/>
+              </a:rPr>
+              <a:t>When a program is running, MPI starts a specified number of copies of the program running in parallel, and each process operates independently of the rest</a:t>
+            </a:r>
+          </a:p>
+          <a:p>
+            <a:r>
+              <a:rPr lang="en-US" sz="1600" dirty="0">
+                <a:latin typeface="+mj-lt"/>
+              </a:rPr>
+              <a:t>To ensure thread safety, once a process reaches a point, we may wish to have it wait. </a:t>
+            </a:r>
+          </a:p>
+          <a:p>
             <a:r>
               <a:rPr lang="en-US" sz="1600" dirty="0" err="1">
-                <a:latin typeface="Consolas" panose="020B0609020204030204" pitchFamily="49" charset="0"/>
-              </a:rPr>
-              <a:t>mkdir</a:t>
+                <a:latin typeface="+mj-lt"/>
+              </a:rPr>
+              <a:t>MPI_Barrier</a:t>
             </a:r>
             <a:r>
               <a:rPr lang="en-US" sz="1600" dirty="0">
-                <a:latin typeface="Consolas" panose="020B0609020204030204" pitchFamily="49" charset="0"/>
-              </a:rPr>
-              <a:t> &lt;</a:t>
-            </a:r>
-            <a:r>
-              <a:rPr lang="en-US" sz="1600" dirty="0" err="1">
-                <a:latin typeface="Consolas" panose="020B0609020204030204" pitchFamily="49" charset="0"/>
-              </a:rPr>
-              <a:t>dirname</a:t>
-            </a:r>
-            <a:r>
-              <a:rPr lang="en-US" sz="1600" dirty="0">
-                <a:latin typeface="Consolas" panose="020B0609020204030204" pitchFamily="49" charset="0"/>
-              </a:rPr>
-              <a:t>&gt;</a:t>
-            </a:r>
-          </a:p>
-          <a:p>
-            <a:r>
-              <a:rPr lang="en-US" dirty="0"/>
-              <a:t>To remove a file (not a directory), use the command</a:t>
-            </a:r>
-          </a:p>
-          <a:p>
-            <a:pPr marL="0" indent="0">
-              <a:buNone/>
-            </a:pPr>
-            <a:r>
-              <a:rPr lang="en-US" sz="1600" dirty="0">
-                <a:latin typeface="Consolas" panose="020B0609020204030204" pitchFamily="49" charset="0"/>
-              </a:rPr>
-              <a:t>  $ rm &lt;filename&gt;</a:t>
-            </a:r>
-          </a:p>
-          <a:p>
-            <a:r>
-              <a:rPr lang="en-US" dirty="0"/>
-              <a:t>To remove a directory and its contents, include the flag –r (be careful)</a:t>
-            </a:r>
-          </a:p>
-          <a:p>
-            <a:pPr marL="0" indent="0">
-              <a:buNone/>
-            </a:pPr>
-            <a:r>
-              <a:rPr lang="en-US" sz="1600" dirty="0">
-                <a:latin typeface="Consolas" panose="020B0609020204030204" pitchFamily="49" charset="0"/>
-              </a:rPr>
-              <a:t>  $ rm -r &lt;</a:t>
-            </a:r>
-            <a:r>
-              <a:rPr lang="en-US" sz="1600" dirty="0" err="1">
-                <a:latin typeface="Consolas" panose="020B0609020204030204" pitchFamily="49" charset="0"/>
-              </a:rPr>
-              <a:t>dirname</a:t>
-            </a:r>
-            <a:r>
-              <a:rPr lang="en-US" sz="1600" dirty="0">
-                <a:latin typeface="Consolas" panose="020B0609020204030204" pitchFamily="49" charset="0"/>
-              </a:rPr>
-              <a:t>&gt;</a:t>
-            </a:r>
-          </a:p>
-          <a:p>
-            <a:r>
-              <a:rPr lang="en-US" dirty="0"/>
-              <a:t>To move (or rename) a file/directory and its contents, </a:t>
-            </a:r>
-          </a:p>
-          <a:p>
-            <a:pPr marL="0" indent="0">
-              <a:buNone/>
-            </a:pPr>
-            <a:r>
-              <a:rPr lang="en-US" sz="1600" dirty="0">
-                <a:latin typeface="Consolas" panose="020B0609020204030204" pitchFamily="49" charset="0"/>
-              </a:rPr>
-              <a:t>  $ mv &lt;filename&gt; &lt;</a:t>
-            </a:r>
-            <a:r>
-              <a:rPr lang="en-US" sz="1600" dirty="0" err="1">
-                <a:latin typeface="Consolas" panose="020B0609020204030204" pitchFamily="49" charset="0"/>
-              </a:rPr>
-              <a:t>newlocation</a:t>
-            </a:r>
-            <a:r>
-              <a:rPr lang="en-US" sz="1600" dirty="0">
-                <a:latin typeface="Consolas" panose="020B0609020204030204" pitchFamily="49" charset="0"/>
-              </a:rPr>
-              <a:t>&gt;</a:t>
+                <a:latin typeface="+mj-lt"/>
+              </a:rPr>
+              <a:t>():  This function blocks all MPI processes in the given communicator until they all call this routine.</a:t>
             </a:r>
           </a:p>
           <a:p>
@@ -5444,7 +4689,7 @@
               <a:buNone/>
             </a:pPr>
             <a:endParaRPr lang="en-US" sz="1600" dirty="0">
-              <a:latin typeface="Consolas" panose="020B0609020204030204" pitchFamily="49" charset="0"/>
+              <a:latin typeface="+mj-lt"/>
             </a:endParaRPr>
           </a:p>
         </p:txBody>
@@ -5452,132 +4697,7 @@
     </p:spTree>
     <p:extLst>
       <p:ext uri="{BB962C8B-B14F-4D97-AF65-F5344CB8AC3E}">
-        <p14:creationId xmlns:p14="http://schemas.microsoft.com/office/powerpoint/2010/main" val="3337412307"/>
-      </p:ext>
-    </p:extLst>
-  </p:cSld>
-  <p:clrMapOvr>
-    <a:masterClrMapping/>
-  </p:clrMapOvr>
-</p:sld>
-</file>
-
-<file path=ppt/slides/slide9.xml><?xml version="1.0" encoding="utf-8"?>
-<p:sld xmlns:a="http://schemas.openxmlformats.org/drawingml/2006/main" xmlns:r="http://schemas.openxmlformats.org/officeDocument/2006/relationships" xmlns:p="http://schemas.openxmlformats.org/presentationml/2006/main">
-  <p:cSld>
-    <p:spTree>
-      <p:nvGrpSpPr>
-        <p:cNvPr id="1" name=""/>
-        <p:cNvGrpSpPr/>
-        <p:nvPr/>
-      </p:nvGrpSpPr>
-      <p:grpSpPr>
-        <a:xfrm>
-          <a:off x="0" y="0"/>
-          <a:ext cx="0" cy="0"/>
-          <a:chOff x="0" y="0"/>
-          <a:chExt cx="0" cy="0"/>
-        </a:xfrm>
-      </p:grpSpPr>
-      <p:sp>
-        <p:nvSpPr>
-          <p:cNvPr id="2" name="Title 1">
-            <a:extLst>
-              <a:ext uri="{FF2B5EF4-FFF2-40B4-BE49-F238E27FC236}">
-                <a16:creationId xmlns:a16="http://schemas.microsoft.com/office/drawing/2014/main" id="{2F6F83A5-C6E3-4380-98C9-13206AE53231}"/>
-              </a:ext>
-            </a:extLst>
-          </p:cNvPr>
-          <p:cNvSpPr>
-            <a:spLocks noGrp="1"/>
-          </p:cNvSpPr>
-          <p:nvPr>
-            <p:ph type="title"/>
-          </p:nvPr>
-        </p:nvSpPr>
-        <p:spPr/>
-        <p:txBody>
-          <a:bodyPr/>
-          <a:lstStyle/>
-          <a:p>
-            <a:r>
-              <a:rPr lang="en-US" dirty="0"/>
-              <a:t>Navigation in the command line</a:t>
-            </a:r>
-          </a:p>
-        </p:txBody>
-      </p:sp>
-      <p:sp>
-        <p:nvSpPr>
-          <p:cNvPr id="3" name="Content Placeholder 2">
-            <a:extLst>
-              <a:ext uri="{FF2B5EF4-FFF2-40B4-BE49-F238E27FC236}">
-                <a16:creationId xmlns:a16="http://schemas.microsoft.com/office/drawing/2014/main" id="{121983A5-D617-4513-95F0-A9325D0AA4BF}"/>
-              </a:ext>
-            </a:extLst>
-          </p:cNvPr>
-          <p:cNvSpPr>
-            <a:spLocks noGrp="1"/>
-          </p:cNvSpPr>
-          <p:nvPr>
-            <p:ph idx="1"/>
-          </p:nvPr>
-        </p:nvSpPr>
-        <p:spPr/>
-        <p:txBody>
-          <a:bodyPr>
-            <a:normAutofit/>
-          </a:bodyPr>
-          <a:lstStyle/>
-          <a:p>
-            <a:r>
-              <a:rPr lang="en-US" dirty="0"/>
-              <a:t>To copy files, use the following command</a:t>
-            </a:r>
-          </a:p>
-          <a:p>
-            <a:pPr marL="0" indent="0">
-              <a:buNone/>
-            </a:pPr>
-            <a:r>
-              <a:rPr lang="en-US" sz="1600" dirty="0">
-                <a:latin typeface="Consolas" panose="020B0609020204030204" pitchFamily="49" charset="0"/>
-                <a:cs typeface="Courier New" panose="02070309020205020404" pitchFamily="49" charset="0"/>
-              </a:rPr>
-              <a:t>  $ cp &lt;filename&gt; &lt;</a:t>
-            </a:r>
-            <a:r>
-              <a:rPr lang="en-US" sz="1600" dirty="0" err="1">
-                <a:latin typeface="Consolas" panose="020B0609020204030204" pitchFamily="49" charset="0"/>
-                <a:cs typeface="Courier New" panose="02070309020205020404" pitchFamily="49" charset="0"/>
-              </a:rPr>
-              <a:t>newfilename</a:t>
-            </a:r>
-            <a:r>
-              <a:rPr lang="en-US" sz="1600" dirty="0">
-                <a:latin typeface="Consolas" panose="020B0609020204030204" pitchFamily="49" charset="0"/>
-                <a:cs typeface="Courier New" panose="02070309020205020404" pitchFamily="49" charset="0"/>
-              </a:rPr>
-              <a:t>&gt;</a:t>
-            </a:r>
-            <a:endParaRPr lang="en-US" sz="1600" dirty="0">
-              <a:latin typeface="Consolas" panose="020B0609020204030204" pitchFamily="49" charset="0"/>
-            </a:endParaRPr>
-          </a:p>
-          <a:p>
-            <a:pPr marL="0" indent="0">
-              <a:buNone/>
-            </a:pPr>
-            <a:endParaRPr lang="en-US" sz="1600" dirty="0">
-              <a:latin typeface="Consolas" panose="020B0609020204030204" pitchFamily="49" charset="0"/>
-            </a:endParaRPr>
-          </a:p>
-        </p:txBody>
-      </p:sp>
-    </p:spTree>
-    <p:extLst>
-      <p:ext uri="{BB962C8B-B14F-4D97-AF65-F5344CB8AC3E}">
-        <p14:creationId xmlns:p14="http://schemas.microsoft.com/office/powerpoint/2010/main" val="841835761"/>
+        <p14:creationId xmlns:p14="http://schemas.microsoft.com/office/powerpoint/2010/main" val="2574492266"/>
       </p:ext>
     </p:extLst>
   </p:cSld>

--- a/Lectures/Lecture 3/lecture3.pptx
+++ b/Lectures/Lecture 3/lecture3.pptx
@@ -13,6 +13,7 @@
     <p:sldId id="274" r:id="rId7"/>
     <p:sldId id="264" r:id="rId8"/>
     <p:sldId id="275" r:id="rId9"/>
+    <p:sldId id="276" r:id="rId10"/>
   </p:sldIdLst>
   <p:sldSz cx="12192000" cy="6858000"/>
   <p:notesSz cx="6858000" cy="9144000"/>
@@ -4626,8 +4627,12 @@
           <a:lstStyle/>
           <a:p>
             <a:r>
+              <a:rPr lang="en-US" dirty="0" err="1"/>
+              <a:t>Synchornization</a:t>
+            </a:r>
+            <a:r>
               <a:rPr lang="en-US" dirty="0"/>
-              <a:t>Basic Communication with MPI</a:t>
+              <a:t> with MPI</a:t>
             </a:r>
           </a:p>
         </p:txBody>
@@ -4648,7 +4653,12 @@
             <p:ph idx="1"/>
           </p:nvPr>
         </p:nvSpPr>
-        <p:spPr/>
+        <p:spPr>
+          <a:xfrm>
+            <a:off x="2231136" y="2638044"/>
+            <a:ext cx="4212393" cy="3101983"/>
+          </a:xfrm>
+        </p:spPr>
         <p:txBody>
           <a:bodyPr>
             <a:normAutofit/>
@@ -4694,10 +4704,193 @@
           </a:p>
         </p:txBody>
       </p:sp>
+      <p:pic>
+        <p:nvPicPr>
+          <p:cNvPr id="5" name="Picture 4">
+            <a:extLst>
+              <a:ext uri="{FF2B5EF4-FFF2-40B4-BE49-F238E27FC236}">
+                <a16:creationId xmlns:a16="http://schemas.microsoft.com/office/drawing/2014/main" id="{3CE7DF14-62C5-4517-8DF5-08E5027D2E0C}"/>
+              </a:ext>
+            </a:extLst>
+          </p:cNvPr>
+          <p:cNvPicPr>
+            <a:picLocks noChangeAspect="1"/>
+          </p:cNvPicPr>
+          <p:nvPr/>
+        </p:nvPicPr>
+        <p:blipFill rotWithShape="1">
+          <a:blip r:embed="rId2"/>
+          <a:srcRect l="57936" t="7981" r="19953" b="23645"/>
+          <a:stretch/>
+        </p:blipFill>
+        <p:spPr>
+          <a:xfrm>
+            <a:off x="6443529" y="2236281"/>
+            <a:ext cx="4972119" cy="4324286"/>
+          </a:xfrm>
+          <a:prstGeom prst="rect">
+            <a:avLst/>
+          </a:prstGeom>
+        </p:spPr>
+      </p:pic>
     </p:spTree>
     <p:extLst>
       <p:ext uri="{BB962C8B-B14F-4D97-AF65-F5344CB8AC3E}">
         <p14:creationId xmlns:p14="http://schemas.microsoft.com/office/powerpoint/2010/main" val="2574492266"/>
+      </p:ext>
+    </p:extLst>
+  </p:cSld>
+  <p:clrMapOvr>
+    <a:masterClrMapping/>
+  </p:clrMapOvr>
+</p:sld>
+</file>
+
+<file path=ppt/slides/slide9.xml><?xml version="1.0" encoding="utf-8"?>
+<p:sld xmlns:a="http://schemas.openxmlformats.org/drawingml/2006/main" xmlns:r="http://schemas.openxmlformats.org/officeDocument/2006/relationships" xmlns:p="http://schemas.openxmlformats.org/presentationml/2006/main">
+  <p:cSld>
+    <p:spTree>
+      <p:nvGrpSpPr>
+        <p:cNvPr id="1" name=""/>
+        <p:cNvGrpSpPr/>
+        <p:nvPr/>
+      </p:nvGrpSpPr>
+      <p:grpSpPr>
+        <a:xfrm>
+          <a:off x="0" y="0"/>
+          <a:ext cx="0" cy="0"/>
+          <a:chOff x="0" y="0"/>
+          <a:chExt cx="0" cy="0"/>
+        </a:xfrm>
+      </p:grpSpPr>
+      <p:sp>
+        <p:nvSpPr>
+          <p:cNvPr id="2" name="Title 1">
+            <a:extLst>
+              <a:ext uri="{FF2B5EF4-FFF2-40B4-BE49-F238E27FC236}">
+                <a16:creationId xmlns:a16="http://schemas.microsoft.com/office/drawing/2014/main" id="{2F6F83A5-C6E3-4380-98C9-13206AE53231}"/>
+              </a:ext>
+            </a:extLst>
+          </p:cNvPr>
+          <p:cNvSpPr>
+            <a:spLocks noGrp="1"/>
+          </p:cNvSpPr>
+          <p:nvPr>
+            <p:ph type="title"/>
+          </p:nvPr>
+        </p:nvSpPr>
+        <p:spPr/>
+        <p:txBody>
+          <a:bodyPr/>
+          <a:lstStyle/>
+          <a:p>
+            <a:r>
+              <a:rPr lang="en-US" dirty="0"/>
+              <a:t>Message Passing with MPI</a:t>
+            </a:r>
+          </a:p>
+        </p:txBody>
+      </p:sp>
+      <p:sp>
+        <p:nvSpPr>
+          <p:cNvPr id="3" name="Content Placeholder 2">
+            <a:extLst>
+              <a:ext uri="{FF2B5EF4-FFF2-40B4-BE49-F238E27FC236}">
+                <a16:creationId xmlns:a16="http://schemas.microsoft.com/office/drawing/2014/main" id="{121983A5-D617-4513-95F0-A9325D0AA4BF}"/>
+              </a:ext>
+            </a:extLst>
+          </p:cNvPr>
+          <p:cNvSpPr>
+            <a:spLocks noGrp="1"/>
+          </p:cNvSpPr>
+          <p:nvPr>
+            <p:ph idx="1"/>
+          </p:nvPr>
+        </p:nvSpPr>
+        <p:spPr>
+          <a:xfrm>
+            <a:off x="2231136" y="2638044"/>
+            <a:ext cx="4212393" cy="3101983"/>
+          </a:xfrm>
+        </p:spPr>
+        <p:txBody>
+          <a:bodyPr>
+            <a:normAutofit/>
+          </a:bodyPr>
+          <a:lstStyle/>
+          <a:p>
+            <a:r>
+              <a:rPr lang="en-US" sz="1600" dirty="0">
+                <a:latin typeface="+mj-lt"/>
+              </a:rPr>
+              <a:t>When a program is running, MPI starts a specified number of copies of the program running in parallel, and each process operates independently of the rest</a:t>
+            </a:r>
+          </a:p>
+          <a:p>
+            <a:r>
+              <a:rPr lang="en-US" sz="1600" dirty="0">
+                <a:latin typeface="+mj-lt"/>
+              </a:rPr>
+              <a:t>To ensure thread safety, once a process reaches a point, we may wish to have it wait. </a:t>
+            </a:r>
+          </a:p>
+          <a:p>
+            <a:r>
+              <a:rPr lang="en-US" sz="1600" dirty="0" err="1">
+                <a:latin typeface="+mj-lt"/>
+              </a:rPr>
+              <a:t>MPI_Barrier</a:t>
+            </a:r>
+            <a:r>
+              <a:rPr lang="en-US" sz="1600" dirty="0">
+                <a:latin typeface="+mj-lt"/>
+              </a:rPr>
+              <a:t>():  This function blocks all MPI processes in the given communicator until they all call this routine.</a:t>
+            </a:r>
+          </a:p>
+          <a:p>
+            <a:pPr marL="0" indent="0">
+              <a:buNone/>
+            </a:pPr>
+            <a:endParaRPr lang="en-US" sz="1600" dirty="0">
+              <a:latin typeface="+mj-lt"/>
+            </a:endParaRPr>
+          </a:p>
+        </p:txBody>
+      </p:sp>
+      <p:pic>
+        <p:nvPicPr>
+          <p:cNvPr id="5" name="Picture 4">
+            <a:extLst>
+              <a:ext uri="{FF2B5EF4-FFF2-40B4-BE49-F238E27FC236}">
+                <a16:creationId xmlns:a16="http://schemas.microsoft.com/office/drawing/2014/main" id="{3CE7DF14-62C5-4517-8DF5-08E5027D2E0C}"/>
+              </a:ext>
+            </a:extLst>
+          </p:cNvPr>
+          <p:cNvPicPr>
+            <a:picLocks noChangeAspect="1"/>
+          </p:cNvPicPr>
+          <p:nvPr/>
+        </p:nvPicPr>
+        <p:blipFill rotWithShape="1">
+          <a:blip r:embed="rId2"/>
+          <a:srcRect l="57936" t="7981" r="19953" b="23645"/>
+          <a:stretch/>
+        </p:blipFill>
+        <p:spPr>
+          <a:xfrm>
+            <a:off x="6443529" y="2236281"/>
+            <a:ext cx="4972119" cy="4324286"/>
+          </a:xfrm>
+          <a:prstGeom prst="rect">
+            <a:avLst/>
+          </a:prstGeom>
+        </p:spPr>
+      </p:pic>
+    </p:spTree>
+    <p:extLst>
+      <p:ext uri="{BB962C8B-B14F-4D97-AF65-F5344CB8AC3E}">
+        <p14:creationId xmlns:p14="http://schemas.microsoft.com/office/powerpoint/2010/main" val="2932963247"/>
       </p:ext>
     </p:extLst>
   </p:cSld>

--- a/Lectures/Lecture 3/lecture3.pptx
+++ b/Lectures/Lecture 3/lecture3.pptx
@@ -4815,7 +4815,7 @@
         </p:spPr>
         <p:txBody>
           <a:bodyPr>
-            <a:normAutofit/>
+            <a:normAutofit fontScale="92500" lnSpcReduction="10000"/>
           </a:bodyPr>
           <a:lstStyle/>
           <a:p>
@@ -4823,30 +4823,127 @@
               <a:rPr lang="en-US" sz="1600" dirty="0">
                 <a:latin typeface="+mj-lt"/>
               </a:rPr>
-              <a:t>When a program is running, MPI starts a specified number of copies of the program running in parallel, and each process operates independently of the rest</a:t>
-            </a:r>
-          </a:p>
-          <a:p>
-            <a:r>
-              <a:rPr lang="en-US" sz="1600" dirty="0">
-                <a:latin typeface="+mj-lt"/>
-              </a:rPr>
-              <a:t>To ensure thread safety, once a process reaches a point, we may wish to have it wait. </a:t>
-            </a:r>
-          </a:p>
-          <a:p>
-            <a:r>
-              <a:rPr lang="en-US" sz="1600" dirty="0" err="1">
-                <a:latin typeface="+mj-lt"/>
-              </a:rPr>
-              <a:t>MPI_Barrier</a:t>
-            </a:r>
-            <a:r>
-              <a:rPr lang="en-US" sz="1600" dirty="0">
-                <a:latin typeface="+mj-lt"/>
-              </a:rPr>
-              <a:t>():  This function blocks all MPI processes in the given communicator until they all call this routine.</a:t>
-            </a:r>
+              <a:t>We can enable passaging of messages between multiple processes via the following functions</a:t>
+            </a:r>
+          </a:p>
+          <a:p>
+            <a:pPr algn="l"/>
+            <a:r>
+              <a:rPr lang="en-US" sz="1600" b="0" i="1" dirty="0" err="1">
+                <a:solidFill>
+                  <a:srgbClr val="404040"/>
+                </a:solidFill>
+                <a:effectLst/>
+                <a:latin typeface="Lato" panose="020F0502020204030203" pitchFamily="34" charset="0"/>
+              </a:rPr>
+              <a:t>MPI_Send</a:t>
+            </a:r>
+            <a:r>
+              <a:rPr lang="en-US" sz="1600" b="0" i="1" dirty="0">
+                <a:solidFill>
+                  <a:srgbClr val="404040"/>
+                </a:solidFill>
+                <a:effectLst/>
+                <a:latin typeface="Lato" panose="020F0502020204030203" pitchFamily="34" charset="0"/>
+              </a:rPr>
+              <a:t>() - the standard send in MPI</a:t>
+            </a:r>
+            <a:endParaRPr lang="en-US" sz="1600" b="0" i="0" dirty="0">
+              <a:solidFill>
+                <a:srgbClr val="404040"/>
+              </a:solidFill>
+              <a:effectLst/>
+              <a:latin typeface="Lato" panose="020F0502020204030203" pitchFamily="34" charset="0"/>
+            </a:endParaRPr>
+          </a:p>
+          <a:p>
+            <a:pPr algn="l"/>
+            <a:r>
+              <a:rPr lang="en-US" sz="1600" b="0" i="1" dirty="0" err="1">
+                <a:solidFill>
+                  <a:srgbClr val="404040"/>
+                </a:solidFill>
+                <a:effectLst/>
+                <a:latin typeface="Lato" panose="020F0502020204030203" pitchFamily="34" charset="0"/>
+              </a:rPr>
+              <a:t>MPI_Recv</a:t>
+            </a:r>
+            <a:r>
+              <a:rPr lang="en-US" sz="1600" b="0" i="1" dirty="0">
+                <a:solidFill>
+                  <a:srgbClr val="404040"/>
+                </a:solidFill>
+                <a:effectLst/>
+                <a:latin typeface="Lato" panose="020F0502020204030203" pitchFamily="34" charset="0"/>
+              </a:rPr>
+              <a:t>() - the standard receives in MPI</a:t>
+            </a:r>
+          </a:p>
+          <a:p>
+            <a:pPr algn="l"/>
+            <a:r>
+              <a:rPr lang="en-US" sz="1600" b="0" i="1" dirty="0" err="1">
+                <a:solidFill>
+                  <a:srgbClr val="404040"/>
+                </a:solidFill>
+                <a:effectLst/>
+                <a:latin typeface="Lato" panose="020F0502020204030203" pitchFamily="34" charset="0"/>
+              </a:rPr>
+              <a:t>MPI_</a:t>
+            </a:r>
+            <a:r>
+              <a:rPr lang="en-US" sz="1600" i="1" dirty="0" err="1">
+                <a:solidFill>
+                  <a:srgbClr val="404040"/>
+                </a:solidFill>
+                <a:latin typeface="Lato" panose="020F0502020204030203" pitchFamily="34" charset="0"/>
+              </a:rPr>
+              <a:t>Gather</a:t>
+            </a:r>
+            <a:r>
+              <a:rPr lang="en-US" sz="1600" i="1" dirty="0">
+                <a:solidFill>
+                  <a:srgbClr val="404040"/>
+                </a:solidFill>
+                <a:latin typeface="Lato" panose="020F0502020204030203" pitchFamily="34" charset="0"/>
+              </a:rPr>
+              <a:t>() - collects data from all processes in a given communicator and concatenates them in the given buffer on the specified process.</a:t>
+            </a:r>
+          </a:p>
+          <a:p>
+            <a:pPr algn="l"/>
+            <a:r>
+              <a:rPr lang="en-US" sz="1600" b="0" i="1" dirty="0" err="1">
+                <a:solidFill>
+                  <a:srgbClr val="404040"/>
+                </a:solidFill>
+                <a:effectLst/>
+                <a:latin typeface="Lato" panose="020F0502020204030203" pitchFamily="34" charset="0"/>
+              </a:rPr>
+              <a:t>MPI_Scatter</a:t>
+            </a:r>
+            <a:r>
+              <a:rPr lang="en-US" sz="1600" b="0" i="1" dirty="0">
+                <a:solidFill>
+                  <a:srgbClr val="404040"/>
+                </a:solidFill>
+                <a:effectLst/>
+                <a:latin typeface="Lato" panose="020F0502020204030203" pitchFamily="34" charset="0"/>
+              </a:rPr>
+              <a:t>() - dispatches data from a process across all processes in the same communicator</a:t>
+            </a:r>
+            <a:br>
+              <a:rPr lang="en-US" sz="1600" b="0" i="0" dirty="0">
+                <a:solidFill>
+                  <a:srgbClr val="404040"/>
+                </a:solidFill>
+                <a:effectLst/>
+                <a:latin typeface="Lato" panose="020F0502020204030203" pitchFamily="34" charset="0"/>
+              </a:rPr>
+            </a:br>
+            <a:endParaRPr lang="en-US" sz="1600" dirty="0">
+              <a:latin typeface="+mj-lt"/>
+            </a:endParaRPr>
           </a:p>
           <a:p>
             <a:pPr marL="0" indent="0">

--- a/Lectures/Lecture 3/lecture3.pptx
+++ b/Lectures/Lecture 3/lecture3.pptx
@@ -14,6 +14,12 @@
     <p:sldId id="264" r:id="rId8"/>
     <p:sldId id="275" r:id="rId9"/>
     <p:sldId id="276" r:id="rId10"/>
+    <p:sldId id="278" r:id="rId11"/>
+    <p:sldId id="279" r:id="rId12"/>
+    <p:sldId id="280" r:id="rId13"/>
+    <p:sldId id="281" r:id="rId14"/>
+    <p:sldId id="277" r:id="rId15"/>
+    <p:sldId id="282" r:id="rId16"/>
   </p:sldIdLst>
   <p:sldSz cx="12192000" cy="6858000"/>
   <p:notesSz cx="6858000" cy="9144000"/>
@@ -3385,6 +3391,917 @@
 </p:sld>
 </file>
 
+<file path=ppt/slides/slide10.xml><?xml version="1.0" encoding="utf-8"?>
+<p:sld xmlns:a="http://schemas.openxmlformats.org/drawingml/2006/main" xmlns:r="http://schemas.openxmlformats.org/officeDocument/2006/relationships" xmlns:p="http://schemas.openxmlformats.org/presentationml/2006/main">
+  <p:cSld>
+    <p:spTree>
+      <p:nvGrpSpPr>
+        <p:cNvPr id="1" name=""/>
+        <p:cNvGrpSpPr/>
+        <p:nvPr/>
+      </p:nvGrpSpPr>
+      <p:grpSpPr>
+        <a:xfrm>
+          <a:off x="0" y="0"/>
+          <a:ext cx="0" cy="0"/>
+          <a:chOff x="0" y="0"/>
+          <a:chExt cx="0" cy="0"/>
+        </a:xfrm>
+      </p:grpSpPr>
+      <p:sp>
+        <p:nvSpPr>
+          <p:cNvPr id="2" name="Title 1">
+            <a:extLst>
+              <a:ext uri="{FF2B5EF4-FFF2-40B4-BE49-F238E27FC236}">
+                <a16:creationId xmlns:a16="http://schemas.microsoft.com/office/drawing/2014/main" id="{2F6F83A5-C6E3-4380-98C9-13206AE53231}"/>
+              </a:ext>
+            </a:extLst>
+          </p:cNvPr>
+          <p:cNvSpPr>
+            <a:spLocks noGrp="1"/>
+          </p:cNvSpPr>
+          <p:nvPr>
+            <p:ph type="title"/>
+          </p:nvPr>
+        </p:nvSpPr>
+        <p:spPr/>
+        <p:txBody>
+          <a:bodyPr/>
+          <a:lstStyle/>
+          <a:p>
+            <a:r>
+              <a:rPr lang="en-US" dirty="0"/>
+              <a:t>Message Passing with MPI</a:t>
+            </a:r>
+          </a:p>
+        </p:txBody>
+      </p:sp>
+      <p:sp>
+        <p:nvSpPr>
+          <p:cNvPr id="3" name="Content Placeholder 2">
+            <a:extLst>
+              <a:ext uri="{FF2B5EF4-FFF2-40B4-BE49-F238E27FC236}">
+                <a16:creationId xmlns:a16="http://schemas.microsoft.com/office/drawing/2014/main" id="{121983A5-D617-4513-95F0-A9325D0AA4BF}"/>
+              </a:ext>
+            </a:extLst>
+          </p:cNvPr>
+          <p:cNvSpPr>
+            <a:spLocks noGrp="1"/>
+          </p:cNvSpPr>
+          <p:nvPr>
+            <p:ph idx="1"/>
+          </p:nvPr>
+        </p:nvSpPr>
+        <p:spPr>
+          <a:xfrm>
+            <a:off x="2231136" y="2638044"/>
+            <a:ext cx="4278721" cy="3101983"/>
+          </a:xfrm>
+        </p:spPr>
+        <p:txBody>
+          <a:bodyPr>
+            <a:normAutofit fontScale="92500" lnSpcReduction="10000"/>
+          </a:bodyPr>
+          <a:lstStyle/>
+          <a:p>
+            <a:r>
+              <a:rPr lang="en-US" sz="1600" dirty="0">
+                <a:latin typeface="+mj-lt"/>
+              </a:rPr>
+              <a:t>We can enable passaging of messages between multiple processes via the following functions</a:t>
+            </a:r>
+          </a:p>
+          <a:p>
+            <a:pPr algn="l"/>
+            <a:r>
+              <a:rPr lang="en-US" sz="1600" b="0" dirty="0" err="1">
+                <a:solidFill>
+                  <a:srgbClr val="404040"/>
+                </a:solidFill>
+                <a:effectLst/>
+                <a:latin typeface="Consolas" panose="020B0609020204030204" pitchFamily="49" charset="0"/>
+              </a:rPr>
+              <a:t>MPI_recv</a:t>
+            </a:r>
+            <a:r>
+              <a:rPr lang="en-US" sz="1600" b="0" dirty="0">
+                <a:solidFill>
+                  <a:srgbClr val="404040"/>
+                </a:solidFill>
+                <a:effectLst/>
+                <a:latin typeface="Consolas" panose="020B0609020204030204" pitchFamily="49" charset="0"/>
+              </a:rPr>
+              <a:t>(void* buffer,</a:t>
+            </a:r>
+          </a:p>
+          <a:p>
+            <a:pPr marL="0" indent="0" algn="l">
+              <a:buNone/>
+            </a:pPr>
+            <a:r>
+              <a:rPr lang="en-US" sz="1600" b="0" dirty="0">
+                <a:solidFill>
+                  <a:srgbClr val="404040"/>
+                </a:solidFill>
+                <a:effectLst/>
+                <a:latin typeface="Consolas" panose="020B0609020204030204" pitchFamily="49" charset="0"/>
+              </a:rPr>
+              <a:t>             int count,</a:t>
+            </a:r>
+          </a:p>
+          <a:p>
+            <a:pPr marL="0" indent="0" algn="l">
+              <a:buNone/>
+            </a:pPr>
+            <a:r>
+              <a:rPr lang="en-US" sz="1600" b="0" dirty="0">
+                <a:solidFill>
+                  <a:srgbClr val="404040"/>
+                </a:solidFill>
+                <a:effectLst/>
+                <a:latin typeface="Consolas" panose="020B0609020204030204" pitchFamily="49" charset="0"/>
+              </a:rPr>
+              <a:t>             </a:t>
+            </a:r>
+            <a:r>
+              <a:rPr lang="en-US" sz="1600" b="0" dirty="0" err="1">
+                <a:solidFill>
+                  <a:srgbClr val="404040"/>
+                </a:solidFill>
+                <a:effectLst/>
+                <a:latin typeface="Consolas" panose="020B0609020204030204" pitchFamily="49" charset="0"/>
+              </a:rPr>
+              <a:t>MPI_Datatype</a:t>
+            </a:r>
+            <a:r>
+              <a:rPr lang="en-US" sz="1600" b="0" dirty="0">
+                <a:solidFill>
+                  <a:srgbClr val="404040"/>
+                </a:solidFill>
+                <a:effectLst/>
+                <a:latin typeface="Consolas" panose="020B0609020204030204" pitchFamily="49" charset="0"/>
+              </a:rPr>
+              <a:t> datatype,</a:t>
+            </a:r>
+          </a:p>
+          <a:p>
+            <a:pPr marL="0" indent="0" algn="l">
+              <a:buNone/>
+            </a:pPr>
+            <a:r>
+              <a:rPr lang="en-US" sz="1600" b="0" dirty="0">
+                <a:solidFill>
+                  <a:srgbClr val="404040"/>
+                </a:solidFill>
+                <a:effectLst/>
+                <a:latin typeface="Consolas" panose="020B0609020204030204" pitchFamily="49" charset="0"/>
+              </a:rPr>
+              <a:t>             int sender,</a:t>
+            </a:r>
+          </a:p>
+          <a:p>
+            <a:pPr marL="0" indent="0" algn="l">
+              <a:buNone/>
+            </a:pPr>
+            <a:r>
+              <a:rPr lang="en-US" sz="1600" b="0" dirty="0">
+                <a:solidFill>
+                  <a:srgbClr val="404040"/>
+                </a:solidFill>
+                <a:effectLst/>
+                <a:latin typeface="Consolas" panose="020B0609020204030204" pitchFamily="49" charset="0"/>
+              </a:rPr>
+              <a:t>             int tag,</a:t>
+            </a:r>
+          </a:p>
+          <a:p>
+            <a:pPr marL="0" indent="0" algn="l">
+              <a:buNone/>
+            </a:pPr>
+            <a:r>
+              <a:rPr lang="en-US" sz="1600" b="0" dirty="0">
+                <a:solidFill>
+                  <a:srgbClr val="404040"/>
+                </a:solidFill>
+                <a:effectLst/>
+                <a:latin typeface="Consolas" panose="020B0609020204030204" pitchFamily="49" charset="0"/>
+              </a:rPr>
+              <a:t>             </a:t>
+            </a:r>
+            <a:r>
+              <a:rPr lang="en-US" sz="1600" b="0" dirty="0" err="1">
+                <a:solidFill>
+                  <a:srgbClr val="404040"/>
+                </a:solidFill>
+                <a:effectLst/>
+                <a:latin typeface="Consolas" panose="020B0609020204030204" pitchFamily="49" charset="0"/>
+              </a:rPr>
+              <a:t>MPI_Comm</a:t>
+            </a:r>
+            <a:r>
+              <a:rPr lang="en-US" sz="1600" b="0" dirty="0">
+                <a:solidFill>
+                  <a:srgbClr val="404040"/>
+                </a:solidFill>
+                <a:effectLst/>
+                <a:latin typeface="Consolas" panose="020B0609020204030204" pitchFamily="49" charset="0"/>
+              </a:rPr>
+              <a:t> communicator,</a:t>
+            </a:r>
+          </a:p>
+          <a:p>
+            <a:pPr marL="0" indent="0" algn="l">
+              <a:buNone/>
+            </a:pPr>
+            <a:r>
+              <a:rPr lang="en-US" sz="1600" b="0" dirty="0">
+                <a:solidFill>
+                  <a:srgbClr val="404040"/>
+                </a:solidFill>
+                <a:effectLst/>
+                <a:latin typeface="Consolas" panose="020B0609020204030204" pitchFamily="49" charset="0"/>
+              </a:rPr>
+              <a:t>             </a:t>
+            </a:r>
+            <a:r>
+              <a:rPr lang="en-US" sz="1600" b="0" dirty="0" err="1">
+                <a:solidFill>
+                  <a:srgbClr val="404040"/>
+                </a:solidFill>
+                <a:effectLst/>
+                <a:latin typeface="Consolas" panose="020B0609020204030204" pitchFamily="49" charset="0"/>
+              </a:rPr>
+              <a:t>MPI_Status</a:t>
+            </a:r>
+            <a:r>
+              <a:rPr lang="en-US" sz="1600" b="0" dirty="0">
+                <a:solidFill>
+                  <a:srgbClr val="404040"/>
+                </a:solidFill>
+                <a:effectLst/>
+                <a:latin typeface="Consolas" panose="020B0609020204030204" pitchFamily="49" charset="0"/>
+              </a:rPr>
+              <a:t>* status);</a:t>
+            </a:r>
+            <a:br>
+              <a:rPr lang="en-US" sz="1600" b="0" dirty="0">
+                <a:solidFill>
+                  <a:srgbClr val="404040"/>
+                </a:solidFill>
+                <a:effectLst/>
+                <a:latin typeface="Consolas" panose="020B0609020204030204" pitchFamily="49" charset="0"/>
+              </a:rPr>
+            </a:br>
+            <a:endParaRPr lang="en-US" sz="1600" dirty="0">
+              <a:latin typeface="Consolas" panose="020B0609020204030204" pitchFamily="49" charset="0"/>
+            </a:endParaRPr>
+          </a:p>
+          <a:p>
+            <a:pPr marL="0" indent="0">
+              <a:buNone/>
+            </a:pPr>
+            <a:endParaRPr lang="en-US" sz="1600" dirty="0">
+              <a:latin typeface="+mj-lt"/>
+            </a:endParaRPr>
+          </a:p>
+        </p:txBody>
+      </p:sp>
+      <p:sp>
+        <p:nvSpPr>
+          <p:cNvPr id="4" name="TextBox 3">
+            <a:extLst>
+              <a:ext uri="{FF2B5EF4-FFF2-40B4-BE49-F238E27FC236}">
+                <a16:creationId xmlns:a16="http://schemas.microsoft.com/office/drawing/2014/main" id="{39C01479-5AA1-4D37-9587-2A463E563BBC}"/>
+              </a:ext>
+            </a:extLst>
+          </p:cNvPr>
+          <p:cNvSpPr txBox="1"/>
+          <p:nvPr/>
+        </p:nvSpPr>
+        <p:spPr>
+          <a:xfrm>
+            <a:off x="6358855" y="2996429"/>
+            <a:ext cx="3540154" cy="3046988"/>
+          </a:xfrm>
+          <a:prstGeom prst="rect">
+            <a:avLst/>
+          </a:prstGeom>
+          <a:noFill/>
+        </p:spPr>
+        <p:txBody>
+          <a:bodyPr wrap="square" rtlCol="0">
+            <a:spAutoFit/>
+          </a:bodyPr>
+          <a:lstStyle/>
+          <a:p>
+            <a:pPr marL="285750" indent="-285750">
+              <a:buFont typeface="Arial" panose="020B0604020202020204" pitchFamily="34" charset="0"/>
+              <a:buChar char="•"/>
+            </a:pPr>
+            <a:r>
+              <a:rPr lang="en-US" sz="1200" dirty="0"/>
+              <a:t>Buffer - The buffer in which receive the message. </a:t>
+            </a:r>
+          </a:p>
+          <a:p>
+            <a:pPr marL="285750" indent="-285750">
+              <a:buFont typeface="Arial" panose="020B0604020202020204" pitchFamily="34" charset="0"/>
+              <a:buChar char="•"/>
+            </a:pPr>
+            <a:r>
+              <a:rPr lang="en-US" sz="1200" dirty="0"/>
+              <a:t>Count - The number of elements in the buffer given.  The number of elements in the message to receive must therefore be less than or equal to that value. </a:t>
+            </a:r>
+          </a:p>
+          <a:p>
+            <a:pPr marL="285750" indent="-285750">
+              <a:buFont typeface="Arial" panose="020B0604020202020204" pitchFamily="34" charset="0"/>
+              <a:buChar char="•"/>
+            </a:pPr>
+            <a:r>
+              <a:rPr lang="en-US" sz="1200" dirty="0"/>
+              <a:t>Datatype - The type of one buffer element. </a:t>
+            </a:r>
+          </a:p>
+          <a:p>
+            <a:pPr marL="285750" indent="-285750">
+              <a:buFont typeface="Arial" panose="020B0604020202020204" pitchFamily="34" charset="0"/>
+              <a:buChar char="•"/>
+            </a:pPr>
+            <a:r>
+              <a:rPr lang="en-US" sz="1200" dirty="0"/>
+              <a:t>Sender - The rank of the sender MPI process. If there is no restriction on the sender's rank, MPI_ANY_SOURCE can be passed. </a:t>
+            </a:r>
+          </a:p>
+          <a:p>
+            <a:pPr marL="285750" indent="-285750">
+              <a:buFont typeface="Arial" panose="020B0604020202020204" pitchFamily="34" charset="0"/>
+              <a:buChar char="•"/>
+            </a:pPr>
+            <a:r>
+              <a:rPr lang="en-US" sz="1200" dirty="0"/>
+              <a:t>tag - The tag to require from the message. If no tag is required, MPI_ANY_TAG can be passed. </a:t>
+            </a:r>
+          </a:p>
+          <a:p>
+            <a:pPr marL="285750" indent="-285750">
+              <a:buFont typeface="Arial" panose="020B0604020202020204" pitchFamily="34" charset="0"/>
+              <a:buChar char="•"/>
+            </a:pPr>
+            <a:r>
+              <a:rPr lang="en-US" sz="1200" dirty="0"/>
+              <a:t>communicator - The communicator in which the communication takes place. </a:t>
+            </a:r>
+          </a:p>
+          <a:p>
+            <a:pPr marL="285750" indent="-285750">
+              <a:buFont typeface="Arial" panose="020B0604020202020204" pitchFamily="34" charset="0"/>
+              <a:buChar char="•"/>
+            </a:pPr>
+            <a:r>
+              <a:rPr lang="en-US" sz="1200" dirty="0"/>
+              <a:t>status - The variable in which store the status of the receive operation. Pass MPI_STATUS_IGNORE if unused.</a:t>
+            </a:r>
+          </a:p>
+        </p:txBody>
+      </p:sp>
+    </p:spTree>
+    <p:extLst>
+      <p:ext uri="{BB962C8B-B14F-4D97-AF65-F5344CB8AC3E}">
+        <p14:creationId xmlns:p14="http://schemas.microsoft.com/office/powerpoint/2010/main" val="491258929"/>
+      </p:ext>
+    </p:extLst>
+  </p:cSld>
+  <p:clrMapOvr>
+    <a:masterClrMapping/>
+  </p:clrMapOvr>
+</p:sld>
+</file>
+
+<file path=ppt/slides/slide11.xml><?xml version="1.0" encoding="utf-8"?>
+<p:sld xmlns:a="http://schemas.openxmlformats.org/drawingml/2006/main" xmlns:r="http://schemas.openxmlformats.org/officeDocument/2006/relationships" xmlns:p="http://schemas.openxmlformats.org/presentationml/2006/main">
+  <p:cSld>
+    <p:spTree>
+      <p:nvGrpSpPr>
+        <p:cNvPr id="1" name=""/>
+        <p:cNvGrpSpPr/>
+        <p:nvPr/>
+      </p:nvGrpSpPr>
+      <p:grpSpPr>
+        <a:xfrm>
+          <a:off x="0" y="0"/>
+          <a:ext cx="0" cy="0"/>
+          <a:chOff x="0" y="0"/>
+          <a:chExt cx="0" cy="0"/>
+        </a:xfrm>
+      </p:grpSpPr>
+      <p:sp>
+        <p:nvSpPr>
+          <p:cNvPr id="2" name="Title 1">
+            <a:extLst>
+              <a:ext uri="{FF2B5EF4-FFF2-40B4-BE49-F238E27FC236}">
+                <a16:creationId xmlns:a16="http://schemas.microsoft.com/office/drawing/2014/main" id="{63173FDF-B5EB-48E7-9912-6BABE84580FC}"/>
+              </a:ext>
+            </a:extLst>
+          </p:cNvPr>
+          <p:cNvSpPr>
+            <a:spLocks noGrp="1"/>
+          </p:cNvSpPr>
+          <p:nvPr>
+            <p:ph type="title"/>
+          </p:nvPr>
+        </p:nvSpPr>
+        <p:spPr/>
+        <p:txBody>
+          <a:bodyPr/>
+          <a:lstStyle/>
+          <a:p>
+            <a:r>
+              <a:rPr lang="en-US" dirty="0"/>
+              <a:t>Matrix Multiplication</a:t>
+            </a:r>
+          </a:p>
+        </p:txBody>
+      </p:sp>
+      <p:pic>
+        <p:nvPicPr>
+          <p:cNvPr id="5" name="Picture 4">
+            <a:extLst>
+              <a:ext uri="{FF2B5EF4-FFF2-40B4-BE49-F238E27FC236}">
+                <a16:creationId xmlns:a16="http://schemas.microsoft.com/office/drawing/2014/main" id="{8C25773A-3A80-478B-9BFB-7A7915D18A79}"/>
+              </a:ext>
+            </a:extLst>
+          </p:cNvPr>
+          <p:cNvPicPr>
+            <a:picLocks noChangeAspect="1"/>
+          </p:cNvPicPr>
+          <p:nvPr/>
+        </p:nvPicPr>
+        <p:blipFill rotWithShape="1">
+          <a:blip r:embed="rId2"/>
+          <a:srcRect l="58280" t="10184" r="22661" b="41131"/>
+          <a:stretch/>
+        </p:blipFill>
+        <p:spPr>
+          <a:xfrm>
+            <a:off x="3724713" y="2485700"/>
+            <a:ext cx="5032848" cy="3615655"/>
+          </a:xfrm>
+          <a:prstGeom prst="rect">
+            <a:avLst/>
+          </a:prstGeom>
+        </p:spPr>
+      </p:pic>
+    </p:spTree>
+    <p:extLst>
+      <p:ext uri="{BB962C8B-B14F-4D97-AF65-F5344CB8AC3E}">
+        <p14:creationId xmlns:p14="http://schemas.microsoft.com/office/powerpoint/2010/main" val="3194849788"/>
+      </p:ext>
+    </p:extLst>
+  </p:cSld>
+  <p:clrMapOvr>
+    <a:masterClrMapping/>
+  </p:clrMapOvr>
+</p:sld>
+</file>
+
+<file path=ppt/slides/slide12.xml><?xml version="1.0" encoding="utf-8"?>
+<p:sld xmlns:a="http://schemas.openxmlformats.org/drawingml/2006/main" xmlns:r="http://schemas.openxmlformats.org/officeDocument/2006/relationships" xmlns:p="http://schemas.openxmlformats.org/presentationml/2006/main">
+  <p:cSld>
+    <p:spTree>
+      <p:nvGrpSpPr>
+        <p:cNvPr id="1" name=""/>
+        <p:cNvGrpSpPr/>
+        <p:nvPr/>
+      </p:nvGrpSpPr>
+      <p:grpSpPr>
+        <a:xfrm>
+          <a:off x="0" y="0"/>
+          <a:ext cx="0" cy="0"/>
+          <a:chOff x="0" y="0"/>
+          <a:chExt cx="0" cy="0"/>
+        </a:xfrm>
+      </p:grpSpPr>
+      <p:sp>
+        <p:nvSpPr>
+          <p:cNvPr id="2" name="Title 1">
+            <a:extLst>
+              <a:ext uri="{FF2B5EF4-FFF2-40B4-BE49-F238E27FC236}">
+                <a16:creationId xmlns:a16="http://schemas.microsoft.com/office/drawing/2014/main" id="{180C4D25-B0BF-42E5-ACEA-826B023650DC}"/>
+              </a:ext>
+            </a:extLst>
+          </p:cNvPr>
+          <p:cNvSpPr>
+            <a:spLocks noGrp="1"/>
+          </p:cNvSpPr>
+          <p:nvPr>
+            <p:ph type="title"/>
+          </p:nvPr>
+        </p:nvSpPr>
+        <p:spPr/>
+        <p:txBody>
+          <a:bodyPr/>
+          <a:lstStyle/>
+          <a:p>
+            <a:r>
+              <a:rPr lang="en-US" dirty="0"/>
+              <a:t>Matrix Multiplication</a:t>
+            </a:r>
+          </a:p>
+        </p:txBody>
+      </p:sp>
+      <p:pic>
+        <p:nvPicPr>
+          <p:cNvPr id="5" name="Picture 4">
+            <a:extLst>
+              <a:ext uri="{FF2B5EF4-FFF2-40B4-BE49-F238E27FC236}">
+                <a16:creationId xmlns:a16="http://schemas.microsoft.com/office/drawing/2014/main" id="{8868746B-C912-4413-9C11-D75C9A2B0117}"/>
+              </a:ext>
+            </a:extLst>
+          </p:cNvPr>
+          <p:cNvPicPr>
+            <a:picLocks noChangeAspect="1"/>
+          </p:cNvPicPr>
+          <p:nvPr/>
+        </p:nvPicPr>
+        <p:blipFill rotWithShape="1">
+          <a:blip r:embed="rId2"/>
+          <a:srcRect l="58328" t="12210" r="23073" b="20041"/>
+          <a:stretch/>
+        </p:blipFill>
+        <p:spPr>
+          <a:xfrm>
+            <a:off x="624644" y="2143345"/>
+            <a:ext cx="4534586" cy="4645865"/>
+          </a:xfrm>
+          <a:prstGeom prst="rect">
+            <a:avLst/>
+          </a:prstGeom>
+        </p:spPr>
+      </p:pic>
+      <p:pic>
+        <p:nvPicPr>
+          <p:cNvPr id="7" name="Picture 6">
+            <a:extLst>
+              <a:ext uri="{FF2B5EF4-FFF2-40B4-BE49-F238E27FC236}">
+                <a16:creationId xmlns:a16="http://schemas.microsoft.com/office/drawing/2014/main" id="{00148D1C-4510-40CA-8B85-D53F40C112DF}"/>
+              </a:ext>
+            </a:extLst>
+          </p:cNvPr>
+          <p:cNvPicPr>
+            <a:picLocks noChangeAspect="1"/>
+          </p:cNvPicPr>
+          <p:nvPr/>
+        </p:nvPicPr>
+        <p:blipFill rotWithShape="1">
+          <a:blip r:embed="rId3"/>
+          <a:srcRect l="58211" t="39052" r="23830" b="14954"/>
+          <a:stretch/>
+        </p:blipFill>
+        <p:spPr>
+          <a:xfrm>
+            <a:off x="5419287" y="2387845"/>
+            <a:ext cx="5281652" cy="3804407"/>
+          </a:xfrm>
+          <a:prstGeom prst="rect">
+            <a:avLst/>
+          </a:prstGeom>
+        </p:spPr>
+      </p:pic>
+    </p:spTree>
+    <p:extLst>
+      <p:ext uri="{BB962C8B-B14F-4D97-AF65-F5344CB8AC3E}">
+        <p14:creationId xmlns:p14="http://schemas.microsoft.com/office/powerpoint/2010/main" val="2972229016"/>
+      </p:ext>
+    </p:extLst>
+  </p:cSld>
+  <p:clrMapOvr>
+    <a:masterClrMapping/>
+  </p:clrMapOvr>
+</p:sld>
+</file>
+
+<file path=ppt/slides/slide13.xml><?xml version="1.0" encoding="utf-8"?>
+<p:sld xmlns:a="http://schemas.openxmlformats.org/drawingml/2006/main" xmlns:r="http://schemas.openxmlformats.org/officeDocument/2006/relationships" xmlns:p="http://schemas.openxmlformats.org/presentationml/2006/main">
+  <p:cSld>
+    <p:spTree>
+      <p:nvGrpSpPr>
+        <p:cNvPr id="1" name=""/>
+        <p:cNvGrpSpPr/>
+        <p:nvPr/>
+      </p:nvGrpSpPr>
+      <p:grpSpPr>
+        <a:xfrm>
+          <a:off x="0" y="0"/>
+          <a:ext cx="0" cy="0"/>
+          <a:chOff x="0" y="0"/>
+          <a:chExt cx="0" cy="0"/>
+        </a:xfrm>
+      </p:grpSpPr>
+      <p:sp>
+        <p:nvSpPr>
+          <p:cNvPr id="2" name="Title 1">
+            <a:extLst>
+              <a:ext uri="{FF2B5EF4-FFF2-40B4-BE49-F238E27FC236}">
+                <a16:creationId xmlns:a16="http://schemas.microsoft.com/office/drawing/2014/main" id="{180C4D25-B0BF-42E5-ACEA-826B023650DC}"/>
+              </a:ext>
+            </a:extLst>
+          </p:cNvPr>
+          <p:cNvSpPr>
+            <a:spLocks noGrp="1"/>
+          </p:cNvSpPr>
+          <p:nvPr>
+            <p:ph type="title"/>
+          </p:nvPr>
+        </p:nvSpPr>
+        <p:spPr/>
+        <p:txBody>
+          <a:bodyPr/>
+          <a:lstStyle/>
+          <a:p>
+            <a:r>
+              <a:rPr lang="en-US" dirty="0"/>
+              <a:t>Matrix Multiplication</a:t>
+            </a:r>
+          </a:p>
+        </p:txBody>
+      </p:sp>
+      <p:pic>
+        <p:nvPicPr>
+          <p:cNvPr id="4" name="Picture 3">
+            <a:extLst>
+              <a:ext uri="{FF2B5EF4-FFF2-40B4-BE49-F238E27FC236}">
+                <a16:creationId xmlns:a16="http://schemas.microsoft.com/office/drawing/2014/main" id="{D5972DFB-671A-4F62-B2AF-AB4E0D52354D}"/>
+              </a:ext>
+            </a:extLst>
+          </p:cNvPr>
+          <p:cNvPicPr>
+            <a:picLocks noChangeAspect="1"/>
+          </p:cNvPicPr>
+          <p:nvPr/>
+        </p:nvPicPr>
+        <p:blipFill rotWithShape="1">
+          <a:blip r:embed="rId2"/>
+          <a:srcRect l="58073" t="24373" r="24106" b="32079"/>
+          <a:stretch/>
+        </p:blipFill>
+        <p:spPr>
+          <a:xfrm>
+            <a:off x="3157727" y="2709643"/>
+            <a:ext cx="5226342" cy="3591850"/>
+          </a:xfrm>
+          <a:prstGeom prst="rect">
+            <a:avLst/>
+          </a:prstGeom>
+        </p:spPr>
+      </p:pic>
+    </p:spTree>
+    <p:extLst>
+      <p:ext uri="{BB962C8B-B14F-4D97-AF65-F5344CB8AC3E}">
+        <p14:creationId xmlns:p14="http://schemas.microsoft.com/office/powerpoint/2010/main" val="800823217"/>
+      </p:ext>
+    </p:extLst>
+  </p:cSld>
+  <p:clrMapOvr>
+    <a:masterClrMapping/>
+  </p:clrMapOvr>
+</p:sld>
+</file>
+
+<file path=ppt/slides/slide14.xml><?xml version="1.0" encoding="utf-8"?>
+<p:sld xmlns:a="http://schemas.openxmlformats.org/drawingml/2006/main" xmlns:r="http://schemas.openxmlformats.org/officeDocument/2006/relationships" xmlns:p="http://schemas.openxmlformats.org/presentationml/2006/main">
+  <p:cSld>
+    <p:spTree>
+      <p:nvGrpSpPr>
+        <p:cNvPr id="1" name=""/>
+        <p:cNvGrpSpPr/>
+        <p:nvPr/>
+      </p:nvGrpSpPr>
+      <p:grpSpPr>
+        <a:xfrm>
+          <a:off x="0" y="0"/>
+          <a:ext cx="0" cy="0"/>
+          <a:chOff x="0" y="0"/>
+          <a:chExt cx="0" cy="0"/>
+        </a:xfrm>
+      </p:grpSpPr>
+      <p:sp>
+        <p:nvSpPr>
+          <p:cNvPr id="2" name="Title 1">
+            <a:extLst>
+              <a:ext uri="{FF2B5EF4-FFF2-40B4-BE49-F238E27FC236}">
+                <a16:creationId xmlns:a16="http://schemas.microsoft.com/office/drawing/2014/main" id="{D73925FB-E225-4FEF-B0DF-04A7B540F01B}"/>
+              </a:ext>
+            </a:extLst>
+          </p:cNvPr>
+          <p:cNvSpPr>
+            <a:spLocks noGrp="1"/>
+          </p:cNvSpPr>
+          <p:nvPr>
+            <p:ph type="title"/>
+          </p:nvPr>
+        </p:nvSpPr>
+        <p:spPr/>
+        <p:txBody>
+          <a:bodyPr/>
+          <a:lstStyle/>
+          <a:p>
+            <a:r>
+              <a:rPr lang="en-US" dirty="0" err="1"/>
+              <a:t>MPI_scatter</a:t>
+            </a:r>
+            <a:endParaRPr lang="en-US" dirty="0"/>
+          </a:p>
+        </p:txBody>
+      </p:sp>
+      <p:pic>
+        <p:nvPicPr>
+          <p:cNvPr id="11" name="Content Placeholder 10">
+            <a:extLst>
+              <a:ext uri="{FF2B5EF4-FFF2-40B4-BE49-F238E27FC236}">
+                <a16:creationId xmlns:a16="http://schemas.microsoft.com/office/drawing/2014/main" id="{701E2E9A-834E-4EC7-A22C-49DEF607686B}"/>
+              </a:ext>
+            </a:extLst>
+          </p:cNvPr>
+          <p:cNvPicPr>
+            <a:picLocks noGrp="1" noChangeAspect="1"/>
+          </p:cNvPicPr>
+          <p:nvPr>
+            <p:ph idx="1"/>
+          </p:nvPr>
+        </p:nvPicPr>
+        <p:blipFill rotWithShape="1">
+          <a:blip r:embed="rId2"/>
+          <a:srcRect l="14011" t="28175" r="70007" b="26306"/>
+          <a:stretch/>
+        </p:blipFill>
+        <p:spPr>
+          <a:xfrm>
+            <a:off x="6549007" y="2279247"/>
+            <a:ext cx="5047794" cy="4043494"/>
+          </a:xfrm>
+        </p:spPr>
+      </p:pic>
+      <p:pic>
+        <p:nvPicPr>
+          <p:cNvPr id="13" name="Picture 12">
+            <a:extLst>
+              <a:ext uri="{FF2B5EF4-FFF2-40B4-BE49-F238E27FC236}">
+                <a16:creationId xmlns:a16="http://schemas.microsoft.com/office/drawing/2014/main" id="{1801D5D7-5B77-456D-AA44-6E1C289A08E2}"/>
+              </a:ext>
+            </a:extLst>
+          </p:cNvPr>
+          <p:cNvPicPr>
+            <a:picLocks noChangeAspect="1"/>
+          </p:cNvPicPr>
+          <p:nvPr/>
+        </p:nvPicPr>
+        <p:blipFill rotWithShape="1">
+          <a:blip r:embed="rId3"/>
+          <a:srcRect l="58001" t="8817" r="15046" b="35863"/>
+          <a:stretch/>
+        </p:blipFill>
+        <p:spPr>
+          <a:xfrm>
+            <a:off x="100196" y="2279247"/>
+            <a:ext cx="6308993" cy="3928606"/>
+          </a:xfrm>
+          <a:prstGeom prst="rect">
+            <a:avLst/>
+          </a:prstGeom>
+        </p:spPr>
+      </p:pic>
+    </p:spTree>
+    <p:extLst>
+      <p:ext uri="{BB962C8B-B14F-4D97-AF65-F5344CB8AC3E}">
+        <p14:creationId xmlns:p14="http://schemas.microsoft.com/office/powerpoint/2010/main" val="3281535658"/>
+      </p:ext>
+    </p:extLst>
+  </p:cSld>
+  <p:clrMapOvr>
+    <a:masterClrMapping/>
+  </p:clrMapOvr>
+</p:sld>
+</file>
+
+<file path=ppt/slides/slide15.xml><?xml version="1.0" encoding="utf-8"?>
+<p:sld xmlns:a="http://schemas.openxmlformats.org/drawingml/2006/main" xmlns:r="http://schemas.openxmlformats.org/officeDocument/2006/relationships" xmlns:p="http://schemas.openxmlformats.org/presentationml/2006/main">
+  <p:cSld>
+    <p:spTree>
+      <p:nvGrpSpPr>
+        <p:cNvPr id="1" name=""/>
+        <p:cNvGrpSpPr/>
+        <p:nvPr/>
+      </p:nvGrpSpPr>
+      <p:grpSpPr>
+        <a:xfrm>
+          <a:off x="0" y="0"/>
+          <a:ext cx="0" cy="0"/>
+          <a:chOff x="0" y="0"/>
+          <a:chExt cx="0" cy="0"/>
+        </a:xfrm>
+      </p:grpSpPr>
+      <p:sp>
+        <p:nvSpPr>
+          <p:cNvPr id="2" name="Title 1">
+            <a:extLst>
+              <a:ext uri="{FF2B5EF4-FFF2-40B4-BE49-F238E27FC236}">
+                <a16:creationId xmlns:a16="http://schemas.microsoft.com/office/drawing/2014/main" id="{D73925FB-E225-4FEF-B0DF-04A7B540F01B}"/>
+              </a:ext>
+            </a:extLst>
+          </p:cNvPr>
+          <p:cNvSpPr>
+            <a:spLocks noGrp="1"/>
+          </p:cNvSpPr>
+          <p:nvPr>
+            <p:ph type="title"/>
+          </p:nvPr>
+        </p:nvSpPr>
+        <p:spPr/>
+        <p:txBody>
+          <a:bodyPr/>
+          <a:lstStyle/>
+          <a:p>
+            <a:r>
+              <a:rPr lang="en-US" dirty="0" err="1"/>
+              <a:t>MPI_gATHER</a:t>
+            </a:r>
+            <a:endParaRPr lang="en-US" dirty="0"/>
+          </a:p>
+        </p:txBody>
+      </p:sp>
+      <p:pic>
+        <p:nvPicPr>
+          <p:cNvPr id="6" name="Picture 5">
+            <a:extLst>
+              <a:ext uri="{FF2B5EF4-FFF2-40B4-BE49-F238E27FC236}">
+                <a16:creationId xmlns:a16="http://schemas.microsoft.com/office/drawing/2014/main" id="{1B9969F9-828B-4337-8853-40E68C82A755}"/>
+              </a:ext>
+            </a:extLst>
+          </p:cNvPr>
+          <p:cNvPicPr>
+            <a:picLocks noChangeAspect="1"/>
+          </p:cNvPicPr>
+          <p:nvPr/>
+        </p:nvPicPr>
+        <p:blipFill rotWithShape="1">
+          <a:blip r:embed="rId2"/>
+          <a:srcRect r="9358"/>
+          <a:stretch/>
+        </p:blipFill>
+        <p:spPr>
+          <a:xfrm>
+            <a:off x="6454008" y="2153412"/>
+            <a:ext cx="5637796" cy="4219575"/>
+          </a:xfrm>
+          <a:prstGeom prst="rect">
+            <a:avLst/>
+          </a:prstGeom>
+        </p:spPr>
+      </p:pic>
+      <p:pic>
+        <p:nvPicPr>
+          <p:cNvPr id="8" name="Picture 7">
+            <a:extLst>
+              <a:ext uri="{FF2B5EF4-FFF2-40B4-BE49-F238E27FC236}">
+                <a16:creationId xmlns:a16="http://schemas.microsoft.com/office/drawing/2014/main" id="{72B6A298-4B2C-4B3D-A067-5B12FC5AE70A}"/>
+              </a:ext>
+            </a:extLst>
+          </p:cNvPr>
+          <p:cNvPicPr>
+            <a:picLocks noChangeAspect="1"/>
+          </p:cNvPicPr>
+          <p:nvPr/>
+        </p:nvPicPr>
+        <p:blipFill>
+          <a:blip r:embed="rId3"/>
+          <a:stretch>
+            <a:fillRect/>
+          </a:stretch>
+        </p:blipFill>
+        <p:spPr>
+          <a:xfrm>
+            <a:off x="100196" y="2237302"/>
+            <a:ext cx="6353812" cy="4457113"/>
+          </a:xfrm>
+          <a:prstGeom prst="rect">
+            <a:avLst/>
+          </a:prstGeom>
+        </p:spPr>
+      </p:pic>
+    </p:spTree>
+    <p:extLst>
+      <p:ext uri="{BB962C8B-B14F-4D97-AF65-F5344CB8AC3E}">
+        <p14:creationId xmlns:p14="http://schemas.microsoft.com/office/powerpoint/2010/main" val="3758892892"/>
+      </p:ext>
+    </p:extLst>
+  </p:cSld>
+  <p:clrMapOvr>
+    <a:masterClrMapping/>
+  </p:clrMapOvr>
+</p:sld>
+</file>
+
 <file path=ppt/slides/slide2.xml><?xml version="1.0" encoding="utf-8"?>
 <p:sld xmlns:a="http://schemas.openxmlformats.org/drawingml/2006/main" xmlns:r="http://schemas.openxmlformats.org/officeDocument/2006/relationships" xmlns:p="http://schemas.openxmlformats.org/presentationml/2006/main">
   <p:cSld>
@@ -3465,7 +4382,24 @@
           <a:p>
             <a:r>
               <a:rPr lang="en-US" dirty="0"/>
-              <a:t>Tu</a:t>
+              <a:t>Synchronization</a:t>
+            </a:r>
+          </a:p>
+          <a:p>
+            <a:r>
+              <a:rPr lang="en-US" dirty="0"/>
+              <a:t>Send/</a:t>
+            </a:r>
+            <a:r>
+              <a:rPr lang="en-US"/>
+              <a:t>Recv</a:t>
+            </a:r>
+            <a:endParaRPr lang="en-US" dirty="0"/>
+          </a:p>
+          <a:p>
+            <a:r>
+              <a:rPr lang="en-US" dirty="0"/>
+              <a:t>Gather/Scatter</a:t>
             </a:r>
           </a:p>
         </p:txBody>
@@ -4627,12 +5561,8 @@
           <a:lstStyle/>
           <a:p>
             <a:r>
-              <a:rPr lang="en-US" dirty="0" err="1"/>
-              <a:t>Synchornization</a:t>
-            </a:r>
-            <a:r>
               <a:rPr lang="en-US" dirty="0"/>
-              <a:t> with MPI</a:t>
+              <a:t>Synchronization with MPI</a:t>
             </a:r>
           </a:p>
         </p:txBody>
@@ -4810,12 +5740,12 @@
         <p:spPr>
           <a:xfrm>
             <a:off x="2231136" y="2638044"/>
-            <a:ext cx="4212393" cy="3101983"/>
+            <a:ext cx="4278721" cy="3101983"/>
           </a:xfrm>
         </p:spPr>
         <p:txBody>
           <a:bodyPr>
-            <a:normAutofit fontScale="92500" lnSpcReduction="10000"/>
+            <a:normAutofit fontScale="85000" lnSpcReduction="20000"/>
           </a:bodyPr>
           <a:lstStyle/>
           <a:p>
@@ -4829,120 +5759,321 @@
           <a:p>
             <a:pPr algn="l"/>
             <a:r>
-              <a:rPr lang="en-US" sz="1600" b="0" i="1" dirty="0" err="1">
+              <a:rPr lang="en-US" sz="1600" b="0" dirty="0" err="1">
                 <a:solidFill>
                   <a:srgbClr val="404040"/>
                 </a:solidFill>
                 <a:effectLst/>
-                <a:latin typeface="Lato" panose="020F0502020204030203" pitchFamily="34" charset="0"/>
+                <a:latin typeface="Consolas" panose="020B0609020204030204" pitchFamily="49" charset="0"/>
               </a:rPr>
               <a:t>MPI_Send</a:t>
             </a:r>
             <a:r>
-              <a:rPr lang="en-US" sz="1600" b="0" i="1" dirty="0">
+              <a:rPr lang="en-US" sz="1600" b="0" dirty="0">
                 <a:solidFill>
                   <a:srgbClr val="404040"/>
                 </a:solidFill>
                 <a:effectLst/>
-                <a:latin typeface="Lato" panose="020F0502020204030203" pitchFamily="34" charset="0"/>
-              </a:rPr>
-              <a:t>() - the standard send in MPI</a:t>
-            </a:r>
-            <a:endParaRPr lang="en-US" sz="1600" b="0" i="0" dirty="0">
-              <a:solidFill>
-                <a:srgbClr val="404040"/>
-              </a:solidFill>
-              <a:effectLst/>
-              <a:latin typeface="Lato" panose="020F0502020204030203" pitchFamily="34" charset="0"/>
-            </a:endParaRPr>
-          </a:p>
-          <a:p>
-            <a:pPr algn="l"/>
-            <a:r>
-              <a:rPr lang="en-US" sz="1600" b="0" i="1" dirty="0" err="1">
+                <a:latin typeface="Consolas" panose="020B0609020204030204" pitchFamily="49" charset="0"/>
+              </a:rPr>
+              <a:t>(const void* </a:t>
+            </a:r>
+            <a:r>
+              <a:rPr lang="en-US" sz="1600" b="0" dirty="0" err="1">
                 <a:solidFill>
                   <a:srgbClr val="404040"/>
                 </a:solidFill>
                 <a:effectLst/>
-                <a:latin typeface="Lato" panose="020F0502020204030203" pitchFamily="34" charset="0"/>
-              </a:rPr>
-              <a:t>MPI_Recv</a:t>
-            </a:r>
-            <a:r>
-              <a:rPr lang="en-US" sz="1600" b="0" i="1" dirty="0">
+                <a:latin typeface="Consolas" panose="020B0609020204030204" pitchFamily="49" charset="0"/>
+              </a:rPr>
+              <a:t>buffer_send</a:t>
+            </a:r>
+            <a:r>
+              <a:rPr lang="en-US" sz="1600" b="0" dirty="0">
                 <a:solidFill>
                   <a:srgbClr val="404040"/>
                 </a:solidFill>
                 <a:effectLst/>
-                <a:latin typeface="Lato" panose="020F0502020204030203" pitchFamily="34" charset="0"/>
-              </a:rPr>
-              <a:t>() - the standard receives in MPI</a:t>
-            </a:r>
-          </a:p>
-          <a:p>
-            <a:pPr algn="l"/>
-            <a:r>
-              <a:rPr lang="en-US" sz="1600" b="0" i="1" dirty="0" err="1">
+                <a:latin typeface="Consolas" panose="020B0609020204030204" pitchFamily="49" charset="0"/>
+              </a:rPr>
+              <a:t>,</a:t>
+            </a:r>
+          </a:p>
+          <a:p>
+            <a:pPr marL="0" indent="0" algn="l">
+              <a:buNone/>
+            </a:pPr>
+            <a:r>
+              <a:rPr lang="en-US" sz="1600" b="0" dirty="0">
                 <a:solidFill>
                   <a:srgbClr val="404040"/>
                 </a:solidFill>
                 <a:effectLst/>
-                <a:latin typeface="Lato" panose="020F0502020204030203" pitchFamily="34" charset="0"/>
-              </a:rPr>
-              <a:t>MPI_</a:t>
-            </a:r>
-            <a:r>
-              <a:rPr lang="en-US" sz="1600" i="1" dirty="0" err="1">
+                <a:latin typeface="Consolas" panose="020B0609020204030204" pitchFamily="49" charset="0"/>
+              </a:rPr>
+              <a:t>           int </a:t>
+            </a:r>
+            <a:r>
+              <a:rPr lang="en-US" sz="1600" b="0" dirty="0" err="1">
                 <a:solidFill>
                   <a:srgbClr val="404040"/>
                 </a:solidFill>
-                <a:latin typeface="Lato" panose="020F0502020204030203" pitchFamily="34" charset="0"/>
-              </a:rPr>
-              <a:t>Gather</a:t>
-            </a:r>
-            <a:r>
-              <a:rPr lang="en-US" sz="1600" i="1" dirty="0">
+                <a:effectLst/>
+                <a:latin typeface="Consolas" panose="020B0609020204030204" pitchFamily="49" charset="0"/>
+              </a:rPr>
+              <a:t>count_send</a:t>
+            </a:r>
+            <a:r>
+              <a:rPr lang="en-US" sz="1600" b="0" dirty="0">
                 <a:solidFill>
                   <a:srgbClr val="404040"/>
                 </a:solidFill>
-                <a:latin typeface="Lato" panose="020F0502020204030203" pitchFamily="34" charset="0"/>
-              </a:rPr>
-              <a:t>() - collects data from all processes in a given communicator and concatenates them in the given buffer on the specified process.</a:t>
-            </a:r>
-          </a:p>
-          <a:p>
-            <a:pPr algn="l"/>
-            <a:r>
-              <a:rPr lang="en-US" sz="1600" b="0" i="1" dirty="0" err="1">
+                <a:effectLst/>
+                <a:latin typeface="Consolas" panose="020B0609020204030204" pitchFamily="49" charset="0"/>
+              </a:rPr>
+              <a:t>,</a:t>
+            </a:r>
+          </a:p>
+          <a:p>
+            <a:pPr marL="0" indent="0" algn="l">
+              <a:buNone/>
+            </a:pPr>
+            <a:r>
+              <a:rPr lang="en-US" sz="1600" b="0" dirty="0">
                 <a:solidFill>
                   <a:srgbClr val="404040"/>
                 </a:solidFill>
                 <a:effectLst/>
-                <a:latin typeface="Lato" panose="020F0502020204030203" pitchFamily="34" charset="0"/>
-              </a:rPr>
-              <a:t>MPI_Scatter</a:t>
-            </a:r>
-            <a:r>
-              <a:rPr lang="en-US" sz="1600" b="0" i="1" dirty="0">
+                <a:latin typeface="Consolas" panose="020B0609020204030204" pitchFamily="49" charset="0"/>
+              </a:rPr>
+              <a:t>           </a:t>
+            </a:r>
+            <a:r>
+              <a:rPr lang="en-US" sz="1600" b="0" dirty="0" err="1">
                 <a:solidFill>
                   <a:srgbClr val="404040"/>
                 </a:solidFill>
                 <a:effectLst/>
-                <a:latin typeface="Lato" panose="020F0502020204030203" pitchFamily="34" charset="0"/>
-              </a:rPr>
-              <a:t>() - dispatches data from a process across all processes in the same communicator</a:t>
+                <a:latin typeface="Consolas" panose="020B0609020204030204" pitchFamily="49" charset="0"/>
+              </a:rPr>
+              <a:t>MPI_Datatype</a:t>
+            </a:r>
+            <a:r>
+              <a:rPr lang="en-US" sz="1600" b="0" dirty="0">
+                <a:solidFill>
+                  <a:srgbClr val="404040"/>
+                </a:solidFill>
+                <a:effectLst/>
+                <a:latin typeface="Consolas" panose="020B0609020204030204" pitchFamily="49" charset="0"/>
+              </a:rPr>
+              <a:t> </a:t>
+            </a:r>
+            <a:r>
+              <a:rPr lang="en-US" sz="1600" b="0" dirty="0" err="1">
+                <a:solidFill>
+                  <a:srgbClr val="404040"/>
+                </a:solidFill>
+                <a:effectLst/>
+                <a:latin typeface="Consolas" panose="020B0609020204030204" pitchFamily="49" charset="0"/>
+              </a:rPr>
+              <a:t>datatype_send</a:t>
+            </a:r>
+            <a:r>
+              <a:rPr lang="en-US" sz="1600" b="0" dirty="0">
+                <a:solidFill>
+                  <a:srgbClr val="404040"/>
+                </a:solidFill>
+                <a:effectLst/>
+                <a:latin typeface="Consolas" panose="020B0609020204030204" pitchFamily="49" charset="0"/>
+              </a:rPr>
+              <a:t>,</a:t>
+            </a:r>
+          </a:p>
+          <a:p>
+            <a:pPr marL="0" indent="0" algn="l">
+              <a:buNone/>
+            </a:pPr>
+            <a:r>
+              <a:rPr lang="en-US" sz="1600" b="0" dirty="0">
+                <a:solidFill>
+                  <a:srgbClr val="404040"/>
+                </a:solidFill>
+                <a:effectLst/>
+                <a:latin typeface="Consolas" panose="020B0609020204030204" pitchFamily="49" charset="0"/>
+              </a:rPr>
+              <a:t>           void* </a:t>
+            </a:r>
+            <a:r>
+              <a:rPr lang="en-US" sz="1600" b="0" dirty="0" err="1">
+                <a:solidFill>
+                  <a:srgbClr val="404040"/>
+                </a:solidFill>
+                <a:effectLst/>
+                <a:latin typeface="Consolas" panose="020B0609020204030204" pitchFamily="49" charset="0"/>
+              </a:rPr>
+              <a:t>buffer_recv</a:t>
+            </a:r>
+            <a:r>
+              <a:rPr lang="en-US" sz="1600" b="0" dirty="0">
+                <a:solidFill>
+                  <a:srgbClr val="404040"/>
+                </a:solidFill>
+                <a:effectLst/>
+                <a:latin typeface="Consolas" panose="020B0609020204030204" pitchFamily="49" charset="0"/>
+              </a:rPr>
+              <a:t>,</a:t>
+            </a:r>
+          </a:p>
+          <a:p>
+            <a:pPr marL="0" indent="0" algn="l">
+              <a:buNone/>
+            </a:pPr>
+            <a:r>
+              <a:rPr lang="en-US" sz="1600" b="0" dirty="0">
+                <a:solidFill>
+                  <a:srgbClr val="404040"/>
+                </a:solidFill>
+                <a:effectLst/>
+                <a:latin typeface="Consolas" panose="020B0609020204030204" pitchFamily="49" charset="0"/>
+              </a:rPr>
+              <a:t>           int </a:t>
+            </a:r>
+            <a:r>
+              <a:rPr lang="en-US" sz="1600" b="0" dirty="0" err="1">
+                <a:solidFill>
+                  <a:srgbClr val="404040"/>
+                </a:solidFill>
+                <a:effectLst/>
+                <a:latin typeface="Consolas" panose="020B0609020204030204" pitchFamily="49" charset="0"/>
+              </a:rPr>
+              <a:t>count_recv</a:t>
+            </a:r>
+            <a:r>
+              <a:rPr lang="en-US" sz="1600" b="0" dirty="0">
+                <a:solidFill>
+                  <a:srgbClr val="404040"/>
+                </a:solidFill>
+                <a:effectLst/>
+                <a:latin typeface="Consolas" panose="020B0609020204030204" pitchFamily="49" charset="0"/>
+              </a:rPr>
+              <a:t>,</a:t>
+            </a:r>
+          </a:p>
+          <a:p>
+            <a:pPr marL="0" indent="0" algn="l">
+              <a:buNone/>
+            </a:pPr>
+            <a:r>
+              <a:rPr lang="en-US" sz="1600" b="0" dirty="0">
+                <a:solidFill>
+                  <a:srgbClr val="404040"/>
+                </a:solidFill>
+                <a:effectLst/>
+                <a:latin typeface="Consolas" panose="020B0609020204030204" pitchFamily="49" charset="0"/>
+              </a:rPr>
+              <a:t>           </a:t>
+            </a:r>
+            <a:r>
+              <a:rPr lang="en-US" sz="1600" b="0" dirty="0" err="1">
+                <a:solidFill>
+                  <a:srgbClr val="404040"/>
+                </a:solidFill>
+                <a:effectLst/>
+                <a:latin typeface="Consolas" panose="020B0609020204030204" pitchFamily="49" charset="0"/>
+              </a:rPr>
+              <a:t>MPI_Datatype</a:t>
+            </a:r>
+            <a:r>
+              <a:rPr lang="en-US" sz="1600" b="0" dirty="0">
+                <a:solidFill>
+                  <a:srgbClr val="404040"/>
+                </a:solidFill>
+                <a:effectLst/>
+                <a:latin typeface="Consolas" panose="020B0609020204030204" pitchFamily="49" charset="0"/>
+              </a:rPr>
+              <a:t> </a:t>
+            </a:r>
+            <a:r>
+              <a:rPr lang="en-US" sz="1600" b="0" dirty="0" err="1">
+                <a:solidFill>
+                  <a:srgbClr val="404040"/>
+                </a:solidFill>
+                <a:effectLst/>
+                <a:latin typeface="Consolas" panose="020B0609020204030204" pitchFamily="49" charset="0"/>
+              </a:rPr>
+              <a:t>datatype_recv</a:t>
+            </a:r>
+            <a:r>
+              <a:rPr lang="en-US" sz="1600" b="0" dirty="0">
+                <a:solidFill>
+                  <a:srgbClr val="404040"/>
+                </a:solidFill>
+                <a:effectLst/>
+                <a:latin typeface="Consolas" panose="020B0609020204030204" pitchFamily="49" charset="0"/>
+              </a:rPr>
+              <a:t>,</a:t>
+            </a:r>
+          </a:p>
+          <a:p>
+            <a:pPr marL="0" indent="0" algn="l">
+              <a:buNone/>
+            </a:pPr>
+            <a:r>
+              <a:rPr lang="en-US" sz="1600" b="0" dirty="0">
+                <a:solidFill>
+                  <a:srgbClr val="404040"/>
+                </a:solidFill>
+                <a:effectLst/>
+                <a:latin typeface="Consolas" panose="020B0609020204030204" pitchFamily="49" charset="0"/>
+              </a:rPr>
+              <a:t>           int root,</a:t>
+            </a:r>
+          </a:p>
+          <a:p>
+            <a:pPr marL="0" indent="0" algn="l">
+              <a:buNone/>
+            </a:pPr>
+            <a:r>
+              <a:rPr lang="en-US" sz="1600" b="0" dirty="0">
+                <a:solidFill>
+                  <a:srgbClr val="404040"/>
+                </a:solidFill>
+                <a:effectLst/>
+                <a:latin typeface="Consolas" panose="020B0609020204030204" pitchFamily="49" charset="0"/>
+              </a:rPr>
+              <a:t>           </a:t>
+            </a:r>
+            <a:r>
+              <a:rPr lang="en-US" sz="1600" b="0" dirty="0" err="1">
+                <a:solidFill>
+                  <a:srgbClr val="404040"/>
+                </a:solidFill>
+                <a:effectLst/>
+                <a:latin typeface="Consolas" panose="020B0609020204030204" pitchFamily="49" charset="0"/>
+              </a:rPr>
+              <a:t>MPI_Comm</a:t>
+            </a:r>
+            <a:r>
+              <a:rPr lang="en-US" sz="1600" b="0" dirty="0">
+                <a:solidFill>
+                  <a:srgbClr val="404040"/>
+                </a:solidFill>
+                <a:effectLst/>
+                <a:latin typeface="Consolas" panose="020B0609020204030204" pitchFamily="49" charset="0"/>
+              </a:rPr>
+              <a:t> communicator)</a:t>
             </a:r>
             <a:br>
-              <a:rPr lang="en-US" sz="1600" b="0" i="0" dirty="0">
+              <a:rPr lang="en-US" sz="1600" b="0" dirty="0">
                 <a:solidFill>
                   <a:srgbClr val="404040"/>
                 </a:solidFill>
                 <a:effectLst/>
-                <a:latin typeface="Lato" panose="020F0502020204030203" pitchFamily="34" charset="0"/>
+                <a:latin typeface="Consolas" panose="020B0609020204030204" pitchFamily="49" charset="0"/>
               </a:rPr>
             </a:br>
             <a:endParaRPr lang="en-US" sz="1600" dirty="0">
-              <a:latin typeface="+mj-lt"/>
+              <a:latin typeface="Consolas" panose="020B0609020204030204" pitchFamily="49" charset="0"/>
             </a:endParaRPr>
           </a:p>
           <a:p>
@@ -4955,35 +6086,129 @@
           </a:p>
         </p:txBody>
       </p:sp>
-      <p:pic>
-        <p:nvPicPr>
-          <p:cNvPr id="5" name="Picture 4">
+      <p:sp>
+        <p:nvSpPr>
+          <p:cNvPr id="4" name="TextBox 3">
             <a:extLst>
               <a:ext uri="{FF2B5EF4-FFF2-40B4-BE49-F238E27FC236}">
-                <a16:creationId xmlns:a16="http://schemas.microsoft.com/office/drawing/2014/main" id="{3CE7DF14-62C5-4517-8DF5-08E5027D2E0C}"/>
+                <a16:creationId xmlns:a16="http://schemas.microsoft.com/office/drawing/2014/main" id="{39C01479-5AA1-4D37-9587-2A463E563BBC}"/>
               </a:ext>
             </a:extLst>
           </p:cNvPr>
-          <p:cNvPicPr>
-            <a:picLocks noChangeAspect="1"/>
-          </p:cNvPicPr>
+          <p:cNvSpPr txBox="1"/>
           <p:nvPr/>
-        </p:nvPicPr>
-        <p:blipFill rotWithShape="1">
-          <a:blip r:embed="rId2"/>
-          <a:srcRect l="57936" t="7981" r="19953" b="23645"/>
-          <a:stretch/>
-        </p:blipFill>
+        </p:nvSpPr>
         <p:spPr>
           <a:xfrm>
-            <a:off x="6443529" y="2236281"/>
-            <a:ext cx="4972119" cy="4324286"/>
+            <a:off x="6358855" y="2996429"/>
+            <a:ext cx="3540154" cy="3416320"/>
           </a:xfrm>
           <a:prstGeom prst="rect">
             <a:avLst/>
           </a:prstGeom>
+          <a:noFill/>
         </p:spPr>
-      </p:pic>
+        <p:txBody>
+          <a:bodyPr wrap="square" rtlCol="0">
+            <a:spAutoFit/>
+          </a:bodyPr>
+          <a:lstStyle/>
+          <a:p>
+            <a:pPr marL="285750" indent="-285750">
+              <a:buFont typeface="Arial" panose="020B0604020202020204" pitchFamily="34" charset="0"/>
+              <a:buChar char="•"/>
+            </a:pPr>
+            <a:r>
+              <a:rPr lang="en-US" sz="1200" dirty="0" err="1"/>
+              <a:t>buffer_send</a:t>
+            </a:r>
+            <a:r>
+              <a:rPr lang="en-US" sz="1200" dirty="0"/>
+              <a:t> -  The buffer containing the data to dispatch from the root process. </a:t>
+            </a:r>
+          </a:p>
+          <a:p>
+            <a:pPr marL="285750" indent="-285750">
+              <a:buFont typeface="Arial" panose="020B0604020202020204" pitchFamily="34" charset="0"/>
+              <a:buChar char="•"/>
+            </a:pPr>
+            <a:r>
+              <a:rPr lang="en-US" sz="1200" dirty="0" err="1"/>
+              <a:t>count_send</a:t>
+            </a:r>
+            <a:r>
+              <a:rPr lang="en-US" sz="1200" dirty="0"/>
+              <a:t> - The number of elements to send to each process, not the total number of elements in the send buffer. For non-root processes, the send parameters like this one are ignored. </a:t>
+            </a:r>
+          </a:p>
+          <a:p>
+            <a:pPr marL="285750" indent="-285750">
+              <a:buFont typeface="Arial" panose="020B0604020202020204" pitchFamily="34" charset="0"/>
+              <a:buChar char="•"/>
+            </a:pPr>
+            <a:r>
+              <a:rPr lang="en-US" sz="1200" dirty="0" err="1"/>
+              <a:t>datatype_send</a:t>
+            </a:r>
+            <a:r>
+              <a:rPr lang="en-US" sz="1200" dirty="0"/>
+              <a:t> - The type of one send buffer element. For non-root processes, the send parameters like this one are ignored. </a:t>
+            </a:r>
+          </a:p>
+          <a:p>
+            <a:pPr marL="285750" indent="-285750">
+              <a:buFont typeface="Arial" panose="020B0604020202020204" pitchFamily="34" charset="0"/>
+              <a:buChar char="•"/>
+            </a:pPr>
+            <a:r>
+              <a:rPr lang="en-US" sz="1200" dirty="0" err="1"/>
+              <a:t>buffer_recv</a:t>
+            </a:r>
+            <a:r>
+              <a:rPr lang="en-US" sz="1200" dirty="0"/>
+              <a:t> - The buffer in which store the data dispatched. </a:t>
+            </a:r>
+          </a:p>
+          <a:p>
+            <a:pPr marL="285750" indent="-285750">
+              <a:buFont typeface="Arial" panose="020B0604020202020204" pitchFamily="34" charset="0"/>
+              <a:buChar char="•"/>
+            </a:pPr>
+            <a:r>
+              <a:rPr lang="en-US" sz="1200" dirty="0" err="1"/>
+              <a:t>count_recv</a:t>
+            </a:r>
+            <a:r>
+              <a:rPr lang="en-US" sz="1200" dirty="0"/>
+              <a:t> - The number of elements in the receive buffer. </a:t>
+            </a:r>
+          </a:p>
+          <a:p>
+            <a:pPr marL="285750" indent="-285750">
+              <a:buFont typeface="Arial" panose="020B0604020202020204" pitchFamily="34" charset="0"/>
+              <a:buChar char="•"/>
+            </a:pPr>
+            <a:r>
+              <a:rPr lang="en-US" sz="1200" dirty="0" err="1"/>
+              <a:t>datatype_recv</a:t>
+            </a:r>
+            <a:r>
+              <a:rPr lang="en-US" sz="1200" dirty="0"/>
+              <a:t> - The type of one receive buffer element. root The rank of the root process, which will dispatch the data to scatter. </a:t>
+            </a:r>
+          </a:p>
+          <a:p>
+            <a:pPr marL="285750" indent="-285750">
+              <a:buFont typeface="Arial" panose="020B0604020202020204" pitchFamily="34" charset="0"/>
+              <a:buChar char="•"/>
+            </a:pPr>
+            <a:r>
+              <a:rPr lang="en-US" sz="1200" dirty="0"/>
+              <a:t>Communicator - The communicator in which the scatter takes place.</a:t>
+            </a:r>
+          </a:p>
+        </p:txBody>
+      </p:sp>
     </p:spTree>
     <p:extLst>
       <p:ext uri="{BB962C8B-B14F-4D97-AF65-F5344CB8AC3E}">

--- a/Lectures/Lecture 3/lecture3.pptx
+++ b/Lectures/Lecture 3/lecture3.pptx
@@ -4391,7 +4391,7 @@
               <a:t>Send/</a:t>
             </a:r>
             <a:r>
-              <a:rPr lang="en-US"/>
+              <a:rPr lang="en-US" dirty="0" err="1"/>
               <a:t>Recv</a:t>
             </a:r>
             <a:endParaRPr lang="en-US" dirty="0"/>

--- a/Lectures/Lecture 3/lecture3.pptx
+++ b/Lectures/Lecture 3/lecture3.pptx
@@ -10,16 +10,17 @@
     <p:sldId id="266" r:id="rId4"/>
     <p:sldId id="268" r:id="rId5"/>
     <p:sldId id="273" r:id="rId6"/>
-    <p:sldId id="274" r:id="rId7"/>
-    <p:sldId id="264" r:id="rId8"/>
-    <p:sldId id="275" r:id="rId9"/>
-    <p:sldId id="276" r:id="rId10"/>
-    <p:sldId id="278" r:id="rId11"/>
-    <p:sldId id="279" r:id="rId12"/>
-    <p:sldId id="280" r:id="rId13"/>
-    <p:sldId id="281" r:id="rId14"/>
-    <p:sldId id="277" r:id="rId15"/>
-    <p:sldId id="282" r:id="rId16"/>
+    <p:sldId id="283" r:id="rId7"/>
+    <p:sldId id="274" r:id="rId8"/>
+    <p:sldId id="264" r:id="rId9"/>
+    <p:sldId id="275" r:id="rId10"/>
+    <p:sldId id="276" r:id="rId11"/>
+    <p:sldId id="278" r:id="rId12"/>
+    <p:sldId id="279" r:id="rId13"/>
+    <p:sldId id="280" r:id="rId14"/>
+    <p:sldId id="281" r:id="rId15"/>
+    <p:sldId id="277" r:id="rId16"/>
+    <p:sldId id="282" r:id="rId17"/>
   </p:sldIdLst>
   <p:sldSz cx="12192000" cy="6858000"/>
   <p:notesSz cx="6858000" cy="9144000"/>
@@ -3460,6 +3461,552 @@
         </p:spPr>
         <p:txBody>
           <a:bodyPr>
+            <a:normAutofit fontScale="85000" lnSpcReduction="20000"/>
+          </a:bodyPr>
+          <a:lstStyle/>
+          <a:p>
+            <a:r>
+              <a:rPr lang="en-US" sz="1600" dirty="0">
+                <a:latin typeface="+mj-lt"/>
+              </a:rPr>
+              <a:t>We can enable passaging of messages between multiple processes via the following functions</a:t>
+            </a:r>
+          </a:p>
+          <a:p>
+            <a:pPr algn="l"/>
+            <a:r>
+              <a:rPr lang="en-US" sz="1600" b="0" dirty="0" err="1">
+                <a:solidFill>
+                  <a:srgbClr val="404040"/>
+                </a:solidFill>
+                <a:effectLst/>
+                <a:latin typeface="Consolas" panose="020B0609020204030204" pitchFamily="49" charset="0"/>
+              </a:rPr>
+              <a:t>MPI_Send</a:t>
+            </a:r>
+            <a:r>
+              <a:rPr lang="en-US" sz="1600" b="0" dirty="0">
+                <a:solidFill>
+                  <a:srgbClr val="404040"/>
+                </a:solidFill>
+                <a:effectLst/>
+                <a:latin typeface="Consolas" panose="020B0609020204030204" pitchFamily="49" charset="0"/>
+              </a:rPr>
+              <a:t>(const void* </a:t>
+            </a:r>
+            <a:r>
+              <a:rPr lang="en-US" sz="1600" b="0" dirty="0" err="1">
+                <a:solidFill>
+                  <a:srgbClr val="404040"/>
+                </a:solidFill>
+                <a:effectLst/>
+                <a:latin typeface="Consolas" panose="020B0609020204030204" pitchFamily="49" charset="0"/>
+              </a:rPr>
+              <a:t>buffer_send</a:t>
+            </a:r>
+            <a:r>
+              <a:rPr lang="en-US" sz="1600" b="0" dirty="0">
+                <a:solidFill>
+                  <a:srgbClr val="404040"/>
+                </a:solidFill>
+                <a:effectLst/>
+                <a:latin typeface="Consolas" panose="020B0609020204030204" pitchFamily="49" charset="0"/>
+              </a:rPr>
+              <a:t>,</a:t>
+            </a:r>
+          </a:p>
+          <a:p>
+            <a:pPr marL="0" indent="0" algn="l">
+              <a:buNone/>
+            </a:pPr>
+            <a:r>
+              <a:rPr lang="en-US" sz="1600" b="0" dirty="0">
+                <a:solidFill>
+                  <a:srgbClr val="404040"/>
+                </a:solidFill>
+                <a:effectLst/>
+                <a:latin typeface="Consolas" panose="020B0609020204030204" pitchFamily="49" charset="0"/>
+              </a:rPr>
+              <a:t>           int </a:t>
+            </a:r>
+            <a:r>
+              <a:rPr lang="en-US" sz="1600" b="0" dirty="0" err="1">
+                <a:solidFill>
+                  <a:srgbClr val="404040"/>
+                </a:solidFill>
+                <a:effectLst/>
+                <a:latin typeface="Consolas" panose="020B0609020204030204" pitchFamily="49" charset="0"/>
+              </a:rPr>
+              <a:t>count_send</a:t>
+            </a:r>
+            <a:r>
+              <a:rPr lang="en-US" sz="1600" b="0" dirty="0">
+                <a:solidFill>
+                  <a:srgbClr val="404040"/>
+                </a:solidFill>
+                <a:effectLst/>
+                <a:latin typeface="Consolas" panose="020B0609020204030204" pitchFamily="49" charset="0"/>
+              </a:rPr>
+              <a:t>,</a:t>
+            </a:r>
+          </a:p>
+          <a:p>
+            <a:pPr marL="0" indent="0" algn="l">
+              <a:buNone/>
+            </a:pPr>
+            <a:r>
+              <a:rPr lang="en-US" sz="1600" b="0" dirty="0">
+                <a:solidFill>
+                  <a:srgbClr val="404040"/>
+                </a:solidFill>
+                <a:effectLst/>
+                <a:latin typeface="Consolas" panose="020B0609020204030204" pitchFamily="49" charset="0"/>
+              </a:rPr>
+              <a:t>           </a:t>
+            </a:r>
+            <a:r>
+              <a:rPr lang="en-US" sz="1600" b="0" dirty="0" err="1">
+                <a:solidFill>
+                  <a:srgbClr val="404040"/>
+                </a:solidFill>
+                <a:effectLst/>
+                <a:latin typeface="Consolas" panose="020B0609020204030204" pitchFamily="49" charset="0"/>
+              </a:rPr>
+              <a:t>MPI_Datatype</a:t>
+            </a:r>
+            <a:r>
+              <a:rPr lang="en-US" sz="1600" b="0" dirty="0">
+                <a:solidFill>
+                  <a:srgbClr val="404040"/>
+                </a:solidFill>
+                <a:effectLst/>
+                <a:latin typeface="Consolas" panose="020B0609020204030204" pitchFamily="49" charset="0"/>
+              </a:rPr>
+              <a:t> </a:t>
+            </a:r>
+            <a:r>
+              <a:rPr lang="en-US" sz="1600" b="0" dirty="0" err="1">
+                <a:solidFill>
+                  <a:srgbClr val="404040"/>
+                </a:solidFill>
+                <a:effectLst/>
+                <a:latin typeface="Consolas" panose="020B0609020204030204" pitchFamily="49" charset="0"/>
+              </a:rPr>
+              <a:t>datatype_send</a:t>
+            </a:r>
+            <a:r>
+              <a:rPr lang="en-US" sz="1600" b="0" dirty="0">
+                <a:solidFill>
+                  <a:srgbClr val="404040"/>
+                </a:solidFill>
+                <a:effectLst/>
+                <a:latin typeface="Consolas" panose="020B0609020204030204" pitchFamily="49" charset="0"/>
+              </a:rPr>
+              <a:t>,</a:t>
+            </a:r>
+          </a:p>
+          <a:p>
+            <a:pPr marL="0" indent="0" algn="l">
+              <a:buNone/>
+            </a:pPr>
+            <a:r>
+              <a:rPr lang="en-US" sz="1600" b="0" dirty="0">
+                <a:solidFill>
+                  <a:srgbClr val="404040"/>
+                </a:solidFill>
+                <a:effectLst/>
+                <a:latin typeface="Consolas" panose="020B0609020204030204" pitchFamily="49" charset="0"/>
+              </a:rPr>
+              <a:t>           void* </a:t>
+            </a:r>
+            <a:r>
+              <a:rPr lang="en-US" sz="1600" b="0" dirty="0" err="1">
+                <a:solidFill>
+                  <a:srgbClr val="404040"/>
+                </a:solidFill>
+                <a:effectLst/>
+                <a:latin typeface="Consolas" panose="020B0609020204030204" pitchFamily="49" charset="0"/>
+              </a:rPr>
+              <a:t>buffer_recv</a:t>
+            </a:r>
+            <a:r>
+              <a:rPr lang="en-US" sz="1600" b="0" dirty="0">
+                <a:solidFill>
+                  <a:srgbClr val="404040"/>
+                </a:solidFill>
+                <a:effectLst/>
+                <a:latin typeface="Consolas" panose="020B0609020204030204" pitchFamily="49" charset="0"/>
+              </a:rPr>
+              <a:t>,</a:t>
+            </a:r>
+          </a:p>
+          <a:p>
+            <a:pPr marL="0" indent="0" algn="l">
+              <a:buNone/>
+            </a:pPr>
+            <a:r>
+              <a:rPr lang="en-US" sz="1600" b="0" dirty="0">
+                <a:solidFill>
+                  <a:srgbClr val="404040"/>
+                </a:solidFill>
+                <a:effectLst/>
+                <a:latin typeface="Consolas" panose="020B0609020204030204" pitchFamily="49" charset="0"/>
+              </a:rPr>
+              <a:t>           int </a:t>
+            </a:r>
+            <a:r>
+              <a:rPr lang="en-US" sz="1600" b="0" dirty="0" err="1">
+                <a:solidFill>
+                  <a:srgbClr val="404040"/>
+                </a:solidFill>
+                <a:effectLst/>
+                <a:latin typeface="Consolas" panose="020B0609020204030204" pitchFamily="49" charset="0"/>
+              </a:rPr>
+              <a:t>count_recv</a:t>
+            </a:r>
+            <a:r>
+              <a:rPr lang="en-US" sz="1600" b="0" dirty="0">
+                <a:solidFill>
+                  <a:srgbClr val="404040"/>
+                </a:solidFill>
+                <a:effectLst/>
+                <a:latin typeface="Consolas" panose="020B0609020204030204" pitchFamily="49" charset="0"/>
+              </a:rPr>
+              <a:t>,</a:t>
+            </a:r>
+          </a:p>
+          <a:p>
+            <a:pPr marL="0" indent="0" algn="l">
+              <a:buNone/>
+            </a:pPr>
+            <a:r>
+              <a:rPr lang="en-US" sz="1600" b="0" dirty="0">
+                <a:solidFill>
+                  <a:srgbClr val="404040"/>
+                </a:solidFill>
+                <a:effectLst/>
+                <a:latin typeface="Consolas" panose="020B0609020204030204" pitchFamily="49" charset="0"/>
+              </a:rPr>
+              <a:t>           </a:t>
+            </a:r>
+            <a:r>
+              <a:rPr lang="en-US" sz="1600" b="0" dirty="0" err="1">
+                <a:solidFill>
+                  <a:srgbClr val="404040"/>
+                </a:solidFill>
+                <a:effectLst/>
+                <a:latin typeface="Consolas" panose="020B0609020204030204" pitchFamily="49" charset="0"/>
+              </a:rPr>
+              <a:t>MPI_Datatype</a:t>
+            </a:r>
+            <a:r>
+              <a:rPr lang="en-US" sz="1600" b="0" dirty="0">
+                <a:solidFill>
+                  <a:srgbClr val="404040"/>
+                </a:solidFill>
+                <a:effectLst/>
+                <a:latin typeface="Consolas" panose="020B0609020204030204" pitchFamily="49" charset="0"/>
+              </a:rPr>
+              <a:t> </a:t>
+            </a:r>
+            <a:r>
+              <a:rPr lang="en-US" sz="1600" b="0" dirty="0" err="1">
+                <a:solidFill>
+                  <a:srgbClr val="404040"/>
+                </a:solidFill>
+                <a:effectLst/>
+                <a:latin typeface="Consolas" panose="020B0609020204030204" pitchFamily="49" charset="0"/>
+              </a:rPr>
+              <a:t>datatype_recv</a:t>
+            </a:r>
+            <a:r>
+              <a:rPr lang="en-US" sz="1600" b="0" dirty="0">
+                <a:solidFill>
+                  <a:srgbClr val="404040"/>
+                </a:solidFill>
+                <a:effectLst/>
+                <a:latin typeface="Consolas" panose="020B0609020204030204" pitchFamily="49" charset="0"/>
+              </a:rPr>
+              <a:t>,</a:t>
+            </a:r>
+          </a:p>
+          <a:p>
+            <a:pPr marL="0" indent="0" algn="l">
+              <a:buNone/>
+            </a:pPr>
+            <a:r>
+              <a:rPr lang="en-US" sz="1600" b="0" dirty="0">
+                <a:solidFill>
+                  <a:srgbClr val="404040"/>
+                </a:solidFill>
+                <a:effectLst/>
+                <a:latin typeface="Consolas" panose="020B0609020204030204" pitchFamily="49" charset="0"/>
+              </a:rPr>
+              <a:t>           int root,</a:t>
+            </a:r>
+          </a:p>
+          <a:p>
+            <a:pPr marL="0" indent="0" algn="l">
+              <a:buNone/>
+            </a:pPr>
+            <a:r>
+              <a:rPr lang="en-US" sz="1600" b="0" dirty="0">
+                <a:solidFill>
+                  <a:srgbClr val="404040"/>
+                </a:solidFill>
+                <a:effectLst/>
+                <a:latin typeface="Consolas" panose="020B0609020204030204" pitchFamily="49" charset="0"/>
+              </a:rPr>
+              <a:t>           </a:t>
+            </a:r>
+            <a:r>
+              <a:rPr lang="en-US" sz="1600" b="0" dirty="0" err="1">
+                <a:solidFill>
+                  <a:srgbClr val="404040"/>
+                </a:solidFill>
+                <a:effectLst/>
+                <a:latin typeface="Consolas" panose="020B0609020204030204" pitchFamily="49" charset="0"/>
+              </a:rPr>
+              <a:t>MPI_Comm</a:t>
+            </a:r>
+            <a:r>
+              <a:rPr lang="en-US" sz="1600" b="0" dirty="0">
+                <a:solidFill>
+                  <a:srgbClr val="404040"/>
+                </a:solidFill>
+                <a:effectLst/>
+                <a:latin typeface="Consolas" panose="020B0609020204030204" pitchFamily="49" charset="0"/>
+              </a:rPr>
+              <a:t> communicator)</a:t>
+            </a:r>
+            <a:br>
+              <a:rPr lang="en-US" sz="1600" b="0" dirty="0">
+                <a:solidFill>
+                  <a:srgbClr val="404040"/>
+                </a:solidFill>
+                <a:effectLst/>
+                <a:latin typeface="Consolas" panose="020B0609020204030204" pitchFamily="49" charset="0"/>
+              </a:rPr>
+            </a:br>
+            <a:endParaRPr lang="en-US" sz="1600" dirty="0">
+              <a:latin typeface="Consolas" panose="020B0609020204030204" pitchFamily="49" charset="0"/>
+            </a:endParaRPr>
+          </a:p>
+          <a:p>
+            <a:pPr marL="0" indent="0">
+              <a:buNone/>
+            </a:pPr>
+            <a:endParaRPr lang="en-US" sz="1600" dirty="0">
+              <a:latin typeface="+mj-lt"/>
+            </a:endParaRPr>
+          </a:p>
+        </p:txBody>
+      </p:sp>
+      <p:sp>
+        <p:nvSpPr>
+          <p:cNvPr id="4" name="TextBox 3">
+            <a:extLst>
+              <a:ext uri="{FF2B5EF4-FFF2-40B4-BE49-F238E27FC236}">
+                <a16:creationId xmlns:a16="http://schemas.microsoft.com/office/drawing/2014/main" id="{39C01479-5AA1-4D37-9587-2A463E563BBC}"/>
+              </a:ext>
+            </a:extLst>
+          </p:cNvPr>
+          <p:cNvSpPr txBox="1"/>
+          <p:nvPr/>
+        </p:nvSpPr>
+        <p:spPr>
+          <a:xfrm>
+            <a:off x="6358855" y="2996429"/>
+            <a:ext cx="3540154" cy="3416320"/>
+          </a:xfrm>
+          <a:prstGeom prst="rect">
+            <a:avLst/>
+          </a:prstGeom>
+          <a:noFill/>
+        </p:spPr>
+        <p:txBody>
+          <a:bodyPr wrap="square" rtlCol="0">
+            <a:spAutoFit/>
+          </a:bodyPr>
+          <a:lstStyle/>
+          <a:p>
+            <a:pPr marL="285750" indent="-285750">
+              <a:buFont typeface="Arial" panose="020B0604020202020204" pitchFamily="34" charset="0"/>
+              <a:buChar char="•"/>
+            </a:pPr>
+            <a:r>
+              <a:rPr lang="en-US" sz="1200" dirty="0" err="1"/>
+              <a:t>buffer_send</a:t>
+            </a:r>
+            <a:r>
+              <a:rPr lang="en-US" sz="1200" dirty="0"/>
+              <a:t> -  The buffer containing the data to dispatch from the root process. </a:t>
+            </a:r>
+          </a:p>
+          <a:p>
+            <a:pPr marL="285750" indent="-285750">
+              <a:buFont typeface="Arial" panose="020B0604020202020204" pitchFamily="34" charset="0"/>
+              <a:buChar char="•"/>
+            </a:pPr>
+            <a:r>
+              <a:rPr lang="en-US" sz="1200" dirty="0" err="1"/>
+              <a:t>count_send</a:t>
+            </a:r>
+            <a:r>
+              <a:rPr lang="en-US" sz="1200" dirty="0"/>
+              <a:t> - The number of elements to send to each process, not the total number of elements in the send buffer. For non-root processes, the send parameters like this one are ignored. </a:t>
+            </a:r>
+          </a:p>
+          <a:p>
+            <a:pPr marL="285750" indent="-285750">
+              <a:buFont typeface="Arial" panose="020B0604020202020204" pitchFamily="34" charset="0"/>
+              <a:buChar char="•"/>
+            </a:pPr>
+            <a:r>
+              <a:rPr lang="en-US" sz="1200" dirty="0" err="1"/>
+              <a:t>datatype_send</a:t>
+            </a:r>
+            <a:r>
+              <a:rPr lang="en-US" sz="1200" dirty="0"/>
+              <a:t> - The type of one send buffer element. For non-root processes, the send parameters like this one are ignored. </a:t>
+            </a:r>
+          </a:p>
+          <a:p>
+            <a:pPr marL="285750" indent="-285750">
+              <a:buFont typeface="Arial" panose="020B0604020202020204" pitchFamily="34" charset="0"/>
+              <a:buChar char="•"/>
+            </a:pPr>
+            <a:r>
+              <a:rPr lang="en-US" sz="1200" dirty="0" err="1"/>
+              <a:t>buffer_recv</a:t>
+            </a:r>
+            <a:r>
+              <a:rPr lang="en-US" sz="1200" dirty="0"/>
+              <a:t> - The buffer in which store the data dispatched. </a:t>
+            </a:r>
+          </a:p>
+          <a:p>
+            <a:pPr marL="285750" indent="-285750">
+              <a:buFont typeface="Arial" panose="020B0604020202020204" pitchFamily="34" charset="0"/>
+              <a:buChar char="•"/>
+            </a:pPr>
+            <a:r>
+              <a:rPr lang="en-US" sz="1200" dirty="0" err="1"/>
+              <a:t>count_recv</a:t>
+            </a:r>
+            <a:r>
+              <a:rPr lang="en-US" sz="1200" dirty="0"/>
+              <a:t> - The number of elements in the receive buffer. </a:t>
+            </a:r>
+          </a:p>
+          <a:p>
+            <a:pPr marL="285750" indent="-285750">
+              <a:buFont typeface="Arial" panose="020B0604020202020204" pitchFamily="34" charset="0"/>
+              <a:buChar char="•"/>
+            </a:pPr>
+            <a:r>
+              <a:rPr lang="en-US" sz="1200" dirty="0" err="1"/>
+              <a:t>datatype_recv</a:t>
+            </a:r>
+            <a:r>
+              <a:rPr lang="en-US" sz="1200" dirty="0"/>
+              <a:t> - The type of one receive buffer element. root The rank of the root process, which will dispatch the data to scatter. </a:t>
+            </a:r>
+          </a:p>
+          <a:p>
+            <a:pPr marL="285750" indent="-285750">
+              <a:buFont typeface="Arial" panose="020B0604020202020204" pitchFamily="34" charset="0"/>
+              <a:buChar char="•"/>
+            </a:pPr>
+            <a:r>
+              <a:rPr lang="en-US" sz="1200" dirty="0"/>
+              <a:t>Communicator - The communicator in which the scatter takes place.</a:t>
+            </a:r>
+          </a:p>
+        </p:txBody>
+      </p:sp>
+    </p:spTree>
+    <p:extLst>
+      <p:ext uri="{BB962C8B-B14F-4D97-AF65-F5344CB8AC3E}">
+        <p14:creationId xmlns:p14="http://schemas.microsoft.com/office/powerpoint/2010/main" val="2932963247"/>
+      </p:ext>
+    </p:extLst>
+  </p:cSld>
+  <p:clrMapOvr>
+    <a:masterClrMapping/>
+  </p:clrMapOvr>
+</p:sld>
+</file>
+
+<file path=ppt/slides/slide11.xml><?xml version="1.0" encoding="utf-8"?>
+<p:sld xmlns:a="http://schemas.openxmlformats.org/drawingml/2006/main" xmlns:r="http://schemas.openxmlformats.org/officeDocument/2006/relationships" xmlns:p="http://schemas.openxmlformats.org/presentationml/2006/main">
+  <p:cSld>
+    <p:spTree>
+      <p:nvGrpSpPr>
+        <p:cNvPr id="1" name=""/>
+        <p:cNvGrpSpPr/>
+        <p:nvPr/>
+      </p:nvGrpSpPr>
+      <p:grpSpPr>
+        <a:xfrm>
+          <a:off x="0" y="0"/>
+          <a:ext cx="0" cy="0"/>
+          <a:chOff x="0" y="0"/>
+          <a:chExt cx="0" cy="0"/>
+        </a:xfrm>
+      </p:grpSpPr>
+      <p:sp>
+        <p:nvSpPr>
+          <p:cNvPr id="2" name="Title 1">
+            <a:extLst>
+              <a:ext uri="{FF2B5EF4-FFF2-40B4-BE49-F238E27FC236}">
+                <a16:creationId xmlns:a16="http://schemas.microsoft.com/office/drawing/2014/main" id="{2F6F83A5-C6E3-4380-98C9-13206AE53231}"/>
+              </a:ext>
+            </a:extLst>
+          </p:cNvPr>
+          <p:cNvSpPr>
+            <a:spLocks noGrp="1"/>
+          </p:cNvSpPr>
+          <p:nvPr>
+            <p:ph type="title"/>
+          </p:nvPr>
+        </p:nvSpPr>
+        <p:spPr/>
+        <p:txBody>
+          <a:bodyPr/>
+          <a:lstStyle/>
+          <a:p>
+            <a:r>
+              <a:rPr lang="en-US" dirty="0"/>
+              <a:t>Message Passing with MPI</a:t>
+            </a:r>
+          </a:p>
+        </p:txBody>
+      </p:sp>
+      <p:sp>
+        <p:nvSpPr>
+          <p:cNvPr id="3" name="Content Placeholder 2">
+            <a:extLst>
+              <a:ext uri="{FF2B5EF4-FFF2-40B4-BE49-F238E27FC236}">
+                <a16:creationId xmlns:a16="http://schemas.microsoft.com/office/drawing/2014/main" id="{121983A5-D617-4513-95F0-A9325D0AA4BF}"/>
+              </a:ext>
+            </a:extLst>
+          </p:cNvPr>
+          <p:cNvSpPr>
+            <a:spLocks noGrp="1"/>
+          </p:cNvSpPr>
+          <p:nvPr>
+            <p:ph idx="1"/>
+          </p:nvPr>
+        </p:nvSpPr>
+        <p:spPr>
+          <a:xfrm>
+            <a:off x="2231136" y="2638044"/>
+            <a:ext cx="4278721" cy="3101983"/>
+          </a:xfrm>
+        </p:spPr>
+        <p:txBody>
+          <a:bodyPr>
             <a:normAutofit fontScale="92500" lnSpcReduction="10000"/>
           </a:bodyPr>
           <a:lstStyle/>
@@ -3778,7 +4325,7 @@
 </p:sld>
 </file>
 
-<file path=ppt/slides/slide11.xml><?xml version="1.0" encoding="utf-8"?>
+<file path=ppt/slides/slide12.xml><?xml version="1.0" encoding="utf-8"?>
 <p:sld xmlns:a="http://schemas.openxmlformats.org/drawingml/2006/main" xmlns:r="http://schemas.openxmlformats.org/officeDocument/2006/relationships" xmlns:p="http://schemas.openxmlformats.org/presentationml/2006/main">
   <p:cSld>
     <p:spTree>
@@ -3865,7 +4412,7 @@
 </p:sld>
 </file>
 
-<file path=ppt/slides/slide12.xml><?xml version="1.0" encoding="utf-8"?>
+<file path=ppt/slides/slide13.xml><?xml version="1.0" encoding="utf-8"?>
 <p:sld xmlns:a="http://schemas.openxmlformats.org/drawingml/2006/main" xmlns:r="http://schemas.openxmlformats.org/officeDocument/2006/relationships" xmlns:p="http://schemas.openxmlformats.org/presentationml/2006/main">
   <p:cSld>
     <p:spTree>
@@ -3981,7 +4528,7 @@
 </p:sld>
 </file>
 
-<file path=ppt/slides/slide13.xml><?xml version="1.0" encoding="utf-8"?>
+<file path=ppt/slides/slide14.xml><?xml version="1.0" encoding="utf-8"?>
 <p:sld xmlns:a="http://schemas.openxmlformats.org/drawingml/2006/main" xmlns:r="http://schemas.openxmlformats.org/officeDocument/2006/relationships" xmlns:p="http://schemas.openxmlformats.org/presentationml/2006/main">
   <p:cSld>
     <p:spTree>
@@ -4068,7 +4615,7 @@
 </p:sld>
 </file>
 
-<file path=ppt/slides/slide14.xml><?xml version="1.0" encoding="utf-8"?>
+<file path=ppt/slides/slide15.xml><?xml version="1.0" encoding="utf-8"?>
 <p:sld xmlns:a="http://schemas.openxmlformats.org/drawingml/2006/main" xmlns:r="http://schemas.openxmlformats.org/officeDocument/2006/relationships" xmlns:p="http://schemas.openxmlformats.org/presentationml/2006/main">
   <p:cSld>
     <p:spTree>
@@ -4184,7 +4731,7 @@
 </p:sld>
 </file>
 
-<file path=ppt/slides/slide15.xml><?xml version="1.0" encoding="utf-8"?>
+<file path=ppt/slides/slide16.xml><?xml version="1.0" encoding="utf-8"?>
 <p:sld xmlns:a="http://schemas.openxmlformats.org/drawingml/2006/main" xmlns:r="http://schemas.openxmlformats.org/officeDocument/2006/relationships" xmlns:p="http://schemas.openxmlformats.org/presentationml/2006/main">
   <p:cSld>
     <p:spTree>
@@ -5082,6 +5629,156 @@
           <a:p>
             <a:r>
               <a:rPr lang="en-US" dirty="0"/>
+              <a:t>INTRO to MPI</a:t>
+            </a:r>
+          </a:p>
+        </p:txBody>
+      </p:sp>
+      <p:sp>
+        <p:nvSpPr>
+          <p:cNvPr id="3" name="Content Placeholder 2">
+            <a:extLst>
+              <a:ext uri="{FF2B5EF4-FFF2-40B4-BE49-F238E27FC236}">
+                <a16:creationId xmlns:a16="http://schemas.microsoft.com/office/drawing/2014/main" id="{121983A5-D617-4513-95F0-A9325D0AA4BF}"/>
+              </a:ext>
+            </a:extLst>
+          </p:cNvPr>
+          <p:cNvSpPr>
+            <a:spLocks noGrp="1"/>
+          </p:cNvSpPr>
+          <p:nvPr>
+            <p:ph idx="1"/>
+          </p:nvPr>
+        </p:nvSpPr>
+        <p:spPr>
+          <a:xfrm>
+            <a:off x="2231136" y="2638044"/>
+            <a:ext cx="3864864" cy="3101983"/>
+          </a:xfrm>
+        </p:spPr>
+        <p:txBody>
+          <a:bodyPr>
+            <a:normAutofit/>
+          </a:bodyPr>
+          <a:lstStyle/>
+          <a:p>
+            <a:r>
+              <a:rPr lang="en-US" sz="1600" dirty="0">
+                <a:latin typeface="+mj-lt"/>
+              </a:rPr>
+              <a:t>Message Passing Interface (MPI) is a standardized and portable message-passing standard designed to function on parallel computing architectures.</a:t>
+            </a:r>
+          </a:p>
+          <a:p>
+            <a:pPr marL="228600" lvl="1" indent="0">
+              <a:buNone/>
+            </a:pPr>
+            <a:endParaRPr lang="en-US" sz="1400" dirty="0">
+              <a:latin typeface="+mj-lt"/>
+            </a:endParaRPr>
+          </a:p>
+        </p:txBody>
+      </p:sp>
+      <p:pic>
+        <p:nvPicPr>
+          <p:cNvPr id="1026" name="Picture 2" descr="collective_comm">
+            <a:extLst>
+              <a:ext uri="{FF2B5EF4-FFF2-40B4-BE49-F238E27FC236}">
+                <a16:creationId xmlns:a16="http://schemas.microsoft.com/office/drawing/2014/main" id="{738C79B9-6BBA-4794-AFD1-338EBD93D0C7}"/>
+              </a:ext>
+            </a:extLst>
+          </p:cNvPr>
+          <p:cNvPicPr>
+            <a:picLocks noChangeAspect="1" noChangeArrowheads="1"/>
+          </p:cNvPicPr>
+          <p:nvPr/>
+        </p:nvPicPr>
+        <p:blipFill>
+          <a:blip r:embed="rId2">
+            <a:extLst>
+              <a:ext uri="{28A0092B-C50C-407E-A947-70E740481C1C}">
+                <a14:useLocalDpi xmlns:a14="http://schemas.microsoft.com/office/drawing/2010/main" val="0"/>
+              </a:ext>
+            </a:extLst>
+          </a:blip>
+          <a:srcRect/>
+          <a:stretch>
+            <a:fillRect/>
+          </a:stretch>
+        </p:blipFill>
+        <p:spPr bwMode="auto">
+          <a:xfrm>
+            <a:off x="6096000" y="2451424"/>
+            <a:ext cx="3738465" cy="2463621"/>
+          </a:xfrm>
+          <a:prstGeom prst="rect">
+            <a:avLst/>
+          </a:prstGeom>
+          <a:noFill/>
+          <a:extLst>
+            <a:ext uri="{909E8E84-426E-40DD-AFC4-6F175D3DCCD1}">
+              <a14:hiddenFill xmlns:a14="http://schemas.microsoft.com/office/drawing/2010/main">
+                <a:solidFill>
+                  <a:srgbClr val="FFFFFF"/>
+                </a:solidFill>
+              </a14:hiddenFill>
+            </a:ext>
+          </a:extLst>
+        </p:spPr>
+      </p:pic>
+    </p:spTree>
+    <p:extLst>
+      <p:ext uri="{BB962C8B-B14F-4D97-AF65-F5344CB8AC3E}">
+        <p14:creationId xmlns:p14="http://schemas.microsoft.com/office/powerpoint/2010/main" val="2864398159"/>
+      </p:ext>
+    </p:extLst>
+  </p:cSld>
+  <p:clrMapOvr>
+    <a:masterClrMapping/>
+  </p:clrMapOvr>
+</p:sld>
+</file>
+
+<file path=ppt/slides/slide7.xml><?xml version="1.0" encoding="utf-8"?>
+<p:sld xmlns:a="http://schemas.openxmlformats.org/drawingml/2006/main" xmlns:r="http://schemas.openxmlformats.org/officeDocument/2006/relationships" xmlns:p="http://schemas.openxmlformats.org/presentationml/2006/main">
+  <p:cSld>
+    <p:spTree>
+      <p:nvGrpSpPr>
+        <p:cNvPr id="1" name=""/>
+        <p:cNvGrpSpPr/>
+        <p:nvPr/>
+      </p:nvGrpSpPr>
+      <p:grpSpPr>
+        <a:xfrm>
+          <a:off x="0" y="0"/>
+          <a:ext cx="0" cy="0"/>
+          <a:chOff x="0" y="0"/>
+          <a:chExt cx="0" cy="0"/>
+        </a:xfrm>
+      </p:grpSpPr>
+      <p:sp>
+        <p:nvSpPr>
+          <p:cNvPr id="2" name="Title 1">
+            <a:extLst>
+              <a:ext uri="{FF2B5EF4-FFF2-40B4-BE49-F238E27FC236}">
+                <a16:creationId xmlns:a16="http://schemas.microsoft.com/office/drawing/2014/main" id="{2F6F83A5-C6E3-4380-98C9-13206AE53231}"/>
+              </a:ext>
+            </a:extLst>
+          </p:cNvPr>
+          <p:cNvSpPr>
+            <a:spLocks noGrp="1"/>
+          </p:cNvSpPr>
+          <p:nvPr>
+            <p:ph type="title"/>
+          </p:nvPr>
+        </p:nvSpPr>
+        <p:spPr/>
+        <p:txBody>
+          <a:bodyPr/>
+          <a:lstStyle/>
+          <a:p>
+            <a:r>
+              <a:rPr lang="en-US" dirty="0"/>
               <a:t>MPI Hello </a:t>
             </a:r>
             <a:r>
@@ -5247,7 +5944,7 @@
 </p:sld>
 </file>
 
-<file path=ppt/slides/slide7.xml><?xml version="1.0" encoding="utf-8"?>
+<file path=ppt/slides/slide8.xml><?xml version="1.0" encoding="utf-8"?>
 <p:sld xmlns:a="http://schemas.openxmlformats.org/drawingml/2006/main" xmlns:r="http://schemas.openxmlformats.org/officeDocument/2006/relationships" xmlns:p="http://schemas.openxmlformats.org/presentationml/2006/main">
   <p:cSld>
     <p:spTree>
@@ -5522,7 +6219,7 @@
 </p:sld>
 </file>
 
-<file path=ppt/slides/slide8.xml><?xml version="1.0" encoding="utf-8"?>
+<file path=ppt/slides/slide9.xml><?xml version="1.0" encoding="utf-8"?>
 <p:sld xmlns:a="http://schemas.openxmlformats.org/drawingml/2006/main" xmlns:r="http://schemas.openxmlformats.org/officeDocument/2006/relationships" xmlns:p="http://schemas.openxmlformats.org/presentationml/2006/main">
   <p:cSld>
     <p:spTree>
@@ -5667,552 +6364,6 @@
     <p:extLst>
       <p:ext uri="{BB962C8B-B14F-4D97-AF65-F5344CB8AC3E}">
         <p14:creationId xmlns:p14="http://schemas.microsoft.com/office/powerpoint/2010/main" val="2574492266"/>
-      </p:ext>
-    </p:extLst>
-  </p:cSld>
-  <p:clrMapOvr>
-    <a:masterClrMapping/>
-  </p:clrMapOvr>
-</p:sld>
-</file>
-
-<file path=ppt/slides/slide9.xml><?xml version="1.0" encoding="utf-8"?>
-<p:sld xmlns:a="http://schemas.openxmlformats.org/drawingml/2006/main" xmlns:r="http://schemas.openxmlformats.org/officeDocument/2006/relationships" xmlns:p="http://schemas.openxmlformats.org/presentationml/2006/main">
-  <p:cSld>
-    <p:spTree>
-      <p:nvGrpSpPr>
-        <p:cNvPr id="1" name=""/>
-        <p:cNvGrpSpPr/>
-        <p:nvPr/>
-      </p:nvGrpSpPr>
-      <p:grpSpPr>
-        <a:xfrm>
-          <a:off x="0" y="0"/>
-          <a:ext cx="0" cy="0"/>
-          <a:chOff x="0" y="0"/>
-          <a:chExt cx="0" cy="0"/>
-        </a:xfrm>
-      </p:grpSpPr>
-      <p:sp>
-        <p:nvSpPr>
-          <p:cNvPr id="2" name="Title 1">
-            <a:extLst>
-              <a:ext uri="{FF2B5EF4-FFF2-40B4-BE49-F238E27FC236}">
-                <a16:creationId xmlns:a16="http://schemas.microsoft.com/office/drawing/2014/main" id="{2F6F83A5-C6E3-4380-98C9-13206AE53231}"/>
-              </a:ext>
-            </a:extLst>
-          </p:cNvPr>
-          <p:cNvSpPr>
-            <a:spLocks noGrp="1"/>
-          </p:cNvSpPr>
-          <p:nvPr>
-            <p:ph type="title"/>
-          </p:nvPr>
-        </p:nvSpPr>
-        <p:spPr/>
-        <p:txBody>
-          <a:bodyPr/>
-          <a:lstStyle/>
-          <a:p>
-            <a:r>
-              <a:rPr lang="en-US" dirty="0"/>
-              <a:t>Message Passing with MPI</a:t>
-            </a:r>
-          </a:p>
-        </p:txBody>
-      </p:sp>
-      <p:sp>
-        <p:nvSpPr>
-          <p:cNvPr id="3" name="Content Placeholder 2">
-            <a:extLst>
-              <a:ext uri="{FF2B5EF4-FFF2-40B4-BE49-F238E27FC236}">
-                <a16:creationId xmlns:a16="http://schemas.microsoft.com/office/drawing/2014/main" id="{121983A5-D617-4513-95F0-A9325D0AA4BF}"/>
-              </a:ext>
-            </a:extLst>
-          </p:cNvPr>
-          <p:cNvSpPr>
-            <a:spLocks noGrp="1"/>
-          </p:cNvSpPr>
-          <p:nvPr>
-            <p:ph idx="1"/>
-          </p:nvPr>
-        </p:nvSpPr>
-        <p:spPr>
-          <a:xfrm>
-            <a:off x="2231136" y="2638044"/>
-            <a:ext cx="4278721" cy="3101983"/>
-          </a:xfrm>
-        </p:spPr>
-        <p:txBody>
-          <a:bodyPr>
-            <a:normAutofit fontScale="85000" lnSpcReduction="20000"/>
-          </a:bodyPr>
-          <a:lstStyle/>
-          <a:p>
-            <a:r>
-              <a:rPr lang="en-US" sz="1600" dirty="0">
-                <a:latin typeface="+mj-lt"/>
-              </a:rPr>
-              <a:t>We can enable passaging of messages between multiple processes via the following functions</a:t>
-            </a:r>
-          </a:p>
-          <a:p>
-            <a:pPr algn="l"/>
-            <a:r>
-              <a:rPr lang="en-US" sz="1600" b="0" dirty="0" err="1">
-                <a:solidFill>
-                  <a:srgbClr val="404040"/>
-                </a:solidFill>
-                <a:effectLst/>
-                <a:latin typeface="Consolas" panose="020B0609020204030204" pitchFamily="49" charset="0"/>
-              </a:rPr>
-              <a:t>MPI_Send</a:t>
-            </a:r>
-            <a:r>
-              <a:rPr lang="en-US" sz="1600" b="0" dirty="0">
-                <a:solidFill>
-                  <a:srgbClr val="404040"/>
-                </a:solidFill>
-                <a:effectLst/>
-                <a:latin typeface="Consolas" panose="020B0609020204030204" pitchFamily="49" charset="0"/>
-              </a:rPr>
-              <a:t>(const void* </a:t>
-            </a:r>
-            <a:r>
-              <a:rPr lang="en-US" sz="1600" b="0" dirty="0" err="1">
-                <a:solidFill>
-                  <a:srgbClr val="404040"/>
-                </a:solidFill>
-                <a:effectLst/>
-                <a:latin typeface="Consolas" panose="020B0609020204030204" pitchFamily="49" charset="0"/>
-              </a:rPr>
-              <a:t>buffer_send</a:t>
-            </a:r>
-            <a:r>
-              <a:rPr lang="en-US" sz="1600" b="0" dirty="0">
-                <a:solidFill>
-                  <a:srgbClr val="404040"/>
-                </a:solidFill>
-                <a:effectLst/>
-                <a:latin typeface="Consolas" panose="020B0609020204030204" pitchFamily="49" charset="0"/>
-              </a:rPr>
-              <a:t>,</a:t>
-            </a:r>
-          </a:p>
-          <a:p>
-            <a:pPr marL="0" indent="0" algn="l">
-              <a:buNone/>
-            </a:pPr>
-            <a:r>
-              <a:rPr lang="en-US" sz="1600" b="0" dirty="0">
-                <a:solidFill>
-                  <a:srgbClr val="404040"/>
-                </a:solidFill>
-                <a:effectLst/>
-                <a:latin typeface="Consolas" panose="020B0609020204030204" pitchFamily="49" charset="0"/>
-              </a:rPr>
-              <a:t>           int </a:t>
-            </a:r>
-            <a:r>
-              <a:rPr lang="en-US" sz="1600" b="0" dirty="0" err="1">
-                <a:solidFill>
-                  <a:srgbClr val="404040"/>
-                </a:solidFill>
-                <a:effectLst/>
-                <a:latin typeface="Consolas" panose="020B0609020204030204" pitchFamily="49" charset="0"/>
-              </a:rPr>
-              <a:t>count_send</a:t>
-            </a:r>
-            <a:r>
-              <a:rPr lang="en-US" sz="1600" b="0" dirty="0">
-                <a:solidFill>
-                  <a:srgbClr val="404040"/>
-                </a:solidFill>
-                <a:effectLst/>
-                <a:latin typeface="Consolas" panose="020B0609020204030204" pitchFamily="49" charset="0"/>
-              </a:rPr>
-              <a:t>,</a:t>
-            </a:r>
-          </a:p>
-          <a:p>
-            <a:pPr marL="0" indent="0" algn="l">
-              <a:buNone/>
-            </a:pPr>
-            <a:r>
-              <a:rPr lang="en-US" sz="1600" b="0" dirty="0">
-                <a:solidFill>
-                  <a:srgbClr val="404040"/>
-                </a:solidFill>
-                <a:effectLst/>
-                <a:latin typeface="Consolas" panose="020B0609020204030204" pitchFamily="49" charset="0"/>
-              </a:rPr>
-              <a:t>           </a:t>
-            </a:r>
-            <a:r>
-              <a:rPr lang="en-US" sz="1600" b="0" dirty="0" err="1">
-                <a:solidFill>
-                  <a:srgbClr val="404040"/>
-                </a:solidFill>
-                <a:effectLst/>
-                <a:latin typeface="Consolas" panose="020B0609020204030204" pitchFamily="49" charset="0"/>
-              </a:rPr>
-              <a:t>MPI_Datatype</a:t>
-            </a:r>
-            <a:r>
-              <a:rPr lang="en-US" sz="1600" b="0" dirty="0">
-                <a:solidFill>
-                  <a:srgbClr val="404040"/>
-                </a:solidFill>
-                <a:effectLst/>
-                <a:latin typeface="Consolas" panose="020B0609020204030204" pitchFamily="49" charset="0"/>
-              </a:rPr>
-              <a:t> </a:t>
-            </a:r>
-            <a:r>
-              <a:rPr lang="en-US" sz="1600" b="0" dirty="0" err="1">
-                <a:solidFill>
-                  <a:srgbClr val="404040"/>
-                </a:solidFill>
-                <a:effectLst/>
-                <a:latin typeface="Consolas" panose="020B0609020204030204" pitchFamily="49" charset="0"/>
-              </a:rPr>
-              <a:t>datatype_send</a:t>
-            </a:r>
-            <a:r>
-              <a:rPr lang="en-US" sz="1600" b="0" dirty="0">
-                <a:solidFill>
-                  <a:srgbClr val="404040"/>
-                </a:solidFill>
-                <a:effectLst/>
-                <a:latin typeface="Consolas" panose="020B0609020204030204" pitchFamily="49" charset="0"/>
-              </a:rPr>
-              <a:t>,</a:t>
-            </a:r>
-          </a:p>
-          <a:p>
-            <a:pPr marL="0" indent="0" algn="l">
-              <a:buNone/>
-            </a:pPr>
-            <a:r>
-              <a:rPr lang="en-US" sz="1600" b="0" dirty="0">
-                <a:solidFill>
-                  <a:srgbClr val="404040"/>
-                </a:solidFill>
-                <a:effectLst/>
-                <a:latin typeface="Consolas" panose="020B0609020204030204" pitchFamily="49" charset="0"/>
-              </a:rPr>
-              <a:t>           void* </a:t>
-            </a:r>
-            <a:r>
-              <a:rPr lang="en-US" sz="1600" b="0" dirty="0" err="1">
-                <a:solidFill>
-                  <a:srgbClr val="404040"/>
-                </a:solidFill>
-                <a:effectLst/>
-                <a:latin typeface="Consolas" panose="020B0609020204030204" pitchFamily="49" charset="0"/>
-              </a:rPr>
-              <a:t>buffer_recv</a:t>
-            </a:r>
-            <a:r>
-              <a:rPr lang="en-US" sz="1600" b="0" dirty="0">
-                <a:solidFill>
-                  <a:srgbClr val="404040"/>
-                </a:solidFill>
-                <a:effectLst/>
-                <a:latin typeface="Consolas" panose="020B0609020204030204" pitchFamily="49" charset="0"/>
-              </a:rPr>
-              <a:t>,</a:t>
-            </a:r>
-          </a:p>
-          <a:p>
-            <a:pPr marL="0" indent="0" algn="l">
-              <a:buNone/>
-            </a:pPr>
-            <a:r>
-              <a:rPr lang="en-US" sz="1600" b="0" dirty="0">
-                <a:solidFill>
-                  <a:srgbClr val="404040"/>
-                </a:solidFill>
-                <a:effectLst/>
-                <a:latin typeface="Consolas" panose="020B0609020204030204" pitchFamily="49" charset="0"/>
-              </a:rPr>
-              <a:t>           int </a:t>
-            </a:r>
-            <a:r>
-              <a:rPr lang="en-US" sz="1600" b="0" dirty="0" err="1">
-                <a:solidFill>
-                  <a:srgbClr val="404040"/>
-                </a:solidFill>
-                <a:effectLst/>
-                <a:latin typeface="Consolas" panose="020B0609020204030204" pitchFamily="49" charset="0"/>
-              </a:rPr>
-              <a:t>count_recv</a:t>
-            </a:r>
-            <a:r>
-              <a:rPr lang="en-US" sz="1600" b="0" dirty="0">
-                <a:solidFill>
-                  <a:srgbClr val="404040"/>
-                </a:solidFill>
-                <a:effectLst/>
-                <a:latin typeface="Consolas" panose="020B0609020204030204" pitchFamily="49" charset="0"/>
-              </a:rPr>
-              <a:t>,</a:t>
-            </a:r>
-          </a:p>
-          <a:p>
-            <a:pPr marL="0" indent="0" algn="l">
-              <a:buNone/>
-            </a:pPr>
-            <a:r>
-              <a:rPr lang="en-US" sz="1600" b="0" dirty="0">
-                <a:solidFill>
-                  <a:srgbClr val="404040"/>
-                </a:solidFill>
-                <a:effectLst/>
-                <a:latin typeface="Consolas" panose="020B0609020204030204" pitchFamily="49" charset="0"/>
-              </a:rPr>
-              <a:t>           </a:t>
-            </a:r>
-            <a:r>
-              <a:rPr lang="en-US" sz="1600" b="0" dirty="0" err="1">
-                <a:solidFill>
-                  <a:srgbClr val="404040"/>
-                </a:solidFill>
-                <a:effectLst/>
-                <a:latin typeface="Consolas" panose="020B0609020204030204" pitchFamily="49" charset="0"/>
-              </a:rPr>
-              <a:t>MPI_Datatype</a:t>
-            </a:r>
-            <a:r>
-              <a:rPr lang="en-US" sz="1600" b="0" dirty="0">
-                <a:solidFill>
-                  <a:srgbClr val="404040"/>
-                </a:solidFill>
-                <a:effectLst/>
-                <a:latin typeface="Consolas" panose="020B0609020204030204" pitchFamily="49" charset="0"/>
-              </a:rPr>
-              <a:t> </a:t>
-            </a:r>
-            <a:r>
-              <a:rPr lang="en-US" sz="1600" b="0" dirty="0" err="1">
-                <a:solidFill>
-                  <a:srgbClr val="404040"/>
-                </a:solidFill>
-                <a:effectLst/>
-                <a:latin typeface="Consolas" panose="020B0609020204030204" pitchFamily="49" charset="0"/>
-              </a:rPr>
-              <a:t>datatype_recv</a:t>
-            </a:r>
-            <a:r>
-              <a:rPr lang="en-US" sz="1600" b="0" dirty="0">
-                <a:solidFill>
-                  <a:srgbClr val="404040"/>
-                </a:solidFill>
-                <a:effectLst/>
-                <a:latin typeface="Consolas" panose="020B0609020204030204" pitchFamily="49" charset="0"/>
-              </a:rPr>
-              <a:t>,</a:t>
-            </a:r>
-          </a:p>
-          <a:p>
-            <a:pPr marL="0" indent="0" algn="l">
-              <a:buNone/>
-            </a:pPr>
-            <a:r>
-              <a:rPr lang="en-US" sz="1600" b="0" dirty="0">
-                <a:solidFill>
-                  <a:srgbClr val="404040"/>
-                </a:solidFill>
-                <a:effectLst/>
-                <a:latin typeface="Consolas" panose="020B0609020204030204" pitchFamily="49" charset="0"/>
-              </a:rPr>
-              <a:t>           int root,</a:t>
-            </a:r>
-          </a:p>
-          <a:p>
-            <a:pPr marL="0" indent="0" algn="l">
-              <a:buNone/>
-            </a:pPr>
-            <a:r>
-              <a:rPr lang="en-US" sz="1600" b="0" dirty="0">
-                <a:solidFill>
-                  <a:srgbClr val="404040"/>
-                </a:solidFill>
-                <a:effectLst/>
-                <a:latin typeface="Consolas" panose="020B0609020204030204" pitchFamily="49" charset="0"/>
-              </a:rPr>
-              <a:t>           </a:t>
-            </a:r>
-            <a:r>
-              <a:rPr lang="en-US" sz="1600" b="0" dirty="0" err="1">
-                <a:solidFill>
-                  <a:srgbClr val="404040"/>
-                </a:solidFill>
-                <a:effectLst/>
-                <a:latin typeface="Consolas" panose="020B0609020204030204" pitchFamily="49" charset="0"/>
-              </a:rPr>
-              <a:t>MPI_Comm</a:t>
-            </a:r>
-            <a:r>
-              <a:rPr lang="en-US" sz="1600" b="0" dirty="0">
-                <a:solidFill>
-                  <a:srgbClr val="404040"/>
-                </a:solidFill>
-                <a:effectLst/>
-                <a:latin typeface="Consolas" panose="020B0609020204030204" pitchFamily="49" charset="0"/>
-              </a:rPr>
-              <a:t> communicator)</a:t>
-            </a:r>
-            <a:br>
-              <a:rPr lang="en-US" sz="1600" b="0" dirty="0">
-                <a:solidFill>
-                  <a:srgbClr val="404040"/>
-                </a:solidFill>
-                <a:effectLst/>
-                <a:latin typeface="Consolas" panose="020B0609020204030204" pitchFamily="49" charset="0"/>
-              </a:rPr>
-            </a:br>
-            <a:endParaRPr lang="en-US" sz="1600" dirty="0">
-              <a:latin typeface="Consolas" panose="020B0609020204030204" pitchFamily="49" charset="0"/>
-            </a:endParaRPr>
-          </a:p>
-          <a:p>
-            <a:pPr marL="0" indent="0">
-              <a:buNone/>
-            </a:pPr>
-            <a:endParaRPr lang="en-US" sz="1600" dirty="0">
-              <a:latin typeface="+mj-lt"/>
-            </a:endParaRPr>
-          </a:p>
-        </p:txBody>
-      </p:sp>
-      <p:sp>
-        <p:nvSpPr>
-          <p:cNvPr id="4" name="TextBox 3">
-            <a:extLst>
-              <a:ext uri="{FF2B5EF4-FFF2-40B4-BE49-F238E27FC236}">
-                <a16:creationId xmlns:a16="http://schemas.microsoft.com/office/drawing/2014/main" id="{39C01479-5AA1-4D37-9587-2A463E563BBC}"/>
-              </a:ext>
-            </a:extLst>
-          </p:cNvPr>
-          <p:cNvSpPr txBox="1"/>
-          <p:nvPr/>
-        </p:nvSpPr>
-        <p:spPr>
-          <a:xfrm>
-            <a:off x="6358855" y="2996429"/>
-            <a:ext cx="3540154" cy="3416320"/>
-          </a:xfrm>
-          <a:prstGeom prst="rect">
-            <a:avLst/>
-          </a:prstGeom>
-          <a:noFill/>
-        </p:spPr>
-        <p:txBody>
-          <a:bodyPr wrap="square" rtlCol="0">
-            <a:spAutoFit/>
-          </a:bodyPr>
-          <a:lstStyle/>
-          <a:p>
-            <a:pPr marL="285750" indent="-285750">
-              <a:buFont typeface="Arial" panose="020B0604020202020204" pitchFamily="34" charset="0"/>
-              <a:buChar char="•"/>
-            </a:pPr>
-            <a:r>
-              <a:rPr lang="en-US" sz="1200" dirty="0" err="1"/>
-              <a:t>buffer_send</a:t>
-            </a:r>
-            <a:r>
-              <a:rPr lang="en-US" sz="1200" dirty="0"/>
-              <a:t> -  The buffer containing the data to dispatch from the root process. </a:t>
-            </a:r>
-          </a:p>
-          <a:p>
-            <a:pPr marL="285750" indent="-285750">
-              <a:buFont typeface="Arial" panose="020B0604020202020204" pitchFamily="34" charset="0"/>
-              <a:buChar char="•"/>
-            </a:pPr>
-            <a:r>
-              <a:rPr lang="en-US" sz="1200" dirty="0" err="1"/>
-              <a:t>count_send</a:t>
-            </a:r>
-            <a:r>
-              <a:rPr lang="en-US" sz="1200" dirty="0"/>
-              <a:t> - The number of elements to send to each process, not the total number of elements in the send buffer. For non-root processes, the send parameters like this one are ignored. </a:t>
-            </a:r>
-          </a:p>
-          <a:p>
-            <a:pPr marL="285750" indent="-285750">
-              <a:buFont typeface="Arial" panose="020B0604020202020204" pitchFamily="34" charset="0"/>
-              <a:buChar char="•"/>
-            </a:pPr>
-            <a:r>
-              <a:rPr lang="en-US" sz="1200" dirty="0" err="1"/>
-              <a:t>datatype_send</a:t>
-            </a:r>
-            <a:r>
-              <a:rPr lang="en-US" sz="1200" dirty="0"/>
-              <a:t> - The type of one send buffer element. For non-root processes, the send parameters like this one are ignored. </a:t>
-            </a:r>
-          </a:p>
-          <a:p>
-            <a:pPr marL="285750" indent="-285750">
-              <a:buFont typeface="Arial" panose="020B0604020202020204" pitchFamily="34" charset="0"/>
-              <a:buChar char="•"/>
-            </a:pPr>
-            <a:r>
-              <a:rPr lang="en-US" sz="1200" dirty="0" err="1"/>
-              <a:t>buffer_recv</a:t>
-            </a:r>
-            <a:r>
-              <a:rPr lang="en-US" sz="1200" dirty="0"/>
-              <a:t> - The buffer in which store the data dispatched. </a:t>
-            </a:r>
-          </a:p>
-          <a:p>
-            <a:pPr marL="285750" indent="-285750">
-              <a:buFont typeface="Arial" panose="020B0604020202020204" pitchFamily="34" charset="0"/>
-              <a:buChar char="•"/>
-            </a:pPr>
-            <a:r>
-              <a:rPr lang="en-US" sz="1200" dirty="0" err="1"/>
-              <a:t>count_recv</a:t>
-            </a:r>
-            <a:r>
-              <a:rPr lang="en-US" sz="1200" dirty="0"/>
-              <a:t> - The number of elements in the receive buffer. </a:t>
-            </a:r>
-          </a:p>
-          <a:p>
-            <a:pPr marL="285750" indent="-285750">
-              <a:buFont typeface="Arial" panose="020B0604020202020204" pitchFamily="34" charset="0"/>
-              <a:buChar char="•"/>
-            </a:pPr>
-            <a:r>
-              <a:rPr lang="en-US" sz="1200" dirty="0" err="1"/>
-              <a:t>datatype_recv</a:t>
-            </a:r>
-            <a:r>
-              <a:rPr lang="en-US" sz="1200" dirty="0"/>
-              <a:t> - The type of one receive buffer element. root The rank of the root process, which will dispatch the data to scatter. </a:t>
-            </a:r>
-          </a:p>
-          <a:p>
-            <a:pPr marL="285750" indent="-285750">
-              <a:buFont typeface="Arial" panose="020B0604020202020204" pitchFamily="34" charset="0"/>
-              <a:buChar char="•"/>
-            </a:pPr>
-            <a:r>
-              <a:rPr lang="en-US" sz="1200" dirty="0"/>
-              <a:t>Communicator - The communicator in which the scatter takes place.</a:t>
-            </a:r>
-          </a:p>
-        </p:txBody>
-      </p:sp>
-    </p:spTree>
-    <p:extLst>
-      <p:ext uri="{BB962C8B-B14F-4D97-AF65-F5344CB8AC3E}">
-        <p14:creationId xmlns:p14="http://schemas.microsoft.com/office/powerpoint/2010/main" val="2932963247"/>
       </p:ext>
     </p:extLst>
   </p:cSld>
